--- a/受控文档/02-其他任务/[PRD-15]UML基础二.pptx
+++ b/受控文档/02-其他任务/[PRD-15]UML基础二.pptx
@@ -5,7 +5,7 @@
     <p:sldMasterId id="2147483648" r:id="rId1"/>
   </p:sldMasterIdLst>
   <p:notesMasterIdLst>
-    <p:notesMasterId r:id="rId49"/>
+    <p:notesMasterId r:id="rId50"/>
   </p:notesMasterIdLst>
   <p:sldIdLst>
     <p:sldId id="258" r:id="rId2"/>
@@ -37,49 +37,50 @@
     <p:sldId id="285" r:id="rId28"/>
     <p:sldId id="287" r:id="rId29"/>
     <p:sldId id="288" r:id="rId30"/>
-    <p:sldId id="362" r:id="rId31"/>
-    <p:sldId id="292" r:id="rId32"/>
-    <p:sldId id="293" r:id="rId33"/>
-    <p:sldId id="294" r:id="rId34"/>
-    <p:sldId id="295" r:id="rId35"/>
-    <p:sldId id="296" r:id="rId36"/>
-    <p:sldId id="297" r:id="rId37"/>
-    <p:sldId id="298" r:id="rId38"/>
-    <p:sldId id="299" r:id="rId39"/>
-    <p:sldId id="300" r:id="rId40"/>
-    <p:sldId id="301" r:id="rId41"/>
-    <p:sldId id="302" r:id="rId42"/>
-    <p:sldId id="303" r:id="rId43"/>
-    <p:sldId id="361" r:id="rId44"/>
-    <p:sldId id="276" r:id="rId45"/>
-    <p:sldId id="311" r:id="rId46"/>
-    <p:sldId id="360" r:id="rId47"/>
-    <p:sldId id="312" r:id="rId48"/>
+    <p:sldId id="366" r:id="rId31"/>
+    <p:sldId id="362" r:id="rId32"/>
+    <p:sldId id="292" r:id="rId33"/>
+    <p:sldId id="293" r:id="rId34"/>
+    <p:sldId id="294" r:id="rId35"/>
+    <p:sldId id="295" r:id="rId36"/>
+    <p:sldId id="296" r:id="rId37"/>
+    <p:sldId id="297" r:id="rId38"/>
+    <p:sldId id="298" r:id="rId39"/>
+    <p:sldId id="299" r:id="rId40"/>
+    <p:sldId id="300" r:id="rId41"/>
+    <p:sldId id="301" r:id="rId42"/>
+    <p:sldId id="302" r:id="rId43"/>
+    <p:sldId id="303" r:id="rId44"/>
+    <p:sldId id="361" r:id="rId45"/>
+    <p:sldId id="276" r:id="rId46"/>
+    <p:sldId id="311" r:id="rId47"/>
+    <p:sldId id="360" r:id="rId48"/>
+    <p:sldId id="312" r:id="rId49"/>
   </p:sldIdLst>
   <p:sldSz cx="12192000" cy="6858000"/>
   <p:notesSz cx="6858000" cy="9144000"/>
   <p:embeddedFontLst>
     <p:embeddedFont>
-      <p:font typeface="等线" panose="02010600030101010101" pitchFamily="2" charset="-122"/>
-      <p:regular r:id="rId50"/>
-      <p:bold r:id="rId51"/>
+      <p:font typeface="黑体" panose="02010609060101010101" pitchFamily="49" charset="-122"/>
+      <p:regular r:id="rId51"/>
     </p:embeddedFont>
     <p:embeddedFont>
-      <p:font typeface="黑体" panose="02010609060101010101" pitchFamily="49" charset="-122"/>
+      <p:font typeface="微软雅黑" panose="020B0503020204020204" pitchFamily="34" charset="-122"/>
       <p:regular r:id="rId52"/>
-    </p:embeddedFont>
-    <p:embeddedFont>
-      <p:font typeface="华文楷体" panose="02010600040101010101" pitchFamily="2" charset="-122"/>
-      <p:regular r:id="rId53"/>
+      <p:bold r:id="rId53"/>
     </p:embeddedFont>
     <p:embeddedFont>
       <p:font typeface="华文新魏" panose="02010800040101010101" pitchFamily="2" charset="-122"/>
       <p:regular r:id="rId54"/>
     </p:embeddedFont>
     <p:embeddedFont>
-      <p:font typeface="微软雅黑" panose="020B0503020204020204" pitchFamily="34" charset="-122"/>
+      <p:font typeface="华文楷体" panose="02010600040101010101" pitchFamily="2" charset="-122"/>
       <p:regular r:id="rId55"/>
-      <p:bold r:id="rId56"/>
+    </p:embeddedFont>
+    <p:embeddedFont>
+      <p:font typeface="等线" panose="02010600030101010101" pitchFamily="2" charset="-122"/>
+      <p:regular r:id="rId56"/>
+      <p:bold r:id="rId57"/>
     </p:embeddedFont>
   </p:embeddedFontLst>
   <p:defaultTextStyle>
@@ -278,7 +279,7 @@
           <a:p>
             <a:fld id="{A109EA2A-4C48-4C61-B30A-DAB1A3E93B21}" type="datetimeFigureOut">
               <a:rPr lang="zh-CN" altLang="en-US" smtClean="0"/>
-              <a:t>2018/11/8</a:t>
+              <a:t>2018/11/9</a:t>
             </a:fld>
             <a:endParaRPr lang="zh-CN" altLang="en-US"/>
           </a:p>
@@ -1262,6 +1263,18 @@
               </a:rPr>
               <a:t>支持拖拽</a:t>
             </a:r>
+            <a:r>
+              <a:rPr lang="zh-CN" altLang="en-US" sz="1200" b="0" i="0" kern="1200" dirty="0">
+                <a:solidFill>
+                  <a:schemeClr val="tx1"/>
+                </a:solidFill>
+                <a:effectLst/>
+                <a:latin typeface="+mn-lt"/>
+                <a:ea typeface="+mn-ea"/>
+                <a:cs typeface="+mn-cs"/>
+              </a:rPr>
+              <a:t/>
+            </a:r>
             <a:br>
               <a:rPr lang="zh-CN" altLang="en-US" sz="1200" b="0" i="0" kern="1200" dirty="0">
                 <a:solidFill>
@@ -1552,15 +1565,7 @@
           <a:bodyPr/>
           <a:lstStyle/>
           <a:p>
-            <a:endParaRPr lang="en-US" altLang="zh-CN" sz="1200" b="0" i="0" u="none" strike="noStrike" kern="1200" dirty="0">
-              <a:solidFill>
-                <a:schemeClr val="tx1"/>
-              </a:solidFill>
-              <a:effectLst/>
-              <a:latin typeface="+mn-lt"/>
-              <a:ea typeface="+mn-ea"/>
-              <a:cs typeface="+mn-cs"/>
-            </a:endParaRPr>
+            <a:endParaRPr kumimoji="1" lang="zh-CN" altLang="en-US" dirty="0"/>
           </a:p>
         </p:txBody>
       </p:sp>
@@ -1590,7 +1595,7 @@
     </p:spTree>
     <p:extLst>
       <p:ext uri="{BB962C8B-B14F-4D97-AF65-F5344CB8AC3E}">
-        <p14:creationId xmlns:p14="http://schemas.microsoft.com/office/powerpoint/2010/main" val="4279734403"/>
+        <p14:creationId xmlns:p14="http://schemas.microsoft.com/office/powerpoint/2010/main" val="1552837293"/>
       </p:ext>
     </p:extLst>
   </p:cSld>
@@ -1673,7 +1678,7 @@
           <a:p>
             <a:fld id="{74B31000-9408-426B-B873-D4C066E48AF8}" type="slidenum">
               <a:rPr lang="zh-CN" altLang="en-US" smtClean="0"/>
-              <a:t>32</a:t>
+              <a:t>31</a:t>
             </a:fld>
             <a:endParaRPr lang="zh-CN" altLang="en-US"/>
           </a:p>
@@ -1682,7 +1687,7 @@
     </p:spTree>
     <p:extLst>
       <p:ext uri="{BB962C8B-B14F-4D97-AF65-F5344CB8AC3E}">
-        <p14:creationId xmlns:p14="http://schemas.microsoft.com/office/powerpoint/2010/main" val="398944452"/>
+        <p14:creationId xmlns:p14="http://schemas.microsoft.com/office/powerpoint/2010/main" val="4279734403"/>
       </p:ext>
     </p:extLst>
   </p:cSld>
@@ -1839,6 +1844,10 @@
               </a:rPr>
               <a:t>表示法比较适用于系统的设计和构造。 </a:t>
             </a:r>
+            <a:r>
+              <a:rPr lang="zh-CN" altLang="en-US" dirty="0"/>
+              <a:t/>
+            </a:r>
             <a:br>
               <a:rPr lang="zh-CN" altLang="en-US" dirty="0"/>
             </a:br>
@@ -1926,6 +1935,10 @@
               </a:rPr>
               <a:t>适用于分析和描述数据为中心的信息系统。 </a:t>
             </a:r>
+            <a:r>
+              <a:rPr lang="zh-CN" altLang="en-US" dirty="0"/>
+              <a:t/>
+            </a:r>
             <a:br>
               <a:rPr lang="zh-CN" altLang="en-US" dirty="0"/>
             </a:br>
@@ -2073,6 +2086,10 @@
               </a:rPr>
               <a:t>版本。</a:t>
             </a:r>
+            <a:r>
+              <a:rPr lang="zh-CN" altLang="en-US" dirty="0"/>
+              <a:t/>
+            </a:r>
             <a:br>
               <a:rPr lang="zh-CN" altLang="en-US" dirty="0"/>
             </a:br>
@@ -2243,6 +2260,10 @@
                 <a:cs typeface="+mn-cs"/>
               </a:rPr>
               <a:t>，成为可视化建模语言事实上的工业标准。 </a:t>
+            </a:r>
+            <a:r>
+              <a:rPr lang="zh-CN" altLang="en-US" dirty="0"/>
+              <a:t/>
             </a:r>
             <a:br>
               <a:rPr lang="zh-CN" altLang="en-US" dirty="0"/>
@@ -2653,7 +2674,7 @@
     </p:spTree>
     <p:extLst>
       <p:ext uri="{BB962C8B-B14F-4D97-AF65-F5344CB8AC3E}">
-        <p14:creationId xmlns:p14="http://schemas.microsoft.com/office/powerpoint/2010/main" val="1180544602"/>
+        <p14:creationId xmlns:p14="http://schemas.microsoft.com/office/powerpoint/2010/main" val="398944452"/>
       </p:ext>
     </p:extLst>
   </p:cSld>
@@ -2745,7 +2766,7 @@
     </p:spTree>
     <p:extLst>
       <p:ext uri="{BB962C8B-B14F-4D97-AF65-F5344CB8AC3E}">
-        <p14:creationId xmlns:p14="http://schemas.microsoft.com/office/powerpoint/2010/main" val="2974387189"/>
+        <p14:creationId xmlns:p14="http://schemas.microsoft.com/office/powerpoint/2010/main" val="1180544602"/>
       </p:ext>
     </p:extLst>
   </p:cSld>
@@ -2837,7 +2858,7 @@
     </p:spTree>
     <p:extLst>
       <p:ext uri="{BB962C8B-B14F-4D97-AF65-F5344CB8AC3E}">
-        <p14:creationId xmlns:p14="http://schemas.microsoft.com/office/powerpoint/2010/main" val="94015670"/>
+        <p14:creationId xmlns:p14="http://schemas.microsoft.com/office/powerpoint/2010/main" val="2974387189"/>
       </p:ext>
     </p:extLst>
   </p:cSld>
@@ -2929,7 +2950,7 @@
     </p:spTree>
     <p:extLst>
       <p:ext uri="{BB962C8B-B14F-4D97-AF65-F5344CB8AC3E}">
-        <p14:creationId xmlns:p14="http://schemas.microsoft.com/office/powerpoint/2010/main" val="742545229"/>
+        <p14:creationId xmlns:p14="http://schemas.microsoft.com/office/powerpoint/2010/main" val="94015670"/>
       </p:ext>
     </p:extLst>
   </p:cSld>
@@ -3021,7 +3042,7 @@
     </p:spTree>
     <p:extLst>
       <p:ext uri="{BB962C8B-B14F-4D97-AF65-F5344CB8AC3E}">
-        <p14:creationId xmlns:p14="http://schemas.microsoft.com/office/powerpoint/2010/main" val="2922713437"/>
+        <p14:creationId xmlns:p14="http://schemas.microsoft.com/office/powerpoint/2010/main" val="742545229"/>
       </p:ext>
     </p:extLst>
   </p:cSld>
@@ -3113,7 +3134,7 @@
     </p:spTree>
     <p:extLst>
       <p:ext uri="{BB962C8B-B14F-4D97-AF65-F5344CB8AC3E}">
-        <p14:creationId xmlns:p14="http://schemas.microsoft.com/office/powerpoint/2010/main" val="2773675599"/>
+        <p14:creationId xmlns:p14="http://schemas.microsoft.com/office/powerpoint/2010/main" val="2922713437"/>
       </p:ext>
     </p:extLst>
   </p:cSld>
@@ -3205,7 +3226,7 @@
     </p:spTree>
     <p:extLst>
       <p:ext uri="{BB962C8B-B14F-4D97-AF65-F5344CB8AC3E}">
-        <p14:creationId xmlns:p14="http://schemas.microsoft.com/office/powerpoint/2010/main" val="1225072308"/>
+        <p14:creationId xmlns:p14="http://schemas.microsoft.com/office/powerpoint/2010/main" val="2773675599"/>
       </p:ext>
     </p:extLst>
   </p:cSld>
@@ -3297,7 +3318,7 @@
     </p:spTree>
     <p:extLst>
       <p:ext uri="{BB962C8B-B14F-4D97-AF65-F5344CB8AC3E}">
-        <p14:creationId xmlns:p14="http://schemas.microsoft.com/office/powerpoint/2010/main" val="1643341705"/>
+        <p14:creationId xmlns:p14="http://schemas.microsoft.com/office/powerpoint/2010/main" val="1225072308"/>
       </p:ext>
     </p:extLst>
   </p:cSld>
@@ -3389,7 +3410,7 @@
     </p:spTree>
     <p:extLst>
       <p:ext uri="{BB962C8B-B14F-4D97-AF65-F5344CB8AC3E}">
-        <p14:creationId xmlns:p14="http://schemas.microsoft.com/office/powerpoint/2010/main" val="842809519"/>
+        <p14:creationId xmlns:p14="http://schemas.microsoft.com/office/powerpoint/2010/main" val="1643341705"/>
       </p:ext>
     </p:extLst>
   </p:cSld>
@@ -3481,7 +3502,7 @@
     </p:spTree>
     <p:extLst>
       <p:ext uri="{BB962C8B-B14F-4D97-AF65-F5344CB8AC3E}">
-        <p14:creationId xmlns:p14="http://schemas.microsoft.com/office/powerpoint/2010/main" val="2011218848"/>
+        <p14:creationId xmlns:p14="http://schemas.microsoft.com/office/powerpoint/2010/main" val="842809519"/>
       </p:ext>
     </p:extLst>
   </p:cSld>
@@ -3638,6 +3659,10 @@
               </a:rPr>
               <a:t>表示法比较适用于系统的设计和构造。 </a:t>
             </a:r>
+            <a:r>
+              <a:rPr lang="zh-CN" altLang="en-US" dirty="0"/>
+              <a:t/>
+            </a:r>
             <a:br>
               <a:rPr lang="zh-CN" altLang="en-US" dirty="0"/>
             </a:br>
@@ -3725,6 +3750,10 @@
               </a:rPr>
               <a:t>适用于分析和描述数据为中心的信息系统。 </a:t>
             </a:r>
+            <a:r>
+              <a:rPr lang="zh-CN" altLang="en-US" dirty="0"/>
+              <a:t/>
+            </a:r>
             <a:br>
               <a:rPr lang="zh-CN" altLang="en-US" dirty="0"/>
             </a:br>
@@ -3872,6 +3901,10 @@
               </a:rPr>
               <a:t>版本。</a:t>
             </a:r>
+            <a:r>
+              <a:rPr lang="zh-CN" altLang="en-US" dirty="0"/>
+              <a:t/>
+            </a:r>
             <a:br>
               <a:rPr lang="zh-CN" altLang="en-US" dirty="0"/>
             </a:br>
@@ -4042,6 +4075,10 @@
                 <a:cs typeface="+mn-cs"/>
               </a:rPr>
               <a:t>，成为可视化建模语言事实上的工业标准。 </a:t>
+            </a:r>
+            <a:r>
+              <a:rPr lang="zh-CN" altLang="en-US" dirty="0"/>
+              <a:t/>
             </a:r>
             <a:br>
               <a:rPr lang="zh-CN" altLang="en-US" dirty="0"/>
@@ -4452,7 +4489,7 @@
     </p:spTree>
     <p:extLst>
       <p:ext uri="{BB962C8B-B14F-4D97-AF65-F5344CB8AC3E}">
-        <p14:creationId xmlns:p14="http://schemas.microsoft.com/office/powerpoint/2010/main" val="2419741562"/>
+        <p14:creationId xmlns:p14="http://schemas.microsoft.com/office/powerpoint/2010/main" val="2011218848"/>
       </p:ext>
     </p:extLst>
   </p:cSld>
@@ -4506,7 +4543,15 @@
           <a:bodyPr/>
           <a:lstStyle/>
           <a:p>
-            <a:endParaRPr kumimoji="1" lang="zh-CN" altLang="en-US" dirty="0"/>
+            <a:endParaRPr lang="en-US" altLang="zh-CN" sz="1200" b="0" i="0" u="none" strike="noStrike" kern="1200" dirty="0">
+              <a:solidFill>
+                <a:schemeClr val="tx1"/>
+              </a:solidFill>
+              <a:effectLst/>
+              <a:latin typeface="+mn-lt"/>
+              <a:ea typeface="+mn-ea"/>
+              <a:cs typeface="+mn-cs"/>
+            </a:endParaRPr>
           </a:p>
         </p:txBody>
       </p:sp>
@@ -4527,7 +4572,91 @@
           <a:p>
             <a:fld id="{74B31000-9408-426B-B873-D4C066E48AF8}" type="slidenum">
               <a:rPr lang="zh-CN" altLang="en-US" smtClean="0"/>
-              <a:t>46</a:t>
+              <a:t>44</a:t>
+            </a:fld>
+            <a:endParaRPr lang="zh-CN" altLang="en-US"/>
+          </a:p>
+        </p:txBody>
+      </p:sp>
+    </p:spTree>
+    <p:extLst>
+      <p:ext uri="{BB962C8B-B14F-4D97-AF65-F5344CB8AC3E}">
+        <p14:creationId xmlns:p14="http://schemas.microsoft.com/office/powerpoint/2010/main" val="2419741562"/>
+      </p:ext>
+    </p:extLst>
+  </p:cSld>
+  <p:clrMapOvr>
+    <a:masterClrMapping/>
+  </p:clrMapOvr>
+</p:notes>
+</file>
+
+<file path=ppt/notesSlides/notesSlide32.xml><?xml version="1.0" encoding="utf-8"?>
+<p:notes xmlns:a="http://schemas.openxmlformats.org/drawingml/2006/main" xmlns:r="http://schemas.openxmlformats.org/officeDocument/2006/relationships" xmlns:p="http://schemas.openxmlformats.org/presentationml/2006/main">
+  <p:cSld>
+    <p:spTree>
+      <p:nvGrpSpPr>
+        <p:cNvPr id="1" name=""/>
+        <p:cNvGrpSpPr/>
+        <p:nvPr/>
+      </p:nvGrpSpPr>
+      <p:grpSpPr>
+        <a:xfrm>
+          <a:off x="0" y="0"/>
+          <a:ext cx="0" cy="0"/>
+          <a:chOff x="0" y="0"/>
+          <a:chExt cx="0" cy="0"/>
+        </a:xfrm>
+      </p:grpSpPr>
+      <p:sp>
+        <p:nvSpPr>
+          <p:cNvPr id="2" name="幻灯片图像占位符 1"/>
+          <p:cNvSpPr>
+            <a:spLocks noGrp="1" noRot="1" noChangeAspect="1"/>
+          </p:cNvSpPr>
+          <p:nvPr>
+            <p:ph type="sldImg"/>
+          </p:nvPr>
+        </p:nvSpPr>
+        <p:spPr/>
+      </p:sp>
+      <p:sp>
+        <p:nvSpPr>
+          <p:cNvPr id="3" name="备注占位符 2"/>
+          <p:cNvSpPr>
+            <a:spLocks noGrp="1"/>
+          </p:cNvSpPr>
+          <p:nvPr>
+            <p:ph type="body" idx="1"/>
+          </p:nvPr>
+        </p:nvSpPr>
+        <p:spPr/>
+        <p:txBody>
+          <a:bodyPr/>
+          <a:lstStyle/>
+          <a:p>
+            <a:endParaRPr kumimoji="1" lang="zh-CN" altLang="en-US" dirty="0"/>
+          </a:p>
+        </p:txBody>
+      </p:sp>
+      <p:sp>
+        <p:nvSpPr>
+          <p:cNvPr id="4" name="灯片编号占位符 3"/>
+          <p:cNvSpPr>
+            <a:spLocks noGrp="1"/>
+          </p:cNvSpPr>
+          <p:nvPr>
+            <p:ph type="sldNum" sz="quarter" idx="5"/>
+          </p:nvPr>
+        </p:nvSpPr>
+        <p:spPr/>
+        <p:txBody>
+          <a:bodyPr/>
+          <a:lstStyle/>
+          <a:p>
+            <a:fld id="{74B31000-9408-426B-B873-D4C066E48AF8}" type="slidenum">
+              <a:rPr lang="zh-CN" altLang="en-US" smtClean="0"/>
+              <a:t>47</a:t>
             </a:fld>
             <a:endParaRPr lang="zh-CN" altLang="en-US"/>
           </a:p>
@@ -4693,6 +4822,10 @@
               </a:rPr>
               <a:t>表示法比较适用于系统的设计和构造。 </a:t>
             </a:r>
+            <a:r>
+              <a:rPr lang="zh-CN" altLang="en-US" dirty="0"/>
+              <a:t/>
+            </a:r>
             <a:br>
               <a:rPr lang="zh-CN" altLang="en-US" dirty="0"/>
             </a:br>
@@ -4780,6 +4913,10 @@
               </a:rPr>
               <a:t>适用于分析和描述数据为中心的信息系统。 </a:t>
             </a:r>
+            <a:r>
+              <a:rPr lang="zh-CN" altLang="en-US" dirty="0"/>
+              <a:t/>
+            </a:r>
             <a:br>
               <a:rPr lang="zh-CN" altLang="en-US" dirty="0"/>
             </a:br>
@@ -4927,6 +5064,10 @@
               </a:rPr>
               <a:t>版本。</a:t>
             </a:r>
+            <a:r>
+              <a:rPr lang="zh-CN" altLang="en-US" dirty="0"/>
+              <a:t/>
+            </a:r>
             <a:br>
               <a:rPr lang="zh-CN" altLang="en-US" dirty="0"/>
             </a:br>
@@ -5097,6 +5238,10 @@
                 <a:cs typeface="+mn-cs"/>
               </a:rPr>
               <a:t>，成为可视化建模语言事实上的工业标准。 </a:t>
+            </a:r>
+            <a:r>
+              <a:rPr lang="zh-CN" altLang="en-US" dirty="0"/>
+              <a:t/>
             </a:r>
             <a:br>
               <a:rPr lang="zh-CN" altLang="en-US" dirty="0"/>
@@ -9717,7 +9862,7 @@
         </p:nvSpPr>
         <p:spPr>
           <a:xfrm>
-            <a:off x="3445933" y="2125934"/>
+            <a:off x="3556770" y="1297772"/>
             <a:ext cx="5325497" cy="584775"/>
           </a:xfrm>
           <a:prstGeom prst="rect">
@@ -9756,7 +9901,7 @@
         </p:nvSpPr>
         <p:spPr>
           <a:xfrm>
-            <a:off x="3445933" y="2908454"/>
+            <a:off x="3556770" y="2080292"/>
             <a:ext cx="4504759" cy="584775"/>
           </a:xfrm>
           <a:prstGeom prst="rect">
@@ -9795,7 +9940,7 @@
         </p:nvSpPr>
         <p:spPr>
           <a:xfrm>
-            <a:off x="3445933" y="3690974"/>
+            <a:off x="3556770" y="2862812"/>
             <a:ext cx="4915128" cy="584775"/>
           </a:xfrm>
           <a:prstGeom prst="rect">
@@ -9834,7 +9979,7 @@
         </p:nvSpPr>
         <p:spPr>
           <a:xfrm>
-            <a:off x="3445933" y="4416383"/>
+            <a:off x="3556770" y="3588221"/>
             <a:ext cx="5325497" cy="584775"/>
           </a:xfrm>
           <a:prstGeom prst="rect">
@@ -9873,7 +10018,7 @@
         </p:nvSpPr>
         <p:spPr>
           <a:xfrm>
-            <a:off x="3445933" y="5161251"/>
+            <a:off x="3556770" y="4333089"/>
             <a:ext cx="3684022" cy="584775"/>
           </a:xfrm>
           <a:prstGeom prst="rect">
@@ -10006,6 +10151,46 @@
               <a:rPr lang="zh-CN" altLang="en-US" sz="6000" dirty="0"/>
               <a:t>目录</a:t>
             </a:r>
+          </a:p>
+        </p:txBody>
+      </p:sp>
+      <p:sp>
+        <p:nvSpPr>
+          <p:cNvPr id="10" name="文本框 9">
+            <a:extLst>
+              <a:ext uri="{FF2B5EF4-FFF2-40B4-BE49-F238E27FC236}">
+                <a16:creationId xmlns:a16="http://schemas.microsoft.com/office/drawing/2014/main" id="{432E5B0F-8B2C-43BB-961F-F3C7A60884BD}"/>
+              </a:ext>
+            </a:extLst>
+          </p:cNvPr>
+          <p:cNvSpPr txBox="1"/>
+          <p:nvPr/>
+        </p:nvSpPr>
+        <p:spPr>
+          <a:xfrm>
+            <a:off x="3556770" y="5153261"/>
+            <a:ext cx="2452916" cy="584775"/>
+          </a:xfrm>
+          <a:prstGeom prst="rect">
+            <a:avLst/>
+          </a:prstGeom>
+          <a:noFill/>
+        </p:spPr>
+        <p:txBody>
+          <a:bodyPr wrap="none" rtlCol="0">
+            <a:spAutoFit/>
+          </a:bodyPr>
+          <a:lstStyle/>
+          <a:p>
+            <a:r>
+              <a:rPr lang="en-US" altLang="zh-CN" sz="3200" dirty="0" smtClean="0"/>
+              <a:t>6</a:t>
+            </a:r>
+            <a:r>
+              <a:rPr lang="zh-CN" altLang="en-US" sz="3200" dirty="0" smtClean="0"/>
+              <a:t>、分工绩效</a:t>
+            </a:r>
+            <a:endParaRPr lang="zh-CN" altLang="en-US" sz="3200" dirty="0"/>
           </a:p>
         </p:txBody>
       </p:sp>
@@ -13691,6 +13876,10 @@
               <a:rPr lang="zh-CN" altLang="en-US" b="1" dirty="0"/>
               <a:t>支持拖拽</a:t>
             </a:r>
+            <a:r>
+              <a:rPr lang="zh-CN" altLang="en-US" dirty="0"/>
+              <a:t/>
+            </a:r>
             <a:br>
               <a:rPr lang="zh-CN" altLang="en-US" dirty="0"/>
             </a:br>
@@ -14241,6 +14430,10 @@
               <a:rPr lang="zh-CN" altLang="en-US" b="1" dirty="0"/>
               <a:t>高保真工具</a:t>
             </a:r>
+            <a:r>
+              <a:rPr lang="zh-CN" altLang="en-US" dirty="0"/>
+              <a:t/>
+            </a:r>
             <a:br>
               <a:rPr lang="zh-CN" altLang="en-US" dirty="0"/>
             </a:br>
@@ -14689,6 +14882,304 @@
 </file>
 
 <file path=ppt/slides/slide30.xml><?xml version="1.0" encoding="utf-8"?>
+<p:sld xmlns:a="http://schemas.openxmlformats.org/drawingml/2006/main" xmlns:r="http://schemas.openxmlformats.org/officeDocument/2006/relationships" xmlns:p="http://schemas.openxmlformats.org/presentationml/2006/main">
+  <p:cSld>
+    <p:spTree>
+      <p:nvGrpSpPr>
+        <p:cNvPr id="1" name=""/>
+        <p:cNvGrpSpPr/>
+        <p:nvPr/>
+      </p:nvGrpSpPr>
+      <p:grpSpPr>
+        <a:xfrm>
+          <a:off x="0" y="0"/>
+          <a:ext cx="0" cy="0"/>
+          <a:chOff x="0" y="0"/>
+          <a:chExt cx="0" cy="0"/>
+        </a:xfrm>
+      </p:grpSpPr>
+      <p:sp>
+        <p:nvSpPr>
+          <p:cNvPr id="17" name="椭圆 16"/>
+          <p:cNvSpPr/>
+          <p:nvPr/>
+        </p:nvSpPr>
+        <p:spPr>
+          <a:xfrm>
+            <a:off x="-1226820" y="-1346917"/>
+            <a:ext cx="2453640" cy="2453640"/>
+          </a:xfrm>
+          <a:prstGeom prst="ellipse">
+            <a:avLst/>
+          </a:prstGeom>
+          <a:solidFill>
+            <a:srgbClr val="48A2A0">
+              <a:alpha val="70000"/>
+            </a:srgbClr>
+          </a:solidFill>
+          <a:ln>
+            <a:noFill/>
+          </a:ln>
+        </p:spPr>
+        <p:style>
+          <a:lnRef idx="2">
+            <a:schemeClr val="accent1">
+              <a:shade val="50000"/>
+            </a:schemeClr>
+          </a:lnRef>
+          <a:fillRef idx="1">
+            <a:schemeClr val="accent1"/>
+          </a:fillRef>
+          <a:effectRef idx="0">
+            <a:schemeClr val="accent1"/>
+          </a:effectRef>
+          <a:fontRef idx="minor">
+            <a:schemeClr val="lt1"/>
+          </a:fontRef>
+        </p:style>
+        <p:txBody>
+          <a:bodyPr rtlCol="0" anchor="ctr"/>
+          <a:lstStyle/>
+          <a:p>
+            <a:pPr algn="ctr"/>
+            <a:endParaRPr lang="zh-CN" altLang="en-US"/>
+          </a:p>
+        </p:txBody>
+      </p:sp>
+      <p:sp>
+        <p:nvSpPr>
+          <p:cNvPr id="18" name="椭圆 17"/>
+          <p:cNvSpPr/>
+          <p:nvPr/>
+        </p:nvSpPr>
+        <p:spPr>
+          <a:xfrm>
+            <a:off x="434235" y="314138"/>
+            <a:ext cx="792585" cy="792585"/>
+          </a:xfrm>
+          <a:prstGeom prst="ellipse">
+            <a:avLst/>
+          </a:prstGeom>
+          <a:solidFill>
+            <a:srgbClr val="6C92C0">
+              <a:alpha val="70000"/>
+            </a:srgbClr>
+          </a:solidFill>
+          <a:ln>
+            <a:noFill/>
+          </a:ln>
+        </p:spPr>
+        <p:style>
+          <a:lnRef idx="2">
+            <a:schemeClr val="accent1">
+              <a:shade val="50000"/>
+            </a:schemeClr>
+          </a:lnRef>
+          <a:fillRef idx="1">
+            <a:schemeClr val="accent1"/>
+          </a:fillRef>
+          <a:effectRef idx="0">
+            <a:schemeClr val="accent1"/>
+          </a:effectRef>
+          <a:fontRef idx="minor">
+            <a:schemeClr val="lt1"/>
+          </a:fontRef>
+        </p:style>
+        <p:txBody>
+          <a:bodyPr rtlCol="0" anchor="ctr"/>
+          <a:lstStyle/>
+          <a:p>
+            <a:pPr algn="ctr"/>
+            <a:endParaRPr lang="zh-CN" altLang="en-US"/>
+          </a:p>
+        </p:txBody>
+      </p:sp>
+      <p:sp>
+        <p:nvSpPr>
+          <p:cNvPr id="20" name="矩形 19"/>
+          <p:cNvSpPr/>
+          <p:nvPr/>
+        </p:nvSpPr>
+        <p:spPr>
+          <a:xfrm>
+            <a:off x="1226820" y="409276"/>
+            <a:ext cx="3877985" cy="584775"/>
+          </a:xfrm>
+          <a:prstGeom prst="rect">
+            <a:avLst/>
+          </a:prstGeom>
+        </p:spPr>
+        <p:txBody>
+          <a:bodyPr wrap="none">
+            <a:spAutoFit/>
+          </a:bodyPr>
+          <a:lstStyle/>
+          <a:p>
+            <a:r>
+              <a:rPr lang="zh-CN" altLang="en-US" sz="3200" b="1" dirty="0">
+                <a:solidFill>
+                  <a:schemeClr val="tx1">
+                    <a:lumMod val="75000"/>
+                    <a:lumOff val="25000"/>
+                  </a:schemeClr>
+                </a:solidFill>
+              </a:rPr>
+              <a:t>用户界面的开发工具</a:t>
+            </a:r>
+          </a:p>
+        </p:txBody>
+      </p:sp>
+      <p:pic>
+        <p:nvPicPr>
+          <p:cNvPr id="6" name="Picture 2" descr="https://timgsa.baidu.com/timg?image&amp;quality=80&amp;size=b9999_10000&amp;sec=1510997080445&amp;di=f2687e9c7e7194fba66b0568ee7ea9d2&amp;imgtype=0&amp;src=http%3A%2F%2Fpic.orsoon.com%2F2016%2F0427%2F20160427042211708.png">
+            <a:extLst>
+              <a:ext uri="{FF2B5EF4-FFF2-40B4-BE49-F238E27FC236}">
+                <a16:creationId xmlns:a16="http://schemas.microsoft.com/office/drawing/2014/main" id="{055B1E2B-72DF-F04B-AE5A-D5AD50921755}"/>
+              </a:ext>
+            </a:extLst>
+          </p:cNvPr>
+          <p:cNvPicPr>
+            <a:picLocks noChangeAspect="1" noChangeArrowheads="1"/>
+          </p:cNvPicPr>
+          <p:nvPr/>
+        </p:nvPicPr>
+        <p:blipFill>
+          <a:blip r:embed="rId3" cstate="print">
+            <a:extLst>
+              <a:ext uri="{28A0092B-C50C-407E-A947-70E740481C1C}">
+                <a14:useLocalDpi xmlns:a14="http://schemas.microsoft.com/office/drawing/2010/main" val="0"/>
+              </a:ext>
+            </a:extLst>
+          </a:blip>
+          <a:srcRect/>
+          <a:stretch>
+            <a:fillRect/>
+          </a:stretch>
+        </p:blipFill>
+        <p:spPr bwMode="auto">
+          <a:xfrm>
+            <a:off x="4702352" y="3823834"/>
+            <a:ext cx="1351725" cy="1351725"/>
+          </a:xfrm>
+          <a:prstGeom prst="rect">
+            <a:avLst/>
+          </a:prstGeom>
+          <a:noFill/>
+          <a:extLst>
+            <a:ext uri="{909E8E84-426E-40DD-AFC4-6F175D3DCCD1}">
+              <a14:hiddenFill xmlns:a14="http://schemas.microsoft.com/office/drawing/2010/main">
+                <a:solidFill>
+                  <a:srgbClr val="FFFFFF"/>
+                </a:solidFill>
+              </a14:hiddenFill>
+            </a:ext>
+          </a:extLst>
+        </p:spPr>
+      </p:pic>
+      <p:pic>
+        <p:nvPicPr>
+          <p:cNvPr id="3" name="图片 2"/>
+          <p:cNvPicPr>
+            <a:picLocks noChangeAspect="1"/>
+          </p:cNvPicPr>
+          <p:nvPr/>
+        </p:nvPicPr>
+        <p:blipFill>
+          <a:blip r:embed="rId4">
+            <a:extLst>
+              <a:ext uri="{28A0092B-C50C-407E-A947-70E740481C1C}">
+                <a14:useLocalDpi xmlns:a14="http://schemas.microsoft.com/office/drawing/2010/main" val="0"/>
+              </a:ext>
+            </a:extLst>
+          </a:blip>
+          <a:stretch>
+            <a:fillRect/>
+          </a:stretch>
+        </p:blipFill>
+        <p:spPr>
+          <a:xfrm>
+            <a:off x="830527" y="1469447"/>
+            <a:ext cx="2657475" cy="4972050"/>
+          </a:xfrm>
+          <a:prstGeom prst="rect">
+            <a:avLst/>
+          </a:prstGeom>
+        </p:spPr>
+      </p:pic>
+      <p:pic>
+        <p:nvPicPr>
+          <p:cNvPr id="4" name="图片 3"/>
+          <p:cNvPicPr>
+            <a:picLocks noChangeAspect="1"/>
+          </p:cNvPicPr>
+          <p:nvPr/>
+        </p:nvPicPr>
+        <p:blipFill>
+          <a:blip r:embed="rId5">
+            <a:extLst>
+              <a:ext uri="{28A0092B-C50C-407E-A947-70E740481C1C}">
+                <a14:useLocalDpi xmlns:a14="http://schemas.microsoft.com/office/drawing/2010/main" val="0"/>
+              </a:ext>
+            </a:extLst>
+          </a:blip>
+          <a:stretch>
+            <a:fillRect/>
+          </a:stretch>
+        </p:blipFill>
+        <p:spPr>
+          <a:xfrm>
+            <a:off x="2328430" y="1224396"/>
+            <a:ext cx="9696450" cy="1333500"/>
+          </a:xfrm>
+          <a:prstGeom prst="rect">
+            <a:avLst/>
+          </a:prstGeom>
+        </p:spPr>
+      </p:pic>
+      <p:pic>
+        <p:nvPicPr>
+          <p:cNvPr id="7" name="图片 6"/>
+          <p:cNvPicPr>
+            <a:picLocks noChangeAspect="1"/>
+          </p:cNvPicPr>
+          <p:nvPr/>
+        </p:nvPicPr>
+        <p:blipFill>
+          <a:blip r:embed="rId6">
+            <a:extLst>
+              <a:ext uri="{28A0092B-C50C-407E-A947-70E740481C1C}">
+                <a14:useLocalDpi xmlns:a14="http://schemas.microsoft.com/office/drawing/2010/main" val="0"/>
+              </a:ext>
+            </a:extLst>
+          </a:blip>
+          <a:stretch>
+            <a:fillRect/>
+          </a:stretch>
+        </p:blipFill>
+        <p:spPr>
+          <a:xfrm>
+            <a:off x="6744132" y="2557896"/>
+            <a:ext cx="2638425" cy="4124325"/>
+          </a:xfrm>
+          <a:prstGeom prst="rect">
+            <a:avLst/>
+          </a:prstGeom>
+        </p:spPr>
+      </p:pic>
+    </p:spTree>
+    <p:extLst>
+      <p:ext uri="{BB962C8B-B14F-4D97-AF65-F5344CB8AC3E}">
+        <p14:creationId xmlns:p14="http://schemas.microsoft.com/office/powerpoint/2010/main" val="3702939515"/>
+      </p:ext>
+    </p:extLst>
+  </p:cSld>
+  <p:clrMapOvr>
+    <a:masterClrMapping/>
+  </p:clrMapOvr>
+</p:sld>
+</file>
+
+<file path=ppt/slides/slide31.xml><?xml version="1.0" encoding="utf-8"?>
 <p:sld xmlns:a="http://schemas.openxmlformats.org/drawingml/2006/main" xmlns:r="http://schemas.openxmlformats.org/officeDocument/2006/relationships" xmlns:p="http://schemas.openxmlformats.org/presentationml/2006/main">
   <p:cSld>
     <p:spTree>
@@ -15177,7 +15668,7 @@
 </p:sld>
 </file>
 
-<file path=ppt/slides/slide31.xml><?xml version="1.0" encoding="utf-8"?>
+<file path=ppt/slides/slide32.xml><?xml version="1.0" encoding="utf-8"?>
 <p:sld xmlns:a="http://schemas.openxmlformats.org/drawingml/2006/main" xmlns:r="http://schemas.openxmlformats.org/officeDocument/2006/relationships" xmlns:p="http://schemas.openxmlformats.org/presentationml/2006/main">
   <p:cSld>
     <p:spTree>
@@ -15510,343 +16001,6 @@
 </p:sld>
 </file>
 
-<file path=ppt/slides/slide32.xml><?xml version="1.0" encoding="utf-8"?>
-<p:sld xmlns:a="http://schemas.openxmlformats.org/drawingml/2006/main" xmlns:r="http://schemas.openxmlformats.org/officeDocument/2006/relationships" xmlns:p="http://schemas.openxmlformats.org/presentationml/2006/main">
-  <p:cSld>
-    <p:spTree>
-      <p:nvGrpSpPr>
-        <p:cNvPr id="1" name=""/>
-        <p:cNvGrpSpPr/>
-        <p:nvPr/>
-      </p:nvGrpSpPr>
-      <p:grpSpPr>
-        <a:xfrm>
-          <a:off x="0" y="0"/>
-          <a:ext cx="0" cy="0"/>
-          <a:chOff x="0" y="0"/>
-          <a:chExt cx="0" cy="0"/>
-        </a:xfrm>
-      </p:grpSpPr>
-      <p:sp>
-        <p:nvSpPr>
-          <p:cNvPr id="33" name="椭圆 32"/>
-          <p:cNvSpPr/>
-          <p:nvPr/>
-        </p:nvSpPr>
-        <p:spPr>
-          <a:xfrm>
-            <a:off x="-1226820" y="-1346917"/>
-            <a:ext cx="2453640" cy="2453640"/>
-          </a:xfrm>
-          <a:prstGeom prst="ellipse">
-            <a:avLst/>
-          </a:prstGeom>
-          <a:solidFill>
-            <a:srgbClr val="48A2A0">
-              <a:alpha val="70000"/>
-            </a:srgbClr>
-          </a:solidFill>
-          <a:ln>
-            <a:noFill/>
-          </a:ln>
-        </p:spPr>
-        <p:style>
-          <a:lnRef idx="2">
-            <a:schemeClr val="accent1">
-              <a:shade val="50000"/>
-            </a:schemeClr>
-          </a:lnRef>
-          <a:fillRef idx="1">
-            <a:schemeClr val="accent1"/>
-          </a:fillRef>
-          <a:effectRef idx="0">
-            <a:schemeClr val="accent1"/>
-          </a:effectRef>
-          <a:fontRef idx="minor">
-            <a:schemeClr val="lt1"/>
-          </a:fontRef>
-        </p:style>
-        <p:txBody>
-          <a:bodyPr rtlCol="0" anchor="ctr"/>
-          <a:lstStyle/>
-          <a:p>
-            <a:pPr algn="ctr"/>
-            <a:endParaRPr lang="zh-CN" altLang="en-US"/>
-          </a:p>
-        </p:txBody>
-      </p:sp>
-      <p:sp>
-        <p:nvSpPr>
-          <p:cNvPr id="34" name="椭圆 33"/>
-          <p:cNvSpPr/>
-          <p:nvPr/>
-        </p:nvSpPr>
-        <p:spPr>
-          <a:xfrm>
-            <a:off x="434235" y="314138"/>
-            <a:ext cx="792585" cy="792585"/>
-          </a:xfrm>
-          <a:prstGeom prst="ellipse">
-            <a:avLst/>
-          </a:prstGeom>
-          <a:solidFill>
-            <a:srgbClr val="6C92C0">
-              <a:alpha val="70000"/>
-            </a:srgbClr>
-          </a:solidFill>
-          <a:ln>
-            <a:noFill/>
-          </a:ln>
-        </p:spPr>
-        <p:style>
-          <a:lnRef idx="2">
-            <a:schemeClr val="accent1">
-              <a:shade val="50000"/>
-            </a:schemeClr>
-          </a:lnRef>
-          <a:fillRef idx="1">
-            <a:schemeClr val="accent1"/>
-          </a:fillRef>
-          <a:effectRef idx="0">
-            <a:schemeClr val="accent1"/>
-          </a:effectRef>
-          <a:fontRef idx="minor">
-            <a:schemeClr val="lt1"/>
-          </a:fontRef>
-        </p:style>
-        <p:txBody>
-          <a:bodyPr rtlCol="0" anchor="ctr"/>
-          <a:lstStyle/>
-          <a:p>
-            <a:pPr algn="ctr"/>
-            <a:endParaRPr lang="zh-CN" altLang="en-US"/>
-          </a:p>
-        </p:txBody>
-      </p:sp>
-      <p:sp>
-        <p:nvSpPr>
-          <p:cNvPr id="35" name="矩形 34"/>
-          <p:cNvSpPr/>
-          <p:nvPr/>
-        </p:nvSpPr>
-        <p:spPr>
-          <a:xfrm>
-            <a:off x="1344023" y="448348"/>
-            <a:ext cx="2492990" cy="400110"/>
-          </a:xfrm>
-          <a:prstGeom prst="rect">
-            <a:avLst/>
-          </a:prstGeom>
-        </p:spPr>
-        <p:txBody>
-          <a:bodyPr wrap="none">
-            <a:spAutoFit/>
-          </a:bodyPr>
-          <a:lstStyle/>
-          <a:p>
-            <a:r>
-              <a:rPr lang="zh-CN" altLang="en-US" sz="2000" b="1" dirty="0">
-                <a:latin typeface="Gotham Rounded Medium" panose="02000000000000000000" pitchFamily="50" charset="0"/>
-              </a:rPr>
-              <a:t>用户界面评估的特点</a:t>
-            </a:r>
-            <a:endParaRPr lang="zh-CN" altLang="en-US" sz="2000" dirty="0"/>
-          </a:p>
-        </p:txBody>
-      </p:sp>
-      <p:sp>
-        <p:nvSpPr>
-          <p:cNvPr id="45" name="文本框 44">
-            <a:extLst>
-              <a:ext uri="{FF2B5EF4-FFF2-40B4-BE49-F238E27FC236}">
-                <a16:creationId xmlns:a16="http://schemas.microsoft.com/office/drawing/2014/main" id="{F7DE7E5A-DECC-6A4D-A938-EA141C243805}"/>
-              </a:ext>
-            </a:extLst>
-          </p:cNvPr>
-          <p:cNvSpPr txBox="1"/>
-          <p:nvPr/>
-        </p:nvSpPr>
-        <p:spPr>
-          <a:xfrm>
-            <a:off x="2240383" y="1554605"/>
-            <a:ext cx="7215678" cy="400110"/>
-          </a:xfrm>
-          <a:prstGeom prst="rect">
-            <a:avLst/>
-          </a:prstGeom>
-          <a:noFill/>
-        </p:spPr>
-        <p:txBody>
-          <a:bodyPr wrap="square" rtlCol="0">
-            <a:spAutoFit/>
-          </a:bodyPr>
-          <a:lstStyle/>
-          <a:p>
-            <a:r>
-              <a:rPr kumimoji="1" lang="en-US" altLang="zh-CN" sz="2000" dirty="0"/>
-              <a:t>1</a:t>
-            </a:r>
-            <a:r>
-              <a:rPr kumimoji="1" lang="zh-CN" altLang="en-US" sz="2000" dirty="0"/>
-              <a:t>、评价项目众多，无法</a:t>
-            </a:r>
-            <a:r>
-              <a:rPr kumimoji="1" lang="zh-CN" altLang="en-US" sz="2000" dirty="0">
-                <a:solidFill>
-                  <a:srgbClr val="FF0000"/>
-                </a:solidFill>
-              </a:rPr>
-              <a:t>定量</a:t>
-            </a:r>
-            <a:r>
-              <a:rPr kumimoji="1" lang="zh-CN" altLang="en-US" sz="2000" dirty="0"/>
-              <a:t>描述</a:t>
-            </a:r>
-            <a:endParaRPr kumimoji="1" lang="en-US" altLang="zh-CN" sz="2000" dirty="0"/>
-          </a:p>
-        </p:txBody>
-      </p:sp>
-      <p:sp>
-        <p:nvSpPr>
-          <p:cNvPr id="8" name="文本框 7">
-            <a:extLst>
-              <a:ext uri="{FF2B5EF4-FFF2-40B4-BE49-F238E27FC236}">
-                <a16:creationId xmlns:a16="http://schemas.microsoft.com/office/drawing/2014/main" id="{E775CDA0-D84B-443F-BFE8-5D85703BB10F}"/>
-              </a:ext>
-            </a:extLst>
-          </p:cNvPr>
-          <p:cNvSpPr txBox="1"/>
-          <p:nvPr/>
-        </p:nvSpPr>
-        <p:spPr>
-          <a:xfrm>
-            <a:off x="2240383" y="2088005"/>
-            <a:ext cx="7215678" cy="707886"/>
-          </a:xfrm>
-          <a:prstGeom prst="rect">
-            <a:avLst/>
-          </a:prstGeom>
-          <a:noFill/>
-        </p:spPr>
-        <p:txBody>
-          <a:bodyPr wrap="square" rtlCol="0">
-            <a:spAutoFit/>
-          </a:bodyPr>
-          <a:lstStyle/>
-          <a:p>
-            <a:r>
-              <a:rPr kumimoji="1" lang="en-US" altLang="zh-CN" sz="2000" dirty="0"/>
-              <a:t>2</a:t>
-            </a:r>
-            <a:r>
-              <a:rPr kumimoji="1" lang="zh-CN" altLang="en-US" sz="2000" dirty="0"/>
-              <a:t>、视知觉具有整体性、选择性、理解性、恒常性、和错觉等熟悉，显示的综合效果并不是单一效果的简单叠加</a:t>
-            </a:r>
-            <a:endParaRPr kumimoji="1" lang="en-US" altLang="zh-CN" sz="2000" dirty="0"/>
-          </a:p>
-        </p:txBody>
-      </p:sp>
-      <p:sp>
-        <p:nvSpPr>
-          <p:cNvPr id="9" name="文本框 8">
-            <a:extLst>
-              <a:ext uri="{FF2B5EF4-FFF2-40B4-BE49-F238E27FC236}">
-                <a16:creationId xmlns:a16="http://schemas.microsoft.com/office/drawing/2014/main" id="{DBF536D7-1AD0-4B75-A812-E89F37EDD63F}"/>
-              </a:ext>
-            </a:extLst>
-          </p:cNvPr>
-          <p:cNvSpPr txBox="1"/>
-          <p:nvPr/>
-        </p:nvSpPr>
-        <p:spPr>
-          <a:xfrm>
-            <a:off x="2240383" y="2982041"/>
-            <a:ext cx="7215678" cy="1015663"/>
-          </a:xfrm>
-          <a:prstGeom prst="rect">
-            <a:avLst/>
-          </a:prstGeom>
-          <a:noFill/>
-        </p:spPr>
-        <p:txBody>
-          <a:bodyPr wrap="square" rtlCol="0">
-            <a:spAutoFit/>
-          </a:bodyPr>
-          <a:lstStyle/>
-          <a:p>
-            <a:r>
-              <a:rPr kumimoji="1" lang="en-US" altLang="zh-CN" sz="2000" dirty="0"/>
-              <a:t>3</a:t>
-            </a:r>
-            <a:r>
-              <a:rPr kumimoji="1" lang="zh-CN" altLang="en-US" sz="2000" dirty="0"/>
-              <a:t>、软件用户界面的评价主要以人的主观感受为评价依据，它受人的辨识能力，认知过程，舒适性和系统功能以及个人的只是，经验，和喜好等未知、已知或非确定因素的影响</a:t>
-            </a:r>
-            <a:endParaRPr kumimoji="1" lang="en-US" altLang="zh-CN" sz="2000" dirty="0"/>
-          </a:p>
-        </p:txBody>
-      </p:sp>
-      <p:sp>
-        <p:nvSpPr>
-          <p:cNvPr id="10" name="文本框 9">
-            <a:extLst>
-              <a:ext uri="{FF2B5EF4-FFF2-40B4-BE49-F238E27FC236}">
-                <a16:creationId xmlns:a16="http://schemas.microsoft.com/office/drawing/2014/main" id="{4EDB2D59-4AA5-4ECD-A116-A268B150DEC0}"/>
-              </a:ext>
-            </a:extLst>
-          </p:cNvPr>
-          <p:cNvSpPr txBox="1"/>
-          <p:nvPr/>
-        </p:nvSpPr>
-        <p:spPr>
-          <a:xfrm>
-            <a:off x="2240383" y="4475605"/>
-            <a:ext cx="7215678" cy="400110"/>
-          </a:xfrm>
-          <a:prstGeom prst="rect">
-            <a:avLst/>
-          </a:prstGeom>
-          <a:noFill/>
-        </p:spPr>
-        <p:txBody>
-          <a:bodyPr wrap="square" rtlCol="0">
-            <a:spAutoFit/>
-          </a:bodyPr>
-          <a:lstStyle/>
-          <a:p>
-            <a:r>
-              <a:rPr kumimoji="1" lang="zh-CN" altLang="en-US" sz="2000" dirty="0"/>
-              <a:t>这些特点使得我们对软件用户界面的评价</a:t>
-            </a:r>
-            <a:r>
-              <a:rPr kumimoji="1" lang="zh-CN" altLang="en-US" sz="2000" dirty="0">
-                <a:solidFill>
-                  <a:srgbClr val="FF0000"/>
-                </a:solidFill>
-              </a:rPr>
-              <a:t>十分困难</a:t>
-            </a:r>
-            <a:endParaRPr kumimoji="1" lang="en-US" altLang="zh-CN" sz="2000" dirty="0">
-              <a:solidFill>
-                <a:srgbClr val="FF0000"/>
-              </a:solidFill>
-            </a:endParaRPr>
-          </a:p>
-        </p:txBody>
-      </p:sp>
-    </p:spTree>
-    <p:extLst>
-      <p:ext uri="{BB962C8B-B14F-4D97-AF65-F5344CB8AC3E}">
-        <p14:creationId xmlns:p14="http://schemas.microsoft.com/office/powerpoint/2010/main" val="3661313745"/>
-      </p:ext>
-    </p:extLst>
-  </p:cSld>
-  <p:clrMapOvr>
-    <a:masterClrMapping/>
-  </p:clrMapOvr>
-</p:sld>
-</file>
-
 <file path=ppt/slides/slide33.xml><?xml version="1.0" encoding="utf-8"?>
 <p:sld xmlns:a="http://schemas.openxmlformats.org/drawingml/2006/main" xmlns:r="http://schemas.openxmlformats.org/officeDocument/2006/relationships" xmlns:p="http://schemas.openxmlformats.org/presentationml/2006/main">
   <p:cSld>
@@ -15985,7 +16139,7 @@
               <a:rPr lang="zh-CN" altLang="en-US" sz="2000" b="1" dirty="0">
                 <a:latin typeface="Gotham Rounded Medium" panose="02000000000000000000" pitchFamily="50" charset="0"/>
               </a:rPr>
-              <a:t>用户界面评估的方法</a:t>
+              <a:t>用户界面评估的特点</a:t>
             </a:r>
             <a:endParaRPr lang="zh-CN" altLang="en-US" sz="2000" dirty="0"/>
           </a:p>
@@ -16006,7 +16160,7 @@
         <p:spPr>
           <a:xfrm>
             <a:off x="2240383" y="1554605"/>
-            <a:ext cx="7215678" cy="1015663"/>
+            <a:ext cx="7215678" cy="400110"/>
           </a:xfrm>
           <a:prstGeom prst="rect">
             <a:avLst/>
@@ -16020,8 +16174,12 @@
           <a:lstStyle/>
           <a:p>
             <a:r>
+              <a:rPr kumimoji="1" lang="en-US" altLang="zh-CN" sz="2000" dirty="0"/>
+              <a:t>1</a:t>
+            </a:r>
+            <a:r>
               <a:rPr kumimoji="1" lang="zh-CN" altLang="en-US" sz="2000" dirty="0"/>
-              <a:t>现代综合评价方法很多，应用最多的是</a:t>
+              <a:t>、评价项目众多，无法</a:t>
             </a:r>
             <a:r>
               <a:rPr kumimoji="1" lang="zh-CN" altLang="en-US" sz="2000" dirty="0">
@@ -16029,11 +16187,11 @@
                   <a:srgbClr val="FF0000"/>
                 </a:solidFill>
               </a:rPr>
-              <a:t>模糊集合理论</a:t>
+              <a:t>定量</a:t>
             </a:r>
             <a:r>
               <a:rPr kumimoji="1" lang="zh-CN" altLang="en-US" sz="2000" dirty="0"/>
-              <a:t>，首先运用层次分析法确定各指标的权重系数，然后运用模糊综合评价法进行综合评价。</a:t>
+              <a:t>描述</a:t>
             </a:r>
             <a:endParaRPr kumimoji="1" lang="en-US" altLang="zh-CN" sz="2000" dirty="0"/>
           </a:p>
@@ -16041,10 +16199,10 @@
       </p:sp>
       <p:sp>
         <p:nvSpPr>
-          <p:cNvPr id="11" name="文本框 10">
+          <p:cNvPr id="8" name="文本框 7">
             <a:extLst>
               <a:ext uri="{FF2B5EF4-FFF2-40B4-BE49-F238E27FC236}">
-                <a16:creationId xmlns:a16="http://schemas.microsoft.com/office/drawing/2014/main" id="{AEF91415-BAA0-46CE-BA90-F5EB0B694573}"/>
+                <a16:creationId xmlns:a16="http://schemas.microsoft.com/office/drawing/2014/main" id="{E775CDA0-D84B-443F-BFE8-5D85703BB10F}"/>
               </a:ext>
             </a:extLst>
           </p:cNvPr>
@@ -16053,7 +16211,7 @@
         </p:nvSpPr>
         <p:spPr>
           <a:xfrm>
-            <a:off x="2240383" y="2921168"/>
+            <a:off x="2240383" y="2088005"/>
             <a:ext cx="7215678" cy="707886"/>
           </a:xfrm>
           <a:prstGeom prst="rect">
@@ -16068,44 +16226,12 @@
           <a:lstStyle/>
           <a:p>
             <a:r>
+              <a:rPr kumimoji="1" lang="en-US" altLang="zh-CN" sz="2000" dirty="0"/>
+              <a:t>2</a:t>
+            </a:r>
+            <a:r>
               <a:rPr kumimoji="1" lang="zh-CN" altLang="en-US" sz="2000" dirty="0"/>
-              <a:t>其他常用的还有</a:t>
-            </a:r>
-            <a:r>
-              <a:rPr kumimoji="1" lang="zh-CN" altLang="en-US" sz="2000" dirty="0">
-                <a:solidFill>
-                  <a:srgbClr val="FF0000"/>
-                </a:solidFill>
-              </a:rPr>
-              <a:t>主成分分析法</a:t>
-            </a:r>
-            <a:r>
-              <a:rPr kumimoji="1" lang="zh-CN" altLang="en-US" sz="2000" dirty="0"/>
-              <a:t>、</a:t>
-            </a:r>
-            <a:r>
-              <a:rPr kumimoji="1" lang="zh-CN" altLang="en-US" sz="2000" dirty="0">
-                <a:solidFill>
-                  <a:srgbClr val="FF0000"/>
-                </a:solidFill>
-              </a:rPr>
-              <a:t>数据包络分析法</a:t>
-            </a:r>
-            <a:r>
-              <a:rPr kumimoji="1" lang="zh-CN" altLang="en-US" sz="2000" dirty="0"/>
-              <a:t>、</a:t>
-            </a:r>
-            <a:r>
-              <a:rPr kumimoji="1" lang="zh-CN" altLang="en-US" sz="2000" dirty="0">
-                <a:solidFill>
-                  <a:srgbClr val="FF0000"/>
-                </a:solidFill>
-              </a:rPr>
-              <a:t>模糊聚类分析法</a:t>
-            </a:r>
-            <a:r>
-              <a:rPr kumimoji="1" lang="zh-CN" altLang="en-US" sz="2000" dirty="0"/>
-              <a:t>等</a:t>
+              <a:t>、视知觉具有整体性、选择性、理解性、恒常性、和错觉等熟悉，显示的综合效果并不是单一效果的简单叠加</a:t>
             </a:r>
             <a:endParaRPr kumimoji="1" lang="en-US" altLang="zh-CN" sz="2000" dirty="0"/>
           </a:p>
@@ -16113,10 +16239,10 @@
       </p:sp>
       <p:sp>
         <p:nvSpPr>
-          <p:cNvPr id="12" name="文本框 11">
+          <p:cNvPr id="9" name="文本框 8">
             <a:extLst>
               <a:ext uri="{FF2B5EF4-FFF2-40B4-BE49-F238E27FC236}">
-                <a16:creationId xmlns:a16="http://schemas.microsoft.com/office/drawing/2014/main" id="{2A644E1C-F904-4E20-BC19-36ED789AB313}"/>
+                <a16:creationId xmlns:a16="http://schemas.microsoft.com/office/drawing/2014/main" id="{DBF536D7-1AD0-4B75-A812-E89F37EDD63F}"/>
               </a:ext>
             </a:extLst>
           </p:cNvPr>
@@ -16125,8 +16251,8 @@
         </p:nvSpPr>
         <p:spPr>
           <a:xfrm>
-            <a:off x="2240383" y="3793235"/>
-            <a:ext cx="7215678" cy="707886"/>
+            <a:off x="2240383" y="2982041"/>
+            <a:ext cx="7215678" cy="1015663"/>
           </a:xfrm>
           <a:prstGeom prst="rect">
             <a:avLst/>
@@ -16140,8 +16266,12 @@
           <a:lstStyle/>
           <a:p>
             <a:r>
+              <a:rPr kumimoji="1" lang="en-US" altLang="zh-CN" sz="2000" dirty="0"/>
+              <a:t>3</a:t>
+            </a:r>
+            <a:r>
               <a:rPr kumimoji="1" lang="zh-CN" altLang="en-US" sz="2000" dirty="0"/>
-              <a:t>但这些方法都需要深厚的数学基础、评价过程复杂、评价结果受多中因素影响，在实际中难于应用。</a:t>
+              <a:t>、软件用户界面的评价主要以人的主观感受为评价依据，它受人的辨识能力，认知过程，舒适性和系统功能以及个人的只是，经验，和喜好等未知、已知或非确定因素的影响</a:t>
             </a:r>
             <a:endParaRPr kumimoji="1" lang="en-US" altLang="zh-CN" sz="2000" dirty="0"/>
           </a:p>
@@ -16149,10 +16279,10 @@
       </p:sp>
       <p:sp>
         <p:nvSpPr>
-          <p:cNvPr id="13" name="文本框 12">
+          <p:cNvPr id="10" name="文本框 9">
             <a:extLst>
               <a:ext uri="{FF2B5EF4-FFF2-40B4-BE49-F238E27FC236}">
-                <a16:creationId xmlns:a16="http://schemas.microsoft.com/office/drawing/2014/main" id="{F9FB0BF9-4640-4D30-B36F-446E60F9D79C}"/>
+                <a16:creationId xmlns:a16="http://schemas.microsoft.com/office/drawing/2014/main" id="{4EDB2D59-4AA5-4ECD-A116-A268B150DEC0}"/>
               </a:ext>
             </a:extLst>
           </p:cNvPr>
@@ -16161,8 +16291,8 @@
         </p:nvSpPr>
         <p:spPr>
           <a:xfrm>
-            <a:off x="2240383" y="4795563"/>
-            <a:ext cx="7215678" cy="1015663"/>
+            <a:off x="2240383" y="4475605"/>
+            <a:ext cx="7215678" cy="400110"/>
           </a:xfrm>
           <a:prstGeom prst="rect">
             <a:avLst/>
@@ -16176,25 +16306,29 @@
           <a:lstStyle/>
           <a:p>
             <a:r>
+              <a:rPr kumimoji="1" lang="zh-CN" altLang="en-US" sz="2000" dirty="0"/>
+              <a:t>这些特点使得我们对软件用户界面的评价</a:t>
+            </a:r>
+            <a:r>
               <a:rPr kumimoji="1" lang="zh-CN" altLang="en-US" sz="2000" dirty="0">
                 <a:solidFill>
                   <a:srgbClr val="FF0000"/>
                 </a:solidFill>
               </a:rPr>
-              <a:t>软集理论</a:t>
-            </a:r>
-            <a:r>
-              <a:rPr kumimoji="1" lang="zh-CN" altLang="en-US" sz="2000" dirty="0"/>
-              <a:t>作为解决不确定性问题的数学工具，不同于以上的理论，是将参数理论引入到决策当中，弥补了以上理论在决策时的不足，使得决策更具有精确性</a:t>
-            </a:r>
-            <a:endParaRPr kumimoji="1" lang="en-US" altLang="zh-CN" sz="2000" dirty="0"/>
+              <a:t>十分困难</a:t>
+            </a:r>
+            <a:endParaRPr kumimoji="1" lang="en-US" altLang="zh-CN" sz="2000" dirty="0">
+              <a:solidFill>
+                <a:srgbClr val="FF0000"/>
+              </a:solidFill>
+            </a:endParaRPr>
           </a:p>
         </p:txBody>
       </p:sp>
     </p:spTree>
     <p:extLst>
       <p:ext uri="{BB962C8B-B14F-4D97-AF65-F5344CB8AC3E}">
-        <p14:creationId xmlns:p14="http://schemas.microsoft.com/office/powerpoint/2010/main" val="3326786444"/>
+        <p14:creationId xmlns:p14="http://schemas.microsoft.com/office/powerpoint/2010/main" val="3661313745"/>
       </p:ext>
     </p:extLst>
   </p:cSld>
@@ -16326,7 +16460,7 @@
         <p:spPr>
           <a:xfrm>
             <a:off x="1344023" y="448348"/>
-            <a:ext cx="1723549" cy="400110"/>
+            <a:ext cx="2492990" cy="400110"/>
           </a:xfrm>
           <a:prstGeom prst="rect">
             <a:avLst/>
@@ -16342,7 +16476,7 @@
               <a:rPr lang="zh-CN" altLang="en-US" sz="2000" b="1" dirty="0">
                 <a:latin typeface="Gotham Rounded Medium" panose="02000000000000000000" pitchFamily="50" charset="0"/>
               </a:rPr>
-              <a:t>评估指标体系</a:t>
+              <a:t>用户界面评估的方法</a:t>
             </a:r>
             <a:endParaRPr lang="zh-CN" altLang="en-US" sz="2000" dirty="0"/>
           </a:p>
@@ -16362,8 +16496,8 @@
         </p:nvSpPr>
         <p:spPr>
           <a:xfrm>
-            <a:off x="434235" y="4623053"/>
-            <a:ext cx="7215678" cy="1631216"/>
+            <a:off x="2240383" y="1554605"/>
+            <a:ext cx="7215678" cy="1015663"/>
           </a:xfrm>
           <a:prstGeom prst="rect">
             <a:avLst/>
@@ -16378,7 +16512,7 @@
           <a:p>
             <a:r>
               <a:rPr kumimoji="1" lang="zh-CN" altLang="en-US" sz="2000" dirty="0"/>
-              <a:t>评估指标体系通常由</a:t>
+              <a:t>现代综合评价方法很多，应用最多的是</a:t>
             </a:r>
             <a:r>
               <a:rPr kumimoji="1" lang="zh-CN" altLang="en-US" sz="2000" dirty="0">
@@ -16386,101 +16520,172 @@
                   <a:srgbClr val="FF0000"/>
                 </a:solidFill>
               </a:rPr>
-              <a:t>最高层</a:t>
+              <a:t>模糊集合理论</a:t>
             </a:r>
             <a:r>
               <a:rPr kumimoji="1" lang="zh-CN" altLang="en-US" sz="2000" dirty="0"/>
-              <a:t>、</a:t>
-            </a:r>
-            <a:r>
-              <a:rPr kumimoji="1" lang="zh-CN" altLang="en-US" sz="2000" dirty="0">
-                <a:solidFill>
-                  <a:srgbClr val="FF0000"/>
-                </a:solidFill>
-              </a:rPr>
-              <a:t>中间层</a:t>
-            </a:r>
-            <a:r>
-              <a:rPr kumimoji="1" lang="zh-CN" altLang="en-US" sz="2000" dirty="0"/>
-              <a:t>和</a:t>
-            </a:r>
-            <a:r>
-              <a:rPr kumimoji="1" lang="zh-CN" altLang="en-US" sz="2000" dirty="0">
-                <a:solidFill>
-                  <a:srgbClr val="FF0000"/>
-                </a:solidFill>
-              </a:rPr>
-              <a:t>最底层</a:t>
-            </a:r>
-            <a:r>
-              <a:rPr kumimoji="1" lang="zh-CN" altLang="en-US" sz="2000" dirty="0"/>
-              <a:t>构成的递阶层次结构模型。</a:t>
+              <a:t>，首先运用层次分析法确定各指标的权重系数，然后运用模糊综合评价法进行综合评价。</a:t>
             </a:r>
             <a:endParaRPr kumimoji="1" lang="en-US" altLang="zh-CN" sz="2000" dirty="0"/>
           </a:p>
-          <a:p>
-            <a:r>
-              <a:rPr kumimoji="1" lang="zh-CN" altLang="en-US" sz="2000" dirty="0"/>
-              <a:t>最高层表示系统总目标，</a:t>
-            </a:r>
-            <a:endParaRPr kumimoji="1" lang="en-US" altLang="zh-CN" sz="2000" dirty="0"/>
-          </a:p>
-          <a:p>
-            <a:r>
-              <a:rPr kumimoji="1" lang="zh-CN" altLang="en-US" sz="2000" dirty="0"/>
-              <a:t>中间层表示实现系统总目标所设计的中间环节，</a:t>
-            </a:r>
-            <a:endParaRPr kumimoji="1" lang="en-US" altLang="zh-CN" sz="2000" dirty="0"/>
-          </a:p>
-          <a:p>
-            <a:r>
-              <a:rPr kumimoji="1" lang="zh-CN" altLang="en-US" sz="2000" dirty="0"/>
-              <a:t>最底层表示为实现目标所要选用的各种措施、决策、方案等。</a:t>
-            </a:r>
-            <a:endParaRPr kumimoji="1" lang="en-US" altLang="zh-CN" sz="2000" dirty="0"/>
-          </a:p>
-        </p:txBody>
-      </p:sp>
-      <p:pic>
-        <p:nvPicPr>
-          <p:cNvPr id="3" name="图片 2">
+        </p:txBody>
+      </p:sp>
+      <p:sp>
+        <p:nvSpPr>
+          <p:cNvPr id="11" name="文本框 10">
             <a:extLst>
               <a:ext uri="{FF2B5EF4-FFF2-40B4-BE49-F238E27FC236}">
-                <a16:creationId xmlns:a16="http://schemas.microsoft.com/office/drawing/2014/main" id="{D0FBAE16-8F07-4151-AD9C-BB20C89BA46F}"/>
+                <a16:creationId xmlns:a16="http://schemas.microsoft.com/office/drawing/2014/main" id="{AEF91415-BAA0-46CE-BA90-F5EB0B694573}"/>
               </a:ext>
             </a:extLst>
           </p:cNvPr>
-          <p:cNvPicPr>
-            <a:picLocks noChangeAspect="1"/>
-          </p:cNvPicPr>
-          <p:nvPr/>
-        </p:nvPicPr>
-        <p:blipFill>
-          <a:blip r:embed="rId3">
+          <p:cNvSpPr txBox="1"/>
+          <p:nvPr/>
+        </p:nvSpPr>
+        <p:spPr>
+          <a:xfrm>
+            <a:off x="2240383" y="2921168"/>
+            <a:ext cx="7215678" cy="707886"/>
+          </a:xfrm>
+          <a:prstGeom prst="rect">
+            <a:avLst/>
+          </a:prstGeom>
+          <a:noFill/>
+        </p:spPr>
+        <p:txBody>
+          <a:bodyPr wrap="square" rtlCol="0">
+            <a:spAutoFit/>
+          </a:bodyPr>
+          <a:lstStyle/>
+          <a:p>
+            <a:r>
+              <a:rPr kumimoji="1" lang="zh-CN" altLang="en-US" sz="2000" dirty="0"/>
+              <a:t>其他常用的还有</a:t>
+            </a:r>
+            <a:r>
+              <a:rPr kumimoji="1" lang="zh-CN" altLang="en-US" sz="2000" dirty="0">
+                <a:solidFill>
+                  <a:srgbClr val="FF0000"/>
+                </a:solidFill>
+              </a:rPr>
+              <a:t>主成分分析法</a:t>
+            </a:r>
+            <a:r>
+              <a:rPr kumimoji="1" lang="zh-CN" altLang="en-US" sz="2000" dirty="0"/>
+              <a:t>、</a:t>
+            </a:r>
+            <a:r>
+              <a:rPr kumimoji="1" lang="zh-CN" altLang="en-US" sz="2000" dirty="0">
+                <a:solidFill>
+                  <a:srgbClr val="FF0000"/>
+                </a:solidFill>
+              </a:rPr>
+              <a:t>数据包络分析法</a:t>
+            </a:r>
+            <a:r>
+              <a:rPr kumimoji="1" lang="zh-CN" altLang="en-US" sz="2000" dirty="0"/>
+              <a:t>、</a:t>
+            </a:r>
+            <a:r>
+              <a:rPr kumimoji="1" lang="zh-CN" altLang="en-US" sz="2000" dirty="0">
+                <a:solidFill>
+                  <a:srgbClr val="FF0000"/>
+                </a:solidFill>
+              </a:rPr>
+              <a:t>模糊聚类分析法</a:t>
+            </a:r>
+            <a:r>
+              <a:rPr kumimoji="1" lang="zh-CN" altLang="en-US" sz="2000" dirty="0"/>
+              <a:t>等</a:t>
+            </a:r>
+            <a:endParaRPr kumimoji="1" lang="en-US" altLang="zh-CN" sz="2000" dirty="0"/>
+          </a:p>
+        </p:txBody>
+      </p:sp>
+      <p:sp>
+        <p:nvSpPr>
+          <p:cNvPr id="12" name="文本框 11">
             <a:extLst>
-              <a:ext uri="{28A0092B-C50C-407E-A947-70E740481C1C}">
-                <a14:useLocalDpi xmlns:a14="http://schemas.microsoft.com/office/drawing/2010/main" val="0"/>
+              <a:ext uri="{FF2B5EF4-FFF2-40B4-BE49-F238E27FC236}">
+                <a16:creationId xmlns:a16="http://schemas.microsoft.com/office/drawing/2014/main" id="{2A644E1C-F904-4E20-BC19-36ED789AB313}"/>
               </a:ext>
             </a:extLst>
-          </a:blip>
-          <a:stretch>
-            <a:fillRect/>
-          </a:stretch>
-        </p:blipFill>
-        <p:spPr>
-          <a:xfrm>
-            <a:off x="5037826" y="163109"/>
-            <a:ext cx="7283570" cy="5572919"/>
+          </p:cNvPr>
+          <p:cNvSpPr txBox="1"/>
+          <p:nvPr/>
+        </p:nvSpPr>
+        <p:spPr>
+          <a:xfrm>
+            <a:off x="2240383" y="3793235"/>
+            <a:ext cx="7215678" cy="707886"/>
           </a:xfrm>
           <a:prstGeom prst="rect">
             <a:avLst/>
           </a:prstGeom>
-        </p:spPr>
-      </p:pic>
+          <a:noFill/>
+        </p:spPr>
+        <p:txBody>
+          <a:bodyPr wrap="square" rtlCol="0">
+            <a:spAutoFit/>
+          </a:bodyPr>
+          <a:lstStyle/>
+          <a:p>
+            <a:r>
+              <a:rPr kumimoji="1" lang="zh-CN" altLang="en-US" sz="2000" dirty="0"/>
+              <a:t>但这些方法都需要深厚的数学基础、评价过程复杂、评价结果受多中因素影响，在实际中难于应用。</a:t>
+            </a:r>
+            <a:endParaRPr kumimoji="1" lang="en-US" altLang="zh-CN" sz="2000" dirty="0"/>
+          </a:p>
+        </p:txBody>
+      </p:sp>
+      <p:sp>
+        <p:nvSpPr>
+          <p:cNvPr id="13" name="文本框 12">
+            <a:extLst>
+              <a:ext uri="{FF2B5EF4-FFF2-40B4-BE49-F238E27FC236}">
+                <a16:creationId xmlns:a16="http://schemas.microsoft.com/office/drawing/2014/main" id="{F9FB0BF9-4640-4D30-B36F-446E60F9D79C}"/>
+              </a:ext>
+            </a:extLst>
+          </p:cNvPr>
+          <p:cNvSpPr txBox="1"/>
+          <p:nvPr/>
+        </p:nvSpPr>
+        <p:spPr>
+          <a:xfrm>
+            <a:off x="2240383" y="4795563"/>
+            <a:ext cx="7215678" cy="1015663"/>
+          </a:xfrm>
+          <a:prstGeom prst="rect">
+            <a:avLst/>
+          </a:prstGeom>
+          <a:noFill/>
+        </p:spPr>
+        <p:txBody>
+          <a:bodyPr wrap="square" rtlCol="0">
+            <a:spAutoFit/>
+          </a:bodyPr>
+          <a:lstStyle/>
+          <a:p>
+            <a:r>
+              <a:rPr kumimoji="1" lang="zh-CN" altLang="en-US" sz="2000" dirty="0">
+                <a:solidFill>
+                  <a:srgbClr val="FF0000"/>
+                </a:solidFill>
+              </a:rPr>
+              <a:t>软集理论</a:t>
+            </a:r>
+            <a:r>
+              <a:rPr kumimoji="1" lang="zh-CN" altLang="en-US" sz="2000" dirty="0"/>
+              <a:t>作为解决不确定性问题的数学工具，不同于以上的理论，是将参数理论引入到决策当中，弥补了以上理论在决策时的不足，使得决策更具有精确性</a:t>
+            </a:r>
+            <a:endParaRPr kumimoji="1" lang="en-US" altLang="zh-CN" sz="2000" dirty="0"/>
+          </a:p>
+        </p:txBody>
+      </p:sp>
     </p:spTree>
     <p:extLst>
       <p:ext uri="{BB962C8B-B14F-4D97-AF65-F5344CB8AC3E}">
-        <p14:creationId xmlns:p14="http://schemas.microsoft.com/office/powerpoint/2010/main" val="1735849000"/>
+        <p14:creationId xmlns:p14="http://schemas.microsoft.com/office/powerpoint/2010/main" val="3326786444"/>
       </p:ext>
     </p:extLst>
   </p:cSld>
@@ -16649,7 +16854,7 @@
         <p:spPr>
           <a:xfrm>
             <a:off x="434235" y="4623053"/>
-            <a:ext cx="7215678" cy="707886"/>
+            <a:ext cx="7215678" cy="1631216"/>
           </a:xfrm>
           <a:prstGeom prst="rect">
             <a:avLst/>
@@ -16664,31 +16869,64 @@
           <a:p>
             <a:r>
               <a:rPr kumimoji="1" lang="zh-CN" altLang="en-US" sz="2000" dirty="0"/>
-              <a:t>通过广泛的调研和综合分析，软件人机界面设计评价指标体系归纳为</a:t>
-            </a:r>
-            <a:r>
-              <a:rPr kumimoji="1" lang="en-US" altLang="zh-CN" sz="2000" dirty="0">
+              <a:t>评估指标体系通常由</a:t>
+            </a:r>
+            <a:r>
+              <a:rPr kumimoji="1" lang="zh-CN" altLang="en-US" sz="2000" dirty="0">
                 <a:solidFill>
                   <a:srgbClr val="FF0000"/>
                 </a:solidFill>
               </a:rPr>
-              <a:t>3</a:t>
+              <a:t>最高层</a:t>
             </a:r>
             <a:r>
               <a:rPr kumimoji="1" lang="zh-CN" altLang="en-US" sz="2000" dirty="0"/>
-              <a:t>个一级指标、</a:t>
-            </a:r>
-            <a:r>
-              <a:rPr kumimoji="1" lang="en-US" altLang="zh-CN" sz="2000" dirty="0">
+              <a:t>、</a:t>
+            </a:r>
+            <a:r>
+              <a:rPr kumimoji="1" lang="zh-CN" altLang="en-US" sz="2000" dirty="0">
                 <a:solidFill>
                   <a:srgbClr val="FF0000"/>
                 </a:solidFill>
               </a:rPr>
-              <a:t>14</a:t>
+              <a:t>中间层</a:t>
             </a:r>
             <a:r>
               <a:rPr kumimoji="1" lang="zh-CN" altLang="en-US" sz="2000" dirty="0"/>
-              <a:t>个二级指标</a:t>
+              <a:t>和</a:t>
+            </a:r>
+            <a:r>
+              <a:rPr kumimoji="1" lang="zh-CN" altLang="en-US" sz="2000" dirty="0">
+                <a:solidFill>
+                  <a:srgbClr val="FF0000"/>
+                </a:solidFill>
+              </a:rPr>
+              <a:t>最底层</a:t>
+            </a:r>
+            <a:r>
+              <a:rPr kumimoji="1" lang="zh-CN" altLang="en-US" sz="2000" dirty="0"/>
+              <a:t>构成的递阶层次结构模型。</a:t>
+            </a:r>
+            <a:endParaRPr kumimoji="1" lang="en-US" altLang="zh-CN" sz="2000" dirty="0"/>
+          </a:p>
+          <a:p>
+            <a:r>
+              <a:rPr kumimoji="1" lang="zh-CN" altLang="en-US" sz="2000" dirty="0"/>
+              <a:t>最高层表示系统总目标，</a:t>
+            </a:r>
+            <a:endParaRPr kumimoji="1" lang="en-US" altLang="zh-CN" sz="2000" dirty="0"/>
+          </a:p>
+          <a:p>
+            <a:r>
+              <a:rPr kumimoji="1" lang="zh-CN" altLang="en-US" sz="2000" dirty="0"/>
+              <a:t>中间层表示实现系统总目标所设计的中间环节，</a:t>
+            </a:r>
+            <a:endParaRPr kumimoji="1" lang="en-US" altLang="zh-CN" sz="2000" dirty="0"/>
+          </a:p>
+          <a:p>
+            <a:r>
+              <a:rPr kumimoji="1" lang="zh-CN" altLang="en-US" sz="2000" dirty="0"/>
+              <a:t>最底层表示为实现目标所要选用的各种措施、决策、方案等。</a:t>
             </a:r>
             <a:endParaRPr kumimoji="1" lang="en-US" altLang="zh-CN" sz="2000" dirty="0"/>
           </a:p>
@@ -16733,7 +16971,7 @@
     </p:spTree>
     <p:extLst>
       <p:ext uri="{BB962C8B-B14F-4D97-AF65-F5344CB8AC3E}">
-        <p14:creationId xmlns:p14="http://schemas.microsoft.com/office/powerpoint/2010/main" val="2327572999"/>
+        <p14:creationId xmlns:p14="http://schemas.microsoft.com/office/powerpoint/2010/main" val="1735849000"/>
       </p:ext>
     </p:extLst>
   </p:cSld>
@@ -16865,7 +17103,7 @@
         <p:spPr>
           <a:xfrm>
             <a:off x="1344023" y="448348"/>
-            <a:ext cx="2236510" cy="400110"/>
+            <a:ext cx="1723549" cy="400110"/>
           </a:xfrm>
           <a:prstGeom prst="rect">
             <a:avLst/>
@@ -16881,7 +17119,7 @@
               <a:rPr lang="zh-CN" altLang="en-US" sz="2000" b="1" dirty="0">
                 <a:latin typeface="Gotham Rounded Medium" panose="02000000000000000000" pitchFamily="50" charset="0"/>
               </a:rPr>
-              <a:t>人机界面设计规则</a:t>
+              <a:t>评估指标体系</a:t>
             </a:r>
             <a:endParaRPr lang="zh-CN" altLang="en-US" sz="2000" dirty="0"/>
           </a:p>
@@ -16901,7 +17139,7 @@
         </p:nvSpPr>
         <p:spPr>
           <a:xfrm>
-            <a:off x="1344023" y="1189740"/>
+            <a:off x="434235" y="4623053"/>
             <a:ext cx="7215678" cy="707886"/>
           </a:xfrm>
           <a:prstGeom prst="rect">
@@ -16916,235 +17154,77 @@
           <a:lstStyle/>
           <a:p>
             <a:r>
+              <a:rPr kumimoji="1" lang="zh-CN" altLang="en-US" sz="2000" dirty="0"/>
+              <a:t>通过广泛的调研和综合分析，软件人机界面设计评价指标体系归纳为</a:t>
+            </a:r>
+            <a:r>
               <a:rPr kumimoji="1" lang="en-US" altLang="zh-CN" sz="2000" dirty="0">
                 <a:solidFill>
                   <a:srgbClr val="FF0000"/>
                 </a:solidFill>
               </a:rPr>
-              <a:t>Ben </a:t>
-            </a:r>
-            <a:r>
-              <a:rPr kumimoji="1" lang="en-US" altLang="zh-CN" sz="2000" dirty="0" err="1">
+              <a:t>3</a:t>
+            </a:r>
+            <a:r>
+              <a:rPr kumimoji="1" lang="zh-CN" altLang="en-US" sz="2000" dirty="0"/>
+              <a:t>个一级指标、</a:t>
+            </a:r>
+            <a:r>
+              <a:rPr kumimoji="1" lang="en-US" altLang="zh-CN" sz="2000" dirty="0">
                 <a:solidFill>
                   <a:srgbClr val="FF0000"/>
                 </a:solidFill>
               </a:rPr>
-              <a:t>Shneiderman</a:t>
-            </a:r>
-            <a:r>
-              <a:rPr kumimoji="1" lang="en-US" altLang="zh-CN" sz="2000" dirty="0">
-                <a:solidFill>
-                  <a:srgbClr val="FF0000"/>
-                </a:solidFill>
-              </a:rPr>
-              <a:t> </a:t>
+              <a:t>14</a:t>
             </a:r>
             <a:r>
               <a:rPr kumimoji="1" lang="zh-CN" altLang="en-US" sz="2000" dirty="0"/>
-              <a:t>经过大量实践，总结出屏幕界面的</a:t>
-            </a:r>
-            <a:r>
-              <a:rPr kumimoji="1" lang="zh-CN" altLang="en-US" sz="2000" dirty="0">
-                <a:solidFill>
-                  <a:srgbClr val="FF0000"/>
-                </a:solidFill>
-              </a:rPr>
-              <a:t>八条规则</a:t>
-            </a:r>
-            <a:r>
-              <a:rPr kumimoji="1" lang="zh-CN" altLang="en-US" sz="2000" dirty="0"/>
-              <a:t>。这八个经典规则是</a:t>
+              <a:t>个二级指标</a:t>
             </a:r>
             <a:endParaRPr kumimoji="1" lang="en-US" altLang="zh-CN" sz="2000" dirty="0"/>
           </a:p>
         </p:txBody>
       </p:sp>
-      <p:sp>
-        <p:nvSpPr>
-          <p:cNvPr id="2" name="矩形 1">
+      <p:pic>
+        <p:nvPicPr>
+          <p:cNvPr id="3" name="图片 2">
             <a:extLst>
               <a:ext uri="{FF2B5EF4-FFF2-40B4-BE49-F238E27FC236}">
-                <a16:creationId xmlns:a16="http://schemas.microsoft.com/office/drawing/2014/main" id="{F07EA20A-1AD4-445D-B309-8F615B60FC15}"/>
+                <a16:creationId xmlns:a16="http://schemas.microsoft.com/office/drawing/2014/main" id="{D0FBAE16-8F07-4151-AD9C-BB20C89BA46F}"/>
               </a:ext>
             </a:extLst>
           </p:cNvPr>
-          <p:cNvSpPr/>
-          <p:nvPr/>
-        </p:nvSpPr>
-        <p:spPr>
-          <a:xfrm>
-            <a:off x="1226820" y="2147349"/>
-            <a:ext cx="6096000" cy="1200329"/>
-          </a:xfrm>
-          <a:prstGeom prst="rect">
-            <a:avLst/>
-          </a:prstGeom>
-        </p:spPr>
-        <p:txBody>
-          <a:bodyPr>
-            <a:spAutoFit/>
-          </a:bodyPr>
-          <a:lstStyle/>
-          <a:p>
-            <a:r>
-              <a:rPr lang="zh-CN" altLang="en-US" b="0" i="0" dirty="0">
-                <a:solidFill>
-                  <a:srgbClr val="4F4F4F"/>
-                </a:solidFill>
-                <a:effectLst/>
-                <a:latin typeface="-apple-system"/>
-              </a:rPr>
-              <a:t>一、力求一致性 </a:t>
-            </a:r>
-            <a:br>
-              <a:rPr lang="zh-CN" altLang="en-US" dirty="0"/>
-            </a:br>
-            <a:r>
-              <a:rPr lang="zh-CN" altLang="en-US" b="0" i="0" dirty="0">
-                <a:solidFill>
-                  <a:srgbClr val="4F4F4F"/>
-                </a:solidFill>
-                <a:effectLst/>
-                <a:latin typeface="-apple-system"/>
-              </a:rPr>
-              <a:t>　　例如网站首页需要和每一个下级页面保持一致的风格，导航都要放在屏幕的左上角，具有高度一致性的界面能给人清晰整洁的感觉。</a:t>
-            </a:r>
-            <a:endParaRPr lang="zh-CN" altLang="en-US" dirty="0"/>
-          </a:p>
-        </p:txBody>
-      </p:sp>
-      <p:sp>
-        <p:nvSpPr>
-          <p:cNvPr id="4" name="矩形 3">
+          <p:cNvPicPr>
+            <a:picLocks noChangeAspect="1"/>
+          </p:cNvPicPr>
+          <p:nvPr/>
+        </p:nvPicPr>
+        <p:blipFill>
+          <a:blip r:embed="rId3">
             <a:extLst>
-              <a:ext uri="{FF2B5EF4-FFF2-40B4-BE49-F238E27FC236}">
-                <a16:creationId xmlns:a16="http://schemas.microsoft.com/office/drawing/2014/main" id="{8F79FEFD-CDBA-49CE-91E9-3D99F6938975}"/>
+              <a:ext uri="{28A0092B-C50C-407E-A947-70E740481C1C}">
+                <a14:useLocalDpi xmlns:a14="http://schemas.microsoft.com/office/drawing/2010/main" val="0"/>
               </a:ext>
             </a:extLst>
-          </p:cNvPr>
-          <p:cNvSpPr/>
-          <p:nvPr/>
-        </p:nvSpPr>
-        <p:spPr>
-          <a:xfrm>
-            <a:off x="1226820" y="3683327"/>
-            <a:ext cx="6096000" cy="923330"/>
+          </a:blip>
+          <a:stretch>
+            <a:fillRect/>
+          </a:stretch>
+        </p:blipFill>
+        <p:spPr>
+          <a:xfrm>
+            <a:off x="5037826" y="163109"/>
+            <a:ext cx="7283570" cy="5572919"/>
           </a:xfrm>
           <a:prstGeom prst="rect">
             <a:avLst/>
           </a:prstGeom>
         </p:spPr>
-        <p:txBody>
-          <a:bodyPr>
-            <a:spAutoFit/>
-          </a:bodyPr>
-          <a:lstStyle/>
-          <a:p>
-            <a:r>
-              <a:rPr lang="zh-CN" altLang="en-US" b="0" i="0">
-                <a:solidFill>
-                  <a:srgbClr val="4F4F4F"/>
-                </a:solidFill>
-                <a:effectLst/>
-                <a:latin typeface="-apple-system"/>
-              </a:rPr>
-              <a:t>二、允许频繁使用快捷键 </a:t>
-            </a:r>
-            <a:br>
-              <a:rPr lang="zh-CN" altLang="en-US"/>
-            </a:br>
-            <a:r>
-              <a:rPr lang="zh-CN" altLang="en-US" b="0" i="0">
-                <a:solidFill>
-                  <a:srgbClr val="4F4F4F"/>
-                </a:solidFill>
-                <a:effectLst/>
-                <a:latin typeface="-apple-system"/>
-              </a:rPr>
-              <a:t>　　快捷键表示产品使用的灵活性和有效性，想想每次我们使用搜索引擎的时候是鼠标点击的搜索还是按的回车？</a:t>
-            </a:r>
-            <a:endParaRPr lang="zh-CN" altLang="en-US" dirty="0"/>
-          </a:p>
-        </p:txBody>
-      </p:sp>
-      <p:sp>
-        <p:nvSpPr>
-          <p:cNvPr id="5" name="矩形 4">
-            <a:extLst>
-              <a:ext uri="{FF2B5EF4-FFF2-40B4-BE49-F238E27FC236}">
-                <a16:creationId xmlns:a16="http://schemas.microsoft.com/office/drawing/2014/main" id="{2DC89BEB-EC65-43D7-961C-9F8CAE98C76F}"/>
-              </a:ext>
-            </a:extLst>
-          </p:cNvPr>
-          <p:cNvSpPr/>
-          <p:nvPr/>
-        </p:nvSpPr>
-        <p:spPr>
-          <a:xfrm>
-            <a:off x="1226820" y="4942306"/>
-            <a:ext cx="6096000" cy="1200329"/>
-          </a:xfrm>
-          <a:prstGeom prst="rect">
-            <a:avLst/>
-          </a:prstGeom>
-        </p:spPr>
-        <p:txBody>
-          <a:bodyPr>
-            <a:spAutoFit/>
-          </a:bodyPr>
-          <a:lstStyle/>
-          <a:p>
-            <a:r>
-              <a:rPr lang="zh-CN" altLang="en-US" b="0" i="0" dirty="0">
-                <a:solidFill>
-                  <a:srgbClr val="4F4F4F"/>
-                </a:solidFill>
-                <a:effectLst/>
-                <a:latin typeface="-apple-system"/>
-              </a:rPr>
-              <a:t>三、提供明确的反馈 </a:t>
-            </a:r>
-            <a:br>
-              <a:rPr lang="zh-CN" altLang="en-US" dirty="0"/>
-            </a:br>
-            <a:r>
-              <a:rPr lang="zh-CN" altLang="en-US" b="0" i="0" dirty="0">
-                <a:solidFill>
-                  <a:srgbClr val="4F4F4F"/>
-                </a:solidFill>
-                <a:effectLst/>
-                <a:latin typeface="-apple-system"/>
-              </a:rPr>
-              <a:t>　　出现错误时要明确说出错误的含义，而且需要考虑用户能否理解，比如我们基本上都遇到过</a:t>
-            </a:r>
-            <a:r>
-              <a:rPr lang="en-US" altLang="zh-CN" b="0" i="0" dirty="0">
-                <a:solidFill>
-                  <a:srgbClr val="4F4F4F"/>
-                </a:solidFill>
-                <a:effectLst/>
-                <a:latin typeface="-apple-system"/>
-              </a:rPr>
-              <a:t>HTTP404</a:t>
-            </a:r>
-            <a:r>
-              <a:rPr lang="zh-CN" altLang="en-US" b="0" i="0" dirty="0">
-                <a:solidFill>
-                  <a:srgbClr val="4F4F4F"/>
-                </a:solidFill>
-                <a:effectLst/>
-                <a:latin typeface="-apple-system"/>
-              </a:rPr>
-              <a:t>错误，但绝大多数人能看懂么？</a:t>
-            </a:r>
-            <a:endParaRPr lang="zh-CN" altLang="en-US" dirty="0"/>
-          </a:p>
-        </p:txBody>
-      </p:sp>
+      </p:pic>
     </p:spTree>
     <p:extLst>
       <p:ext uri="{BB962C8B-B14F-4D97-AF65-F5344CB8AC3E}">
-        <p14:creationId xmlns:p14="http://schemas.microsoft.com/office/powerpoint/2010/main" val="880760947"/>
+        <p14:creationId xmlns:p14="http://schemas.microsoft.com/office/powerpoint/2010/main" val="2327572999"/>
       </p:ext>
     </p:extLst>
   </p:cSld>
@@ -17327,20 +17407,44 @@
           <a:lstStyle/>
           <a:p>
             <a:r>
-              <a:rPr kumimoji="1" lang="en-US" altLang="zh-CN" sz="2000" dirty="0"/>
+              <a:rPr kumimoji="1" lang="en-US" altLang="zh-CN" sz="2000" dirty="0">
+                <a:solidFill>
+                  <a:srgbClr val="FF0000"/>
+                </a:solidFill>
+              </a:rPr>
               <a:t>Ben </a:t>
             </a:r>
             <a:r>
-              <a:rPr kumimoji="1" lang="en-US" altLang="zh-CN" sz="2000" dirty="0" err="1"/>
+              <a:rPr kumimoji="1" lang="en-US" altLang="zh-CN" sz="2000" dirty="0" err="1">
+                <a:solidFill>
+                  <a:srgbClr val="FF0000"/>
+                </a:solidFill>
+              </a:rPr>
               <a:t>Shneiderman</a:t>
             </a:r>
             <a:r>
-              <a:rPr kumimoji="1" lang="en-US" altLang="zh-CN" sz="2000" dirty="0"/>
+              <a:rPr kumimoji="1" lang="en-US" altLang="zh-CN" sz="2000" dirty="0">
+                <a:solidFill>
+                  <a:srgbClr val="FF0000"/>
+                </a:solidFill>
+              </a:rPr>
               <a:t> </a:t>
             </a:r>
             <a:r>
               <a:rPr kumimoji="1" lang="zh-CN" altLang="en-US" sz="2000" dirty="0"/>
-              <a:t>经过大量实践，总结出屏幕界面的八条规则。这八个经典规则是</a:t>
+              <a:t>经过大量实践，总结出屏幕界面的</a:t>
+            </a:r>
+            <a:r>
+              <a:rPr kumimoji="1" lang="zh-CN" altLang="en-US" sz="2000" dirty="0">
+                <a:solidFill>
+                  <a:srgbClr val="FF0000"/>
+                </a:solidFill>
+              </a:rPr>
+              <a:t>八条规则</a:t>
+            </a:r>
+            <a:r>
+              <a:rPr kumimoji="1" lang="zh-CN" altLang="en-US" sz="2000" dirty="0"/>
+              <a:t>。这八个经典规则是</a:t>
             </a:r>
             <a:endParaRPr kumimoji="1" lang="en-US" altLang="zh-CN" sz="2000" dirty="0"/>
           </a:p>
@@ -17348,10 +17452,10 @@
       </p:sp>
       <p:sp>
         <p:nvSpPr>
-          <p:cNvPr id="3" name="矩形 2">
+          <p:cNvPr id="2" name="矩形 1">
             <a:extLst>
               <a:ext uri="{FF2B5EF4-FFF2-40B4-BE49-F238E27FC236}">
-                <a16:creationId xmlns:a16="http://schemas.microsoft.com/office/drawing/2014/main" id="{DBED4D3E-EF7D-4113-B48F-803ADE9AF9C5}"/>
+                <a16:creationId xmlns:a16="http://schemas.microsoft.com/office/drawing/2014/main" id="{F07EA20A-1AD4-445D-B309-8F615B60FC15}"/>
               </a:ext>
             </a:extLst>
           </p:cNvPr>
@@ -17360,7 +17464,7 @@
         </p:nvSpPr>
         <p:spPr>
           <a:xfrm>
-            <a:off x="1344023" y="2363169"/>
+            <a:off x="1226820" y="2147349"/>
             <a:ext cx="6096000" cy="1200329"/>
           </a:xfrm>
           <a:prstGeom prst="rect">
@@ -17374,27 +17478,31 @@
           <a:lstStyle/>
           <a:p>
             <a:r>
-              <a:rPr lang="zh-CN" altLang="en-US" b="0" i="0">
+              <a:rPr lang="zh-CN" altLang="en-US" b="0" i="0" dirty="0">
                 <a:solidFill>
                   <a:srgbClr val="4F4F4F"/>
                 </a:solidFill>
                 <a:effectLst/>
                 <a:latin typeface="-apple-system"/>
               </a:rPr>
-              <a:t>四、设计对话，告诉用户任务已完成 </a:t>
+              <a:t>一、力求一致性 </a:t>
+            </a:r>
+            <a:r>
+              <a:rPr lang="zh-CN" altLang="en-US" dirty="0"/>
+              <a:t/>
             </a:r>
             <a:br>
-              <a:rPr lang="zh-CN" altLang="en-US"/>
+              <a:rPr lang="zh-CN" altLang="en-US" dirty="0"/>
             </a:br>
             <a:r>
-              <a:rPr lang="zh-CN" altLang="en-US" b="0" i="0">
+              <a:rPr lang="zh-CN" altLang="en-US" b="0" i="0" dirty="0">
                 <a:solidFill>
                   <a:srgbClr val="4F4F4F"/>
                 </a:solidFill>
                 <a:effectLst/>
                 <a:latin typeface="-apple-system"/>
               </a:rPr>
-              <a:t>　　要在用户完成某项任务或操作后进行提示。如果他们在做了很多操作后却得不到反馈，他们就无法知道自己是否达成目标。</a:t>
+              <a:t>　　例如网站首页需要和每一个下级页面保持一致的风格，导航都要放在屏幕的左上角，具有高度一致性的界面能给人清晰整洁的感觉。</a:t>
             </a:r>
             <a:endParaRPr lang="zh-CN" altLang="en-US" dirty="0"/>
           </a:p>
@@ -17402,10 +17510,10 @@
       </p:sp>
       <p:sp>
         <p:nvSpPr>
-          <p:cNvPr id="6" name="矩形 5">
+          <p:cNvPr id="4" name="矩形 3">
             <a:extLst>
               <a:ext uri="{FF2B5EF4-FFF2-40B4-BE49-F238E27FC236}">
-                <a16:creationId xmlns:a16="http://schemas.microsoft.com/office/drawing/2014/main" id="{F0B55678-B57C-4226-B3EC-A58BEEF41FF0}"/>
+                <a16:creationId xmlns:a16="http://schemas.microsoft.com/office/drawing/2014/main" id="{8F79FEFD-CDBA-49CE-91E9-3D99F6938975}"/>
               </a:ext>
             </a:extLst>
           </p:cNvPr>
@@ -17414,7 +17522,7 @@
         </p:nvSpPr>
         <p:spPr>
           <a:xfrm>
-            <a:off x="1344023" y="3924068"/>
+            <a:off x="1226820" y="3683327"/>
             <a:ext cx="6096000" cy="923330"/>
           </a:xfrm>
           <a:prstGeom prst="rect">
@@ -17428,27 +17536,31 @@
           <a:lstStyle/>
           <a:p>
             <a:r>
-              <a:rPr lang="zh-CN" altLang="en-US" b="0" i="0" dirty="0">
+              <a:rPr lang="zh-CN" altLang="en-US" b="0" i="0">
                 <a:solidFill>
                   <a:srgbClr val="4F4F4F"/>
                 </a:solidFill>
                 <a:effectLst/>
                 <a:latin typeface="-apple-system"/>
               </a:rPr>
-              <a:t>五、提供错误预防和简单的纠错功能 </a:t>
+              <a:t>二、允许频繁使用快捷键 </a:t>
+            </a:r>
+            <a:r>
+              <a:rPr lang="zh-CN" altLang="en-US"/>
+              <a:t/>
             </a:r>
             <a:br>
-              <a:rPr lang="zh-CN" altLang="en-US" dirty="0"/>
+              <a:rPr lang="zh-CN" altLang="en-US"/>
             </a:br>
             <a:r>
-              <a:rPr lang="zh-CN" altLang="en-US" b="0" i="0" dirty="0">
+              <a:rPr lang="zh-CN" altLang="en-US" b="0" i="0">
                 <a:solidFill>
                   <a:srgbClr val="4F4F4F"/>
                 </a:solidFill>
                 <a:effectLst/>
                 <a:latin typeface="-apple-system"/>
               </a:rPr>
-              <a:t>　　例如把某些当前不能点击的按钮设置为灰色，在系统执行时让用户在确认一下</a:t>
+              <a:t>　　快捷键表示产品使用的灵活性和有效性，想想每次我们使用搜索引擎的时候是鼠标点击的搜索还是按的回车？</a:t>
             </a:r>
             <a:endParaRPr lang="zh-CN" altLang="en-US" dirty="0"/>
           </a:p>
@@ -17456,10 +17568,10 @@
       </p:sp>
       <p:sp>
         <p:nvSpPr>
-          <p:cNvPr id="7" name="矩形 6">
+          <p:cNvPr id="5" name="矩形 4">
             <a:extLst>
               <a:ext uri="{FF2B5EF4-FFF2-40B4-BE49-F238E27FC236}">
-                <a16:creationId xmlns:a16="http://schemas.microsoft.com/office/drawing/2014/main" id="{7F5A3994-F269-48A9-9B50-B07C575D5107}"/>
+                <a16:creationId xmlns:a16="http://schemas.microsoft.com/office/drawing/2014/main" id="{2DC89BEB-EC65-43D7-961C-9F8CAE98C76F}"/>
               </a:ext>
             </a:extLst>
           </p:cNvPr>
@@ -17468,8 +17580,8 @@
         </p:nvSpPr>
         <p:spPr>
           <a:xfrm>
-            <a:off x="1344023" y="5058602"/>
-            <a:ext cx="6096000" cy="923330"/>
+            <a:off x="1226820" y="4942306"/>
+            <a:ext cx="6096000" cy="1200329"/>
           </a:xfrm>
           <a:prstGeom prst="rect">
             <a:avLst/>
@@ -17489,7 +17601,11 @@
                 <a:effectLst/>
                 <a:latin typeface="-apple-system"/>
               </a:rPr>
-              <a:t>六、应该方便用户取消某个操作 </a:t>
+              <a:t>三、提供明确的反馈 </a:t>
+            </a:r>
+            <a:r>
+              <a:rPr lang="zh-CN" altLang="en-US" dirty="0"/>
+              <a:t/>
             </a:r>
             <a:br>
               <a:rPr lang="zh-CN" altLang="en-US" dirty="0"/>
@@ -17502,7 +17618,27 @@
                 <a:effectLst/>
                 <a:latin typeface="-apple-system"/>
               </a:rPr>
-              <a:t>　　大多数的应用软件都有撤销和恢复的功能，如果用户总是惧怕一失足成千古恨，那样的用户体验可想而知</a:t>
+              <a:t>　　出现错误时要明确说出错误的含义，而且需要考虑用户能否理解，比如我们基本上都遇到过</a:t>
+            </a:r>
+            <a:r>
+              <a:rPr lang="en-US" altLang="zh-CN" b="0" i="0" dirty="0">
+                <a:solidFill>
+                  <a:srgbClr val="4F4F4F"/>
+                </a:solidFill>
+                <a:effectLst/>
+                <a:latin typeface="-apple-system"/>
+              </a:rPr>
+              <a:t>HTTP404</a:t>
+            </a:r>
+            <a:r>
+              <a:rPr lang="zh-CN" altLang="en-US" b="0" i="0" dirty="0">
+                <a:solidFill>
+                  <a:srgbClr val="4F4F4F"/>
+                </a:solidFill>
+                <a:effectLst/>
+                <a:latin typeface="-apple-system"/>
+              </a:rPr>
+              <a:t>错误，但绝大多数人能看懂么？</a:t>
             </a:r>
             <a:endParaRPr lang="zh-CN" altLang="en-US" dirty="0"/>
           </a:p>
@@ -17511,7 +17647,7 @@
     </p:spTree>
     <p:extLst>
       <p:ext uri="{BB962C8B-B14F-4D97-AF65-F5344CB8AC3E}">
-        <p14:creationId xmlns:p14="http://schemas.microsoft.com/office/powerpoint/2010/main" val="545973648"/>
+        <p14:creationId xmlns:p14="http://schemas.microsoft.com/office/powerpoint/2010/main" val="880760947"/>
       </p:ext>
     </p:extLst>
   </p:cSld>
@@ -17715,10 +17851,10 @@
       </p:sp>
       <p:sp>
         <p:nvSpPr>
-          <p:cNvPr id="2" name="矩形 1">
+          <p:cNvPr id="3" name="矩形 2">
             <a:extLst>
               <a:ext uri="{FF2B5EF4-FFF2-40B4-BE49-F238E27FC236}">
-                <a16:creationId xmlns:a16="http://schemas.microsoft.com/office/drawing/2014/main" id="{693A517D-AA3E-4177-BC5B-EF895D6136AB}"/>
+                <a16:creationId xmlns:a16="http://schemas.microsoft.com/office/drawing/2014/main" id="{DBED4D3E-EF7D-4113-B48F-803ADE9AF9C5}"/>
               </a:ext>
             </a:extLst>
           </p:cNvPr>
@@ -17727,7 +17863,7 @@
         </p:nvSpPr>
         <p:spPr>
           <a:xfrm>
-            <a:off x="1344023" y="2566370"/>
+            <a:off x="1344023" y="2363169"/>
             <a:ext cx="6096000" cy="1200329"/>
           </a:xfrm>
           <a:prstGeom prst="rect">
@@ -17748,7 +17884,11 @@
                 <a:effectLst/>
                 <a:latin typeface="-apple-system"/>
               </a:rPr>
-              <a:t>七、用户应掌握控制权 </a:t>
+              <a:t>四、设计对话，告诉用户任务已完成 </a:t>
+            </a:r>
+            <a:r>
+              <a:rPr lang="zh-CN" altLang="en-US"/>
+              <a:t/>
             </a:r>
             <a:br>
               <a:rPr lang="zh-CN" altLang="en-US"/>
@@ -17761,7 +17901,7 @@
                 <a:effectLst/>
                 <a:latin typeface="-apple-system"/>
               </a:rPr>
-              <a:t>　　一般而言用户希望自己去控制系统交互，在执行任务中，用户应该可以随时中止或退出，而不是无奈的看着系统继续</a:t>
+              <a:t>　　要在用户完成某项任务或操作后进行提示。如果他们在做了很多操作后却得不到反馈，他们就无法知道自己是否达成目标。</a:t>
             </a:r>
             <a:endParaRPr lang="zh-CN" altLang="en-US" dirty="0"/>
           </a:p>
@@ -17769,10 +17909,10 @@
       </p:sp>
       <p:sp>
         <p:nvSpPr>
-          <p:cNvPr id="4" name="矩形 3">
+          <p:cNvPr id="6" name="矩形 5">
             <a:extLst>
               <a:ext uri="{FF2B5EF4-FFF2-40B4-BE49-F238E27FC236}">
-                <a16:creationId xmlns:a16="http://schemas.microsoft.com/office/drawing/2014/main" id="{07B002CB-AEAE-4BE1-A8AB-1840BFF66A12}"/>
+                <a16:creationId xmlns:a16="http://schemas.microsoft.com/office/drawing/2014/main" id="{F0B55678-B57C-4226-B3EC-A58BEEF41FF0}"/>
               </a:ext>
             </a:extLst>
           </p:cNvPr>
@@ -17781,8 +17921,8 @@
         </p:nvSpPr>
         <p:spPr>
           <a:xfrm>
-            <a:off x="1344023" y="4183503"/>
-            <a:ext cx="6096000" cy="1200329"/>
+            <a:off x="1344023" y="3924068"/>
+            <a:ext cx="6096000" cy="923330"/>
           </a:xfrm>
           <a:prstGeom prst="rect">
             <a:avLst/>
@@ -17802,7 +17942,11 @@
                 <a:effectLst/>
                 <a:latin typeface="-apple-system"/>
               </a:rPr>
-              <a:t>八、减轻用户记忆负担 </a:t>
+              <a:t>五、提供错误预防和简单的纠错功能 </a:t>
+            </a:r>
+            <a:r>
+              <a:rPr lang="zh-CN" altLang="en-US" dirty="0"/>
+              <a:t/>
             </a:r>
             <a:br>
               <a:rPr lang="zh-CN" altLang="en-US" dirty="0"/>
@@ -17815,7 +17959,65 @@
                 <a:effectLst/>
                 <a:latin typeface="-apple-system"/>
               </a:rPr>
-              <a:t>　　我们应该尽可能帮助用户避免要求他们记住各种信息，例如各个菜单项之间的逻辑关联，更好的分类就会帮助用户找出哪个功能按钮在什么地方。</a:t>
+              <a:t>　　例如把某些当前不能点击的按钮设置为灰色，在系统执行时让用户在确认一下</a:t>
+            </a:r>
+            <a:endParaRPr lang="zh-CN" altLang="en-US" dirty="0"/>
+          </a:p>
+        </p:txBody>
+      </p:sp>
+      <p:sp>
+        <p:nvSpPr>
+          <p:cNvPr id="7" name="矩形 6">
+            <a:extLst>
+              <a:ext uri="{FF2B5EF4-FFF2-40B4-BE49-F238E27FC236}">
+                <a16:creationId xmlns:a16="http://schemas.microsoft.com/office/drawing/2014/main" id="{7F5A3994-F269-48A9-9B50-B07C575D5107}"/>
+              </a:ext>
+            </a:extLst>
+          </p:cNvPr>
+          <p:cNvSpPr/>
+          <p:nvPr/>
+        </p:nvSpPr>
+        <p:spPr>
+          <a:xfrm>
+            <a:off x="1344023" y="5058602"/>
+            <a:ext cx="6096000" cy="923330"/>
+          </a:xfrm>
+          <a:prstGeom prst="rect">
+            <a:avLst/>
+          </a:prstGeom>
+        </p:spPr>
+        <p:txBody>
+          <a:bodyPr>
+            <a:spAutoFit/>
+          </a:bodyPr>
+          <a:lstStyle/>
+          <a:p>
+            <a:r>
+              <a:rPr lang="zh-CN" altLang="en-US" b="0" i="0" dirty="0">
+                <a:solidFill>
+                  <a:srgbClr val="4F4F4F"/>
+                </a:solidFill>
+                <a:effectLst/>
+                <a:latin typeface="-apple-system"/>
+              </a:rPr>
+              <a:t>六、应该方便用户取消某个操作 </a:t>
+            </a:r>
+            <a:r>
+              <a:rPr lang="zh-CN" altLang="en-US" dirty="0"/>
+              <a:t/>
+            </a:r>
+            <a:br>
+              <a:rPr lang="zh-CN" altLang="en-US" dirty="0"/>
+            </a:br>
+            <a:r>
+              <a:rPr lang="zh-CN" altLang="en-US" b="0" i="0" dirty="0">
+                <a:solidFill>
+                  <a:srgbClr val="4F4F4F"/>
+                </a:solidFill>
+                <a:effectLst/>
+                <a:latin typeface="-apple-system"/>
+              </a:rPr>
+              <a:t>　　大多数的应用软件都有撤销和恢复的功能，如果用户总是惧怕一失足成千古恨，那样的用户体验可想而知</a:t>
             </a:r>
             <a:endParaRPr lang="zh-CN" altLang="en-US" dirty="0"/>
           </a:p>
@@ -17824,7 +18026,7 @@
     </p:spTree>
     <p:extLst>
       <p:ext uri="{BB962C8B-B14F-4D97-AF65-F5344CB8AC3E}">
-        <p14:creationId xmlns:p14="http://schemas.microsoft.com/office/powerpoint/2010/main" val="2246067272"/>
+        <p14:creationId xmlns:p14="http://schemas.microsoft.com/office/powerpoint/2010/main" val="545973648"/>
       </p:ext>
     </p:extLst>
   </p:cSld>
@@ -17972,7 +18174,7 @@
               <a:rPr lang="zh-CN" altLang="en-US" sz="2000" b="1" dirty="0">
                 <a:latin typeface="Gotham Rounded Medium" panose="02000000000000000000" pitchFamily="50" charset="0"/>
               </a:rPr>
-              <a:t>人机界面设计要素</a:t>
+              <a:t>人机界面设计规则</a:t>
             </a:r>
             <a:endParaRPr lang="zh-CN" altLang="en-US" sz="2000" dirty="0"/>
           </a:p>
@@ -17980,10 +18182,10 @@
       </p:sp>
       <p:sp>
         <p:nvSpPr>
-          <p:cNvPr id="8" name="文本框 7">
+          <p:cNvPr id="45" name="文本框 44">
             <a:extLst>
               <a:ext uri="{FF2B5EF4-FFF2-40B4-BE49-F238E27FC236}">
-                <a16:creationId xmlns:a16="http://schemas.microsoft.com/office/drawing/2014/main" id="{617528CB-F666-4FD9-87C5-192DE942A35B}"/>
+                <a16:creationId xmlns:a16="http://schemas.microsoft.com/office/drawing/2014/main" id="{F7DE7E5A-DECC-6A4D-A938-EA141C243805}"/>
               </a:ext>
             </a:extLst>
           </p:cNvPr>
@@ -17993,7 +18195,7 @@
         <p:spPr>
           <a:xfrm>
             <a:off x="1344023" y="1189740"/>
-            <a:ext cx="7215678" cy="1015663"/>
+            <a:ext cx="7215678" cy="707886"/>
           </a:xfrm>
           <a:prstGeom prst="rect">
             <a:avLst/>
@@ -18007,197 +18209,145 @@
           <a:lstStyle/>
           <a:p>
             <a:r>
+              <a:rPr kumimoji="1" lang="en-US" altLang="zh-CN" sz="2000" dirty="0"/>
+              <a:t>Ben </a:t>
+            </a:r>
+            <a:r>
+              <a:rPr kumimoji="1" lang="en-US" altLang="zh-CN" sz="2000" dirty="0" err="1"/>
+              <a:t>Shneiderman</a:t>
+            </a:r>
+            <a:r>
+              <a:rPr kumimoji="1" lang="en-US" altLang="zh-CN" sz="2000" dirty="0"/>
+              <a:t> </a:t>
+            </a:r>
+            <a:r>
               <a:rPr kumimoji="1" lang="zh-CN" altLang="en-US" sz="2000" dirty="0"/>
-              <a:t>界面设计是为了满足软件专业化、标准化的需要，而产生的对软件使用界面进行美化、优化、规范化的设计分支，主要有</a:t>
-            </a:r>
-            <a:r>
-              <a:rPr kumimoji="1" lang="en-US" altLang="zh-CN" sz="2000" dirty="0">
-                <a:solidFill>
-                  <a:srgbClr val="FF0000"/>
-                </a:solidFill>
-              </a:rPr>
-              <a:t>4</a:t>
-            </a:r>
-            <a:r>
-              <a:rPr kumimoji="1" lang="zh-CN" altLang="en-US" sz="2000" dirty="0">
-                <a:solidFill>
-                  <a:srgbClr val="FF0000"/>
-                </a:solidFill>
-              </a:rPr>
-              <a:t>个方面</a:t>
-            </a:r>
-            <a:endParaRPr kumimoji="1" lang="en-US" altLang="zh-CN" sz="2000" dirty="0">
-              <a:solidFill>
-                <a:srgbClr val="FF0000"/>
-              </a:solidFill>
-            </a:endParaRPr>
-          </a:p>
-        </p:txBody>
-      </p:sp>
-      <p:sp>
-        <p:nvSpPr>
-          <p:cNvPr id="9" name="文本框 8">
+              <a:t>经过大量实践，总结出屏幕界面的八条规则。这八个经典规则是</a:t>
+            </a:r>
+            <a:endParaRPr kumimoji="1" lang="en-US" altLang="zh-CN" sz="2000" dirty="0"/>
+          </a:p>
+        </p:txBody>
+      </p:sp>
+      <p:sp>
+        <p:nvSpPr>
+          <p:cNvPr id="2" name="矩形 1">
             <a:extLst>
               <a:ext uri="{FF2B5EF4-FFF2-40B4-BE49-F238E27FC236}">
-                <a16:creationId xmlns:a16="http://schemas.microsoft.com/office/drawing/2014/main" id="{697447C2-029B-4B86-9D80-B4395C14BE12}"/>
+                <a16:creationId xmlns:a16="http://schemas.microsoft.com/office/drawing/2014/main" id="{693A517D-AA3E-4177-BC5B-EF895D6136AB}"/>
               </a:ext>
             </a:extLst>
           </p:cNvPr>
-          <p:cNvSpPr txBox="1"/>
-          <p:nvPr/>
-        </p:nvSpPr>
-        <p:spPr>
-          <a:xfrm>
-            <a:off x="1226820" y="2767778"/>
-            <a:ext cx="1592580" cy="400110"/>
+          <p:cNvSpPr/>
+          <p:nvPr/>
+        </p:nvSpPr>
+        <p:spPr>
+          <a:xfrm>
+            <a:off x="1344023" y="2566370"/>
+            <a:ext cx="6096000" cy="1200329"/>
           </a:xfrm>
           <a:prstGeom prst="rect">
             <a:avLst/>
           </a:prstGeom>
-          <a:noFill/>
-        </p:spPr>
-        <p:txBody>
-          <a:bodyPr wrap="square" rtlCol="0">
+        </p:spPr>
+        <p:txBody>
+          <a:bodyPr>
             <a:spAutoFit/>
           </a:bodyPr>
           <a:lstStyle/>
           <a:p>
             <a:r>
-              <a:rPr kumimoji="1" lang="en-US" altLang="zh-CN" sz="2000" dirty="0"/>
-              <a:t>1</a:t>
-            </a:r>
-            <a:r>
-              <a:rPr kumimoji="1" lang="zh-CN" altLang="en-US" sz="2000" dirty="0"/>
-              <a:t>、启动封面</a:t>
-            </a:r>
-            <a:endParaRPr kumimoji="1" lang="en-US" altLang="zh-CN" sz="2000" dirty="0"/>
-          </a:p>
-        </p:txBody>
-      </p:sp>
-      <p:sp>
-        <p:nvSpPr>
-          <p:cNvPr id="10" name="文本框 9">
+              <a:rPr lang="zh-CN" altLang="en-US" b="0" i="0">
+                <a:solidFill>
+                  <a:srgbClr val="4F4F4F"/>
+                </a:solidFill>
+                <a:effectLst/>
+                <a:latin typeface="-apple-system"/>
+              </a:rPr>
+              <a:t>七、用户应掌握控制权 </a:t>
+            </a:r>
+            <a:r>
+              <a:rPr lang="zh-CN" altLang="en-US"/>
+              <a:t/>
+            </a:r>
+            <a:br>
+              <a:rPr lang="zh-CN" altLang="en-US"/>
+            </a:br>
+            <a:r>
+              <a:rPr lang="zh-CN" altLang="en-US" b="0" i="0">
+                <a:solidFill>
+                  <a:srgbClr val="4F4F4F"/>
+                </a:solidFill>
+                <a:effectLst/>
+                <a:latin typeface="-apple-system"/>
+              </a:rPr>
+              <a:t>　　一般而言用户希望自己去控制系统交互，在执行任务中，用户应该可以随时中止或退出，而不是无奈的看着系统继续</a:t>
+            </a:r>
+            <a:endParaRPr lang="zh-CN" altLang="en-US" dirty="0"/>
+          </a:p>
+        </p:txBody>
+      </p:sp>
+      <p:sp>
+        <p:nvSpPr>
+          <p:cNvPr id="4" name="矩形 3">
             <a:extLst>
               <a:ext uri="{FF2B5EF4-FFF2-40B4-BE49-F238E27FC236}">
-                <a16:creationId xmlns:a16="http://schemas.microsoft.com/office/drawing/2014/main" id="{7E8E474F-AFA4-4E9E-AB2D-0403353D009E}"/>
+                <a16:creationId xmlns:a16="http://schemas.microsoft.com/office/drawing/2014/main" id="{07B002CB-AEAE-4BE1-A8AB-1840BFF66A12}"/>
               </a:ext>
             </a:extLst>
           </p:cNvPr>
-          <p:cNvSpPr txBox="1"/>
-          <p:nvPr/>
-        </p:nvSpPr>
-        <p:spPr>
-          <a:xfrm>
-            <a:off x="3038686" y="2766956"/>
-            <a:ext cx="1592580" cy="400110"/>
+          <p:cNvSpPr/>
+          <p:nvPr/>
+        </p:nvSpPr>
+        <p:spPr>
+          <a:xfrm>
+            <a:off x="1344023" y="4183503"/>
+            <a:ext cx="6096000" cy="1200329"/>
           </a:xfrm>
           <a:prstGeom prst="rect">
             <a:avLst/>
           </a:prstGeom>
-          <a:noFill/>
-        </p:spPr>
-        <p:txBody>
-          <a:bodyPr wrap="square" rtlCol="0">
+        </p:spPr>
+        <p:txBody>
+          <a:bodyPr>
             <a:spAutoFit/>
           </a:bodyPr>
           <a:lstStyle/>
           <a:p>
             <a:r>
-              <a:rPr kumimoji="1" lang="en-US" altLang="zh-CN" sz="2000" dirty="0"/>
-              <a:t>2</a:t>
-            </a:r>
-            <a:r>
-              <a:rPr kumimoji="1" lang="zh-CN" altLang="en-US" sz="2000" dirty="0"/>
-              <a:t>、框架设计</a:t>
-            </a:r>
-            <a:endParaRPr kumimoji="1" lang="en-US" altLang="zh-CN" sz="2000" dirty="0"/>
-          </a:p>
-        </p:txBody>
-      </p:sp>
-      <p:sp>
-        <p:nvSpPr>
-          <p:cNvPr id="11" name="文本框 10">
-            <a:extLst>
-              <a:ext uri="{FF2B5EF4-FFF2-40B4-BE49-F238E27FC236}">
-                <a16:creationId xmlns:a16="http://schemas.microsoft.com/office/drawing/2014/main" id="{B1497C9E-0430-4BD9-A1D4-01E6435F586B}"/>
-              </a:ext>
-            </a:extLst>
-          </p:cNvPr>
-          <p:cNvSpPr txBox="1"/>
-          <p:nvPr/>
-        </p:nvSpPr>
-        <p:spPr>
-          <a:xfrm>
-            <a:off x="4951862" y="2766956"/>
-            <a:ext cx="1592580" cy="400110"/>
-          </a:xfrm>
-          <a:prstGeom prst="rect">
-            <a:avLst/>
-          </a:prstGeom>
-          <a:noFill/>
-        </p:spPr>
-        <p:txBody>
-          <a:bodyPr wrap="square" rtlCol="0">
-            <a:spAutoFit/>
-          </a:bodyPr>
-          <a:lstStyle/>
-          <a:p>
-            <a:r>
-              <a:rPr kumimoji="1" lang="en-US" altLang="zh-CN" sz="2000" dirty="0"/>
-              <a:t>3</a:t>
-            </a:r>
-            <a:r>
-              <a:rPr kumimoji="1" lang="zh-CN" altLang="en-US" sz="2000" dirty="0"/>
-              <a:t>、面板设计</a:t>
-            </a:r>
-            <a:endParaRPr kumimoji="1" lang="en-US" altLang="zh-CN" sz="2000" dirty="0"/>
-          </a:p>
-        </p:txBody>
-      </p:sp>
-      <p:sp>
-        <p:nvSpPr>
-          <p:cNvPr id="12" name="文本框 11">
-            <a:extLst>
-              <a:ext uri="{FF2B5EF4-FFF2-40B4-BE49-F238E27FC236}">
-                <a16:creationId xmlns:a16="http://schemas.microsoft.com/office/drawing/2014/main" id="{2F8511C4-0D59-4D60-9A21-070A3D846095}"/>
-              </a:ext>
-            </a:extLst>
-          </p:cNvPr>
-          <p:cNvSpPr txBox="1"/>
-          <p:nvPr/>
-        </p:nvSpPr>
-        <p:spPr>
-          <a:xfrm>
-            <a:off x="6865038" y="2766956"/>
-            <a:ext cx="1592580" cy="400110"/>
-          </a:xfrm>
-          <a:prstGeom prst="rect">
-            <a:avLst/>
-          </a:prstGeom>
-          <a:noFill/>
-        </p:spPr>
-        <p:txBody>
-          <a:bodyPr wrap="square" rtlCol="0">
-            <a:spAutoFit/>
-          </a:bodyPr>
-          <a:lstStyle/>
-          <a:p>
-            <a:r>
-              <a:rPr kumimoji="1" lang="en-US" altLang="zh-CN" sz="2000" dirty="0"/>
-              <a:t>4</a:t>
-            </a:r>
-            <a:r>
-              <a:rPr kumimoji="1" lang="zh-CN" altLang="en-US" sz="2000" dirty="0"/>
-              <a:t>、菜单设计</a:t>
-            </a:r>
-            <a:endParaRPr kumimoji="1" lang="en-US" altLang="zh-CN" sz="2000" dirty="0"/>
+              <a:rPr lang="zh-CN" altLang="en-US" b="0" i="0" dirty="0">
+                <a:solidFill>
+                  <a:srgbClr val="4F4F4F"/>
+                </a:solidFill>
+                <a:effectLst/>
+                <a:latin typeface="-apple-system"/>
+              </a:rPr>
+              <a:t>八、减轻用户记忆负担 </a:t>
+            </a:r>
+            <a:r>
+              <a:rPr lang="zh-CN" altLang="en-US" dirty="0"/>
+              <a:t/>
+            </a:r>
+            <a:br>
+              <a:rPr lang="zh-CN" altLang="en-US" dirty="0"/>
+            </a:br>
+            <a:r>
+              <a:rPr lang="zh-CN" altLang="en-US" b="0" i="0" dirty="0">
+                <a:solidFill>
+                  <a:srgbClr val="4F4F4F"/>
+                </a:solidFill>
+                <a:effectLst/>
+                <a:latin typeface="-apple-system"/>
+              </a:rPr>
+              <a:t>　　我们应该尽可能帮助用户避免要求他们记住各种信息，例如各个菜单项之间的逻辑关联，更好的分类就会帮助用户找出哪个功能按钮在什么地方。</a:t>
+            </a:r>
+            <a:endParaRPr lang="zh-CN" altLang="en-US" dirty="0"/>
           </a:p>
         </p:txBody>
       </p:sp>
     </p:spTree>
     <p:extLst>
       <p:ext uri="{BB962C8B-B14F-4D97-AF65-F5344CB8AC3E}">
-        <p14:creationId xmlns:p14="http://schemas.microsoft.com/office/powerpoint/2010/main" val="3995962758"/>
+        <p14:creationId xmlns:p14="http://schemas.microsoft.com/office/powerpoint/2010/main" val="2246067272"/>
       </p:ext>
     </p:extLst>
   </p:cSld>
@@ -18706,7 +18856,7 @@
               <a:rPr lang="zh-CN" altLang="en-US" sz="2000" b="1" dirty="0">
                 <a:latin typeface="Gotham Rounded Medium" panose="02000000000000000000" pitchFamily="50" charset="0"/>
               </a:rPr>
-              <a:t>人机界面设计内容</a:t>
+              <a:t>人机界面设计要素</a:t>
             </a:r>
             <a:endParaRPr lang="zh-CN" altLang="en-US" sz="2000" dirty="0"/>
           </a:p>
@@ -18727,7 +18877,7 @@
         <p:spPr>
           <a:xfrm>
             <a:off x="1344023" y="1189740"/>
-            <a:ext cx="7215678" cy="400110"/>
+            <a:ext cx="7215678" cy="1015663"/>
           </a:xfrm>
           <a:prstGeom prst="rect">
             <a:avLst/>
@@ -18742,7 +18892,7 @@
           <a:p>
             <a:r>
               <a:rPr kumimoji="1" lang="zh-CN" altLang="en-US" sz="2000" dirty="0"/>
-              <a:t>界面设计内容主要有以下</a:t>
+              <a:t>界面设计是为了满足软件专业化、标准化的需要，而产生的对软件使用界面进行美化、优化、规范化的设计分支，主要有</a:t>
             </a:r>
             <a:r>
               <a:rPr kumimoji="1" lang="en-US" altLang="zh-CN" sz="2000" dirty="0">
@@ -18782,7 +18932,7 @@
         </p:nvSpPr>
         <p:spPr>
           <a:xfrm>
-            <a:off x="1446106" y="2040853"/>
+            <a:off x="1226820" y="2767778"/>
             <a:ext cx="1592580" cy="400110"/>
           </a:xfrm>
           <a:prstGeom prst="rect">
@@ -18802,7 +18952,7 @@
             </a:r>
             <a:r>
               <a:rPr kumimoji="1" lang="zh-CN" altLang="en-US" sz="2000" dirty="0"/>
-              <a:t>、界面对话</a:t>
+              <a:t>、启动封面</a:t>
             </a:r>
             <a:endParaRPr kumimoji="1" lang="en-US" altLang="zh-CN" sz="2000" dirty="0"/>
           </a:p>
@@ -18822,7 +18972,7 @@
         </p:nvSpPr>
         <p:spPr>
           <a:xfrm>
-            <a:off x="1446106" y="2898789"/>
+            <a:off x="3038686" y="2766956"/>
             <a:ext cx="1592580" cy="400110"/>
           </a:xfrm>
           <a:prstGeom prst="rect">
@@ -18842,7 +18992,7 @@
             </a:r>
             <a:r>
               <a:rPr kumimoji="1" lang="zh-CN" altLang="en-US" sz="2000" dirty="0"/>
-              <a:t>、数据输入</a:t>
+              <a:t>、框架设计</a:t>
             </a:r>
             <a:endParaRPr kumimoji="1" lang="en-US" altLang="zh-CN" sz="2000" dirty="0"/>
           </a:p>
@@ -18862,7 +19012,7 @@
         </p:nvSpPr>
         <p:spPr>
           <a:xfrm>
-            <a:off x="1446106" y="3608258"/>
+            <a:off x="4951862" y="2766956"/>
             <a:ext cx="1592580" cy="400110"/>
           </a:xfrm>
           <a:prstGeom prst="rect">
@@ -18882,7 +19032,7 @@
             </a:r>
             <a:r>
               <a:rPr kumimoji="1" lang="zh-CN" altLang="en-US" sz="2000" dirty="0"/>
-              <a:t>、屏幕显示</a:t>
+              <a:t>、面板设计</a:t>
             </a:r>
             <a:endParaRPr kumimoji="1" lang="en-US" altLang="zh-CN" sz="2000" dirty="0"/>
           </a:p>
@@ -18902,7 +19052,7 @@
         </p:nvSpPr>
         <p:spPr>
           <a:xfrm>
-            <a:off x="1446106" y="4316083"/>
+            <a:off x="6865038" y="2766956"/>
             <a:ext cx="1592580" cy="400110"/>
           </a:xfrm>
           <a:prstGeom prst="rect">
@@ -18922,7 +19072,7 @@
             </a:r>
             <a:r>
               <a:rPr kumimoji="1" lang="zh-CN" altLang="en-US" sz="2000" dirty="0"/>
-              <a:t>、反馈信息</a:t>
+              <a:t>、菜单设计</a:t>
             </a:r>
             <a:endParaRPr kumimoji="1" lang="en-US" altLang="zh-CN" sz="2000" dirty="0"/>
           </a:p>
@@ -18931,7 +19081,7 @@
     </p:spTree>
     <p:extLst>
       <p:ext uri="{BB962C8B-B14F-4D97-AF65-F5344CB8AC3E}">
-        <p14:creationId xmlns:p14="http://schemas.microsoft.com/office/powerpoint/2010/main" val="953957106"/>
+        <p14:creationId xmlns:p14="http://schemas.microsoft.com/office/powerpoint/2010/main" val="3995962758"/>
       </p:ext>
     </p:extLst>
   </p:cSld>
@@ -19063,7 +19213,7 @@
         <p:spPr>
           <a:xfrm>
             <a:off x="1344023" y="448348"/>
-            <a:ext cx="3716082" cy="400110"/>
+            <a:ext cx="2236510" cy="400110"/>
           </a:xfrm>
           <a:prstGeom prst="rect">
             <a:avLst/>
@@ -19079,19 +19229,7 @@
               <a:rPr lang="zh-CN" altLang="en-US" sz="2000" b="1" dirty="0">
                 <a:latin typeface="Gotham Rounded Medium" panose="02000000000000000000" pitchFamily="50" charset="0"/>
               </a:rPr>
-              <a:t>层次分析法（</a:t>
-            </a:r>
-            <a:r>
-              <a:rPr lang="en-US" altLang="zh-CN" sz="2000" b="1" dirty="0">
-                <a:latin typeface="Gotham Rounded Medium" panose="02000000000000000000" pitchFamily="50" charset="0"/>
-              </a:rPr>
-              <a:t>AHP</a:t>
-            </a:r>
-            <a:r>
-              <a:rPr lang="zh-CN" altLang="en-US" sz="2000" b="1" dirty="0">
-                <a:latin typeface="Gotham Rounded Medium" panose="02000000000000000000" pitchFamily="50" charset="0"/>
-              </a:rPr>
-              <a:t>）的简单介绍</a:t>
+              <a:t>人机界面设计内容</a:t>
             </a:r>
             <a:endParaRPr lang="zh-CN" altLang="en-US" sz="2000" dirty="0"/>
           </a:p>
@@ -19099,10 +19237,10 @@
       </p:sp>
       <p:sp>
         <p:nvSpPr>
-          <p:cNvPr id="13" name="文本框 12">
+          <p:cNvPr id="8" name="文本框 7">
             <a:extLst>
               <a:ext uri="{FF2B5EF4-FFF2-40B4-BE49-F238E27FC236}">
-                <a16:creationId xmlns:a16="http://schemas.microsoft.com/office/drawing/2014/main" id="{64E6FF82-7E00-4519-A11C-17E210C47B95}"/>
+                <a16:creationId xmlns:a16="http://schemas.microsoft.com/office/drawing/2014/main" id="{617528CB-F666-4FD9-87C5-192DE942A35B}"/>
               </a:ext>
             </a:extLst>
           </p:cNvPr>
@@ -19111,8 +19249,8 @@
         </p:nvSpPr>
         <p:spPr>
           <a:xfrm>
-            <a:off x="1835089" y="1689272"/>
-            <a:ext cx="7215678" cy="1631216"/>
+            <a:off x="1344023" y="1189740"/>
+            <a:ext cx="7215678" cy="400110"/>
           </a:xfrm>
           <a:prstGeom prst="rect">
             <a:avLst/>
@@ -19127,15 +19265,187 @@
           <a:p>
             <a:r>
               <a:rPr kumimoji="1" lang="zh-CN" altLang="en-US" sz="2000" dirty="0"/>
-              <a:t>      层次分析法将复杂问题分解为层次模型结构，引入</a:t>
-            </a:r>
+              <a:t>界面设计内容主要有以下</a:t>
+            </a:r>
+            <a:r>
+              <a:rPr kumimoji="1" lang="en-US" altLang="zh-CN" sz="2000" dirty="0">
+                <a:solidFill>
+                  <a:srgbClr val="FF0000"/>
+                </a:solidFill>
+              </a:rPr>
+              <a:t>4</a:t>
+            </a:r>
+            <a:r>
+              <a:rPr kumimoji="1" lang="zh-CN" altLang="en-US" sz="2000" dirty="0">
+                <a:solidFill>
+                  <a:srgbClr val="FF0000"/>
+                </a:solidFill>
+              </a:rPr>
+              <a:t>个方面</a:t>
+            </a:r>
+            <a:endParaRPr kumimoji="1" lang="en-US" altLang="zh-CN" sz="2000" dirty="0">
+              <a:solidFill>
+                <a:srgbClr val="FF0000"/>
+              </a:solidFill>
+            </a:endParaRPr>
+          </a:p>
+        </p:txBody>
+      </p:sp>
+      <p:sp>
+        <p:nvSpPr>
+          <p:cNvPr id="9" name="文本框 8">
+            <a:extLst>
+              <a:ext uri="{FF2B5EF4-FFF2-40B4-BE49-F238E27FC236}">
+                <a16:creationId xmlns:a16="http://schemas.microsoft.com/office/drawing/2014/main" id="{697447C2-029B-4B86-9D80-B4395C14BE12}"/>
+              </a:ext>
+            </a:extLst>
+          </p:cNvPr>
+          <p:cNvSpPr txBox="1"/>
+          <p:nvPr/>
+        </p:nvSpPr>
+        <p:spPr>
+          <a:xfrm>
+            <a:off x="1446106" y="2040853"/>
+            <a:ext cx="1592580" cy="400110"/>
+          </a:xfrm>
+          <a:prstGeom prst="rect">
+            <a:avLst/>
+          </a:prstGeom>
+          <a:noFill/>
+        </p:spPr>
+        <p:txBody>
+          <a:bodyPr wrap="square" rtlCol="0">
+            <a:spAutoFit/>
+          </a:bodyPr>
+          <a:lstStyle/>
+          <a:p>
             <a:r>
               <a:rPr kumimoji="1" lang="en-US" altLang="zh-CN" sz="2000" dirty="0"/>
-              <a:t>1-9</a:t>
+              <a:t>1</a:t>
             </a:r>
             <a:r>
               <a:rPr kumimoji="1" lang="zh-CN" altLang="en-US" sz="2000" dirty="0"/>
-              <a:t>级重要性比率标度，使得对非常复杂的软件用户界面定量分析成为可能，同时，借助于矩阵分析工具，可以对判断矩阵进行一致性检验，保证判断思维的连贯性和一致性，从而客观的描述评价项目的权重。</a:t>
+              <a:t>、界面对话</a:t>
+            </a:r>
+            <a:endParaRPr kumimoji="1" lang="en-US" altLang="zh-CN" sz="2000" dirty="0"/>
+          </a:p>
+        </p:txBody>
+      </p:sp>
+      <p:sp>
+        <p:nvSpPr>
+          <p:cNvPr id="10" name="文本框 9">
+            <a:extLst>
+              <a:ext uri="{FF2B5EF4-FFF2-40B4-BE49-F238E27FC236}">
+                <a16:creationId xmlns:a16="http://schemas.microsoft.com/office/drawing/2014/main" id="{7E8E474F-AFA4-4E9E-AB2D-0403353D009E}"/>
+              </a:ext>
+            </a:extLst>
+          </p:cNvPr>
+          <p:cNvSpPr txBox="1"/>
+          <p:nvPr/>
+        </p:nvSpPr>
+        <p:spPr>
+          <a:xfrm>
+            <a:off x="1446106" y="2898789"/>
+            <a:ext cx="1592580" cy="400110"/>
+          </a:xfrm>
+          <a:prstGeom prst="rect">
+            <a:avLst/>
+          </a:prstGeom>
+          <a:noFill/>
+        </p:spPr>
+        <p:txBody>
+          <a:bodyPr wrap="square" rtlCol="0">
+            <a:spAutoFit/>
+          </a:bodyPr>
+          <a:lstStyle/>
+          <a:p>
+            <a:r>
+              <a:rPr kumimoji="1" lang="en-US" altLang="zh-CN" sz="2000" dirty="0"/>
+              <a:t>2</a:t>
+            </a:r>
+            <a:r>
+              <a:rPr kumimoji="1" lang="zh-CN" altLang="en-US" sz="2000" dirty="0"/>
+              <a:t>、数据输入</a:t>
+            </a:r>
+            <a:endParaRPr kumimoji="1" lang="en-US" altLang="zh-CN" sz="2000" dirty="0"/>
+          </a:p>
+        </p:txBody>
+      </p:sp>
+      <p:sp>
+        <p:nvSpPr>
+          <p:cNvPr id="11" name="文本框 10">
+            <a:extLst>
+              <a:ext uri="{FF2B5EF4-FFF2-40B4-BE49-F238E27FC236}">
+                <a16:creationId xmlns:a16="http://schemas.microsoft.com/office/drawing/2014/main" id="{B1497C9E-0430-4BD9-A1D4-01E6435F586B}"/>
+              </a:ext>
+            </a:extLst>
+          </p:cNvPr>
+          <p:cNvSpPr txBox="1"/>
+          <p:nvPr/>
+        </p:nvSpPr>
+        <p:spPr>
+          <a:xfrm>
+            <a:off x="1446106" y="3608258"/>
+            <a:ext cx="1592580" cy="400110"/>
+          </a:xfrm>
+          <a:prstGeom prst="rect">
+            <a:avLst/>
+          </a:prstGeom>
+          <a:noFill/>
+        </p:spPr>
+        <p:txBody>
+          <a:bodyPr wrap="square" rtlCol="0">
+            <a:spAutoFit/>
+          </a:bodyPr>
+          <a:lstStyle/>
+          <a:p>
+            <a:r>
+              <a:rPr kumimoji="1" lang="en-US" altLang="zh-CN" sz="2000" dirty="0"/>
+              <a:t>3</a:t>
+            </a:r>
+            <a:r>
+              <a:rPr kumimoji="1" lang="zh-CN" altLang="en-US" sz="2000" dirty="0"/>
+              <a:t>、屏幕显示</a:t>
+            </a:r>
+            <a:endParaRPr kumimoji="1" lang="en-US" altLang="zh-CN" sz="2000" dirty="0"/>
+          </a:p>
+        </p:txBody>
+      </p:sp>
+      <p:sp>
+        <p:nvSpPr>
+          <p:cNvPr id="12" name="文本框 11">
+            <a:extLst>
+              <a:ext uri="{FF2B5EF4-FFF2-40B4-BE49-F238E27FC236}">
+                <a16:creationId xmlns:a16="http://schemas.microsoft.com/office/drawing/2014/main" id="{2F8511C4-0D59-4D60-9A21-070A3D846095}"/>
+              </a:ext>
+            </a:extLst>
+          </p:cNvPr>
+          <p:cNvSpPr txBox="1"/>
+          <p:nvPr/>
+        </p:nvSpPr>
+        <p:spPr>
+          <a:xfrm>
+            <a:off x="1446106" y="4316083"/>
+            <a:ext cx="1592580" cy="400110"/>
+          </a:xfrm>
+          <a:prstGeom prst="rect">
+            <a:avLst/>
+          </a:prstGeom>
+          <a:noFill/>
+        </p:spPr>
+        <p:txBody>
+          <a:bodyPr wrap="square" rtlCol="0">
+            <a:spAutoFit/>
+          </a:bodyPr>
+          <a:lstStyle/>
+          <a:p>
+            <a:r>
+              <a:rPr kumimoji="1" lang="en-US" altLang="zh-CN" sz="2000" dirty="0"/>
+              <a:t>4</a:t>
+            </a:r>
+            <a:r>
+              <a:rPr kumimoji="1" lang="zh-CN" altLang="en-US" sz="2000" dirty="0"/>
+              <a:t>、反馈信息</a:t>
             </a:r>
             <a:endParaRPr kumimoji="1" lang="en-US" altLang="zh-CN" sz="2000" dirty="0"/>
           </a:p>
@@ -19144,7 +19454,7 @@
     </p:spTree>
     <p:extLst>
       <p:ext uri="{BB962C8B-B14F-4D97-AF65-F5344CB8AC3E}">
-        <p14:creationId xmlns:p14="http://schemas.microsoft.com/office/powerpoint/2010/main" val="3112801546"/>
+        <p14:creationId xmlns:p14="http://schemas.microsoft.com/office/powerpoint/2010/main" val="953957106"/>
       </p:ext>
     </p:extLst>
   </p:cSld>
@@ -19312,6 +19622,219 @@
       </p:sp>
       <p:sp>
         <p:nvSpPr>
+          <p:cNvPr id="13" name="文本框 12">
+            <a:extLst>
+              <a:ext uri="{FF2B5EF4-FFF2-40B4-BE49-F238E27FC236}">
+                <a16:creationId xmlns:a16="http://schemas.microsoft.com/office/drawing/2014/main" id="{64E6FF82-7E00-4519-A11C-17E210C47B95}"/>
+              </a:ext>
+            </a:extLst>
+          </p:cNvPr>
+          <p:cNvSpPr txBox="1"/>
+          <p:nvPr/>
+        </p:nvSpPr>
+        <p:spPr>
+          <a:xfrm>
+            <a:off x="1835089" y="1689272"/>
+            <a:ext cx="7215678" cy="1631216"/>
+          </a:xfrm>
+          <a:prstGeom prst="rect">
+            <a:avLst/>
+          </a:prstGeom>
+          <a:noFill/>
+        </p:spPr>
+        <p:txBody>
+          <a:bodyPr wrap="square" rtlCol="0">
+            <a:spAutoFit/>
+          </a:bodyPr>
+          <a:lstStyle/>
+          <a:p>
+            <a:r>
+              <a:rPr kumimoji="1" lang="zh-CN" altLang="en-US" sz="2000" dirty="0"/>
+              <a:t>      层次分析法将复杂问题分解为层次模型结构，引入</a:t>
+            </a:r>
+            <a:r>
+              <a:rPr kumimoji="1" lang="en-US" altLang="zh-CN" sz="2000" dirty="0"/>
+              <a:t>1-9</a:t>
+            </a:r>
+            <a:r>
+              <a:rPr kumimoji="1" lang="zh-CN" altLang="en-US" sz="2000" dirty="0"/>
+              <a:t>级重要性比率标度，使得对非常复杂的软件用户界面定量分析成为可能，同时，借助于矩阵分析工具，可以对判断矩阵进行一致性检验，保证判断思维的连贯性和一致性，从而客观的描述评价项目的权重。</a:t>
+            </a:r>
+            <a:endParaRPr kumimoji="1" lang="en-US" altLang="zh-CN" sz="2000" dirty="0"/>
+          </a:p>
+        </p:txBody>
+      </p:sp>
+    </p:spTree>
+    <p:extLst>
+      <p:ext uri="{BB962C8B-B14F-4D97-AF65-F5344CB8AC3E}">
+        <p14:creationId xmlns:p14="http://schemas.microsoft.com/office/powerpoint/2010/main" val="3112801546"/>
+      </p:ext>
+    </p:extLst>
+  </p:cSld>
+  <p:clrMapOvr>
+    <a:masterClrMapping/>
+  </p:clrMapOvr>
+</p:sld>
+</file>
+
+<file path=ppt/slides/slide43.xml><?xml version="1.0" encoding="utf-8"?>
+<p:sld xmlns:a="http://schemas.openxmlformats.org/drawingml/2006/main" xmlns:r="http://schemas.openxmlformats.org/officeDocument/2006/relationships" xmlns:p="http://schemas.openxmlformats.org/presentationml/2006/main">
+  <p:cSld>
+    <p:spTree>
+      <p:nvGrpSpPr>
+        <p:cNvPr id="1" name=""/>
+        <p:cNvGrpSpPr/>
+        <p:nvPr/>
+      </p:nvGrpSpPr>
+      <p:grpSpPr>
+        <a:xfrm>
+          <a:off x="0" y="0"/>
+          <a:ext cx="0" cy="0"/>
+          <a:chOff x="0" y="0"/>
+          <a:chExt cx="0" cy="0"/>
+        </a:xfrm>
+      </p:grpSpPr>
+      <p:sp>
+        <p:nvSpPr>
+          <p:cNvPr id="33" name="椭圆 32"/>
+          <p:cNvSpPr/>
+          <p:nvPr/>
+        </p:nvSpPr>
+        <p:spPr>
+          <a:xfrm>
+            <a:off x="-1226820" y="-1346917"/>
+            <a:ext cx="2453640" cy="2453640"/>
+          </a:xfrm>
+          <a:prstGeom prst="ellipse">
+            <a:avLst/>
+          </a:prstGeom>
+          <a:solidFill>
+            <a:srgbClr val="48A2A0">
+              <a:alpha val="70000"/>
+            </a:srgbClr>
+          </a:solidFill>
+          <a:ln>
+            <a:noFill/>
+          </a:ln>
+        </p:spPr>
+        <p:style>
+          <a:lnRef idx="2">
+            <a:schemeClr val="accent1">
+              <a:shade val="50000"/>
+            </a:schemeClr>
+          </a:lnRef>
+          <a:fillRef idx="1">
+            <a:schemeClr val="accent1"/>
+          </a:fillRef>
+          <a:effectRef idx="0">
+            <a:schemeClr val="accent1"/>
+          </a:effectRef>
+          <a:fontRef idx="minor">
+            <a:schemeClr val="lt1"/>
+          </a:fontRef>
+        </p:style>
+        <p:txBody>
+          <a:bodyPr rtlCol="0" anchor="ctr"/>
+          <a:lstStyle/>
+          <a:p>
+            <a:pPr algn="ctr"/>
+            <a:endParaRPr lang="zh-CN" altLang="en-US"/>
+          </a:p>
+        </p:txBody>
+      </p:sp>
+      <p:sp>
+        <p:nvSpPr>
+          <p:cNvPr id="34" name="椭圆 33"/>
+          <p:cNvSpPr/>
+          <p:nvPr/>
+        </p:nvSpPr>
+        <p:spPr>
+          <a:xfrm>
+            <a:off x="434235" y="314138"/>
+            <a:ext cx="792585" cy="792585"/>
+          </a:xfrm>
+          <a:prstGeom prst="ellipse">
+            <a:avLst/>
+          </a:prstGeom>
+          <a:solidFill>
+            <a:srgbClr val="6C92C0">
+              <a:alpha val="70000"/>
+            </a:srgbClr>
+          </a:solidFill>
+          <a:ln>
+            <a:noFill/>
+          </a:ln>
+        </p:spPr>
+        <p:style>
+          <a:lnRef idx="2">
+            <a:schemeClr val="accent1">
+              <a:shade val="50000"/>
+            </a:schemeClr>
+          </a:lnRef>
+          <a:fillRef idx="1">
+            <a:schemeClr val="accent1"/>
+          </a:fillRef>
+          <a:effectRef idx="0">
+            <a:schemeClr val="accent1"/>
+          </a:effectRef>
+          <a:fontRef idx="minor">
+            <a:schemeClr val="lt1"/>
+          </a:fontRef>
+        </p:style>
+        <p:txBody>
+          <a:bodyPr rtlCol="0" anchor="ctr"/>
+          <a:lstStyle/>
+          <a:p>
+            <a:pPr algn="ctr"/>
+            <a:endParaRPr lang="zh-CN" altLang="en-US"/>
+          </a:p>
+        </p:txBody>
+      </p:sp>
+      <p:sp>
+        <p:nvSpPr>
+          <p:cNvPr id="35" name="矩形 34"/>
+          <p:cNvSpPr/>
+          <p:nvPr/>
+        </p:nvSpPr>
+        <p:spPr>
+          <a:xfrm>
+            <a:off x="1344023" y="448348"/>
+            <a:ext cx="3716082" cy="400110"/>
+          </a:xfrm>
+          <a:prstGeom prst="rect">
+            <a:avLst/>
+          </a:prstGeom>
+        </p:spPr>
+        <p:txBody>
+          <a:bodyPr wrap="none">
+            <a:spAutoFit/>
+          </a:bodyPr>
+          <a:lstStyle/>
+          <a:p>
+            <a:r>
+              <a:rPr lang="zh-CN" altLang="en-US" sz="2000" b="1" dirty="0">
+                <a:latin typeface="Gotham Rounded Medium" panose="02000000000000000000" pitchFamily="50" charset="0"/>
+              </a:rPr>
+              <a:t>层次分析法（</a:t>
+            </a:r>
+            <a:r>
+              <a:rPr lang="en-US" altLang="zh-CN" sz="2000" b="1" dirty="0">
+                <a:latin typeface="Gotham Rounded Medium" panose="02000000000000000000" pitchFamily="50" charset="0"/>
+              </a:rPr>
+              <a:t>AHP</a:t>
+            </a:r>
+            <a:r>
+              <a:rPr lang="zh-CN" altLang="en-US" sz="2000" b="1" dirty="0">
+                <a:latin typeface="Gotham Rounded Medium" panose="02000000000000000000" pitchFamily="50" charset="0"/>
+              </a:rPr>
+              <a:t>）的简单介绍</a:t>
+            </a:r>
+            <a:endParaRPr lang="zh-CN" altLang="en-US" sz="2000" dirty="0"/>
+          </a:p>
+        </p:txBody>
+      </p:sp>
+      <p:sp>
+        <p:nvSpPr>
           <p:cNvPr id="14" name="文本框 13">
             <a:extLst>
               <a:ext uri="{FF2B5EF4-FFF2-40B4-BE49-F238E27FC236}">
@@ -19638,7 +20161,7 @@
 </p:sld>
 </file>
 
-<file path=ppt/slides/slide43.xml><?xml version="1.0" encoding="utf-8"?>
+<file path=ppt/slides/slide44.xml><?xml version="1.0" encoding="utf-8"?>
 <p:sld xmlns:a="http://schemas.openxmlformats.org/drawingml/2006/main" xmlns:r="http://schemas.openxmlformats.org/officeDocument/2006/relationships" xmlns:p="http://schemas.openxmlformats.org/presentationml/2006/main">
   <p:cSld>
     <p:spTree>
@@ -20492,386 +21015,6 @@
 </p:sld>
 </file>
 
-<file path=ppt/slides/slide44.xml><?xml version="1.0" encoding="utf-8"?>
-<p:sld xmlns:a="http://schemas.openxmlformats.org/drawingml/2006/main" xmlns:r="http://schemas.openxmlformats.org/officeDocument/2006/relationships" xmlns:p="http://schemas.openxmlformats.org/presentationml/2006/main">
-  <p:cSld>
-    <p:spTree>
-      <p:nvGrpSpPr>
-        <p:cNvPr id="1" name=""/>
-        <p:cNvGrpSpPr/>
-        <p:nvPr/>
-      </p:nvGrpSpPr>
-      <p:grpSpPr>
-        <a:xfrm>
-          <a:off x="0" y="0"/>
-          <a:ext cx="0" cy="0"/>
-          <a:chOff x="0" y="0"/>
-          <a:chExt cx="0" cy="0"/>
-        </a:xfrm>
-      </p:grpSpPr>
-      <p:sp>
-        <p:nvSpPr>
-          <p:cNvPr id="4" name="文本框 3"/>
-          <p:cNvSpPr txBox="1"/>
-          <p:nvPr/>
-        </p:nvSpPr>
-        <p:spPr>
-          <a:xfrm>
-            <a:off x="8626912" y="5214025"/>
-            <a:ext cx="2553520" cy="707886"/>
-          </a:xfrm>
-          <a:prstGeom prst="rect">
-            <a:avLst/>
-          </a:prstGeom>
-          <a:noFill/>
-        </p:spPr>
-        <p:txBody>
-          <a:bodyPr wrap="none" rtlCol="0">
-            <a:spAutoFit/>
-          </a:bodyPr>
-          <a:lstStyle/>
-          <a:p>
-            <a:pPr algn="ctr"/>
-            <a:r>
-              <a:rPr lang="en-US" altLang="zh-CN" sz="4000" dirty="0">
-                <a:solidFill>
-                  <a:schemeClr val="bg1"/>
-                </a:solidFill>
-                <a:latin typeface="Gotham Rounded Medium" panose="02000000000000000000" pitchFamily="50" charset="0"/>
-              </a:rPr>
-              <a:t>THANKS!</a:t>
-            </a:r>
-            <a:endParaRPr lang="zh-CN" altLang="en-US" sz="4000" dirty="0">
-              <a:solidFill>
-                <a:schemeClr val="bg1"/>
-              </a:solidFill>
-              <a:latin typeface="Gotham Rounded Medium" panose="02000000000000000000" pitchFamily="50" charset="0"/>
-            </a:endParaRPr>
-          </a:p>
-        </p:txBody>
-      </p:sp>
-      <p:cxnSp>
-        <p:nvCxnSpPr>
-          <p:cNvPr id="6" name="直接连接符 5"/>
-          <p:cNvCxnSpPr/>
-          <p:nvPr/>
-        </p:nvCxnSpPr>
-        <p:spPr>
-          <a:xfrm>
-            <a:off x="9606013" y="5921911"/>
-            <a:ext cx="1403683" cy="0"/>
-          </a:xfrm>
-          <a:prstGeom prst="line">
-            <a:avLst/>
-          </a:prstGeom>
-          <a:ln w="38100">
-            <a:solidFill>
-              <a:schemeClr val="bg1"/>
-            </a:solidFill>
-          </a:ln>
-        </p:spPr>
-        <p:style>
-          <a:lnRef idx="1">
-            <a:schemeClr val="accent1"/>
-          </a:lnRef>
-          <a:fillRef idx="0">
-            <a:schemeClr val="accent1"/>
-          </a:fillRef>
-          <a:effectRef idx="0">
-            <a:schemeClr val="accent1"/>
-          </a:effectRef>
-          <a:fontRef idx="minor">
-            <a:schemeClr val="tx1"/>
-          </a:fontRef>
-        </p:style>
-      </p:cxnSp>
-      <p:sp>
-        <p:nvSpPr>
-          <p:cNvPr id="8" name="文本框 7">
-            <a:hlinkClick r:id="rId2"/>
-          </p:cNvPr>
-          <p:cNvSpPr txBox="1"/>
-          <p:nvPr/>
-        </p:nvSpPr>
-        <p:spPr>
-          <a:xfrm>
-            <a:off x="8339590" y="6337419"/>
-            <a:ext cx="2840842" cy="276999"/>
-          </a:xfrm>
-          <a:prstGeom prst="rect">
-            <a:avLst/>
-          </a:prstGeom>
-          <a:noFill/>
-        </p:spPr>
-        <p:txBody>
-          <a:bodyPr wrap="none" rtlCol="0">
-            <a:spAutoFit/>
-          </a:bodyPr>
-          <a:lstStyle/>
-          <a:p>
-            <a:r>
-              <a:rPr lang="en-US" altLang="zh-CN" sz="1200" dirty="0">
-                <a:solidFill>
-                  <a:schemeClr val="bg1"/>
-                </a:solidFill>
-              </a:rPr>
-              <a:t>http://www.pptstore.net/author/jiangjie/</a:t>
-            </a:r>
-            <a:endParaRPr lang="zh-CN" altLang="en-US" sz="1200" dirty="0">
-              <a:solidFill>
-                <a:schemeClr val="bg1"/>
-              </a:solidFill>
-            </a:endParaRPr>
-          </a:p>
-        </p:txBody>
-      </p:sp>
-      <p:sp>
-        <p:nvSpPr>
-          <p:cNvPr id="7" name="文本框 44">
-            <a:extLst>
-              <a:ext uri="{FF2B5EF4-FFF2-40B4-BE49-F238E27FC236}">
-                <a16:creationId xmlns:a16="http://schemas.microsoft.com/office/drawing/2014/main" id="{F7DE7E5A-DECC-6A4D-A938-EA141C243805}"/>
-              </a:ext>
-            </a:extLst>
-          </p:cNvPr>
-          <p:cNvSpPr txBox="1"/>
-          <p:nvPr/>
-        </p:nvSpPr>
-        <p:spPr>
-          <a:xfrm>
-            <a:off x="429319" y="327654"/>
-            <a:ext cx="11317203" cy="6001643"/>
-          </a:xfrm>
-          <a:prstGeom prst="rect">
-            <a:avLst/>
-          </a:prstGeom>
-          <a:noFill/>
-        </p:spPr>
-        <p:txBody>
-          <a:bodyPr wrap="square" rtlCol="0">
-            <a:spAutoFit/>
-          </a:bodyPr>
-          <a:lstStyle/>
-          <a:p>
-            <a:r>
-              <a:rPr kumimoji="1" lang="zh-CN" altLang="en-US" sz="2400" dirty="0"/>
-              <a:t>参考资料</a:t>
-            </a:r>
-            <a:endParaRPr kumimoji="1" lang="en-US" altLang="zh-CN" sz="2400" dirty="0"/>
-          </a:p>
-          <a:p>
-            <a:r>
-              <a:rPr kumimoji="1" lang="en-US" altLang="zh-CN" sz="2400" dirty="0"/>
-              <a:t>[1].</a:t>
-            </a:r>
-            <a:r>
-              <a:rPr kumimoji="1" lang="zh-CN" altLang="en-US" sz="2400" dirty="0"/>
-              <a:t>百度百科：人机交互技术</a:t>
-            </a:r>
-            <a:r>
-              <a:rPr kumimoji="1" lang="en-US" altLang="zh-CN" sz="2400" dirty="0">
-                <a:hlinkClick r:id="rId3"/>
-              </a:rPr>
-              <a:t>https://baike.baidu.com/item/%E4%BA%BA%E6%9C%BA%E4%BA%A4%E4%BA%92%E6%8A%80%E6%9C%AF/10508975?fr=aladdin</a:t>
-            </a:r>
-            <a:r>
-              <a:rPr kumimoji="1" lang="en-US" altLang="zh-CN" sz="2400" dirty="0"/>
-              <a:t>        --2018-11-3</a:t>
-            </a:r>
-          </a:p>
-          <a:p>
-            <a:r>
-              <a:rPr kumimoji="1" lang="en-US" altLang="zh-CN" sz="2400" dirty="0"/>
-              <a:t>[2].</a:t>
-            </a:r>
-            <a:r>
-              <a:rPr kumimoji="1" lang="zh-CN" altLang="en-US" sz="2400" dirty="0"/>
-              <a:t>百度百科：人机界面</a:t>
-            </a:r>
-            <a:endParaRPr kumimoji="1" lang="en-US" altLang="zh-CN" sz="2400" dirty="0"/>
-          </a:p>
-          <a:p>
-            <a:r>
-              <a:rPr kumimoji="1" lang="en-US" altLang="zh-CN" sz="2400" dirty="0">
-                <a:hlinkClick r:id="rId4"/>
-              </a:rPr>
-              <a:t>https://baike.baidu.com/item/%E4%BA%BA%E6%9C%BA%E7%95%8C%E9%9D%A2/3476588</a:t>
-            </a:r>
-            <a:endParaRPr kumimoji="1" lang="en-US" altLang="zh-CN" sz="2400" dirty="0"/>
-          </a:p>
-          <a:p>
-            <a:r>
-              <a:rPr kumimoji="1" lang="en-US" altLang="zh-CN" sz="2400" dirty="0"/>
-              <a:t>2018-11-3</a:t>
-            </a:r>
-          </a:p>
-          <a:p>
-            <a:r>
-              <a:rPr kumimoji="1" lang="en-US" altLang="zh-CN" sz="2400" dirty="0"/>
-              <a:t>[3].CSDN</a:t>
-            </a:r>
-            <a:r>
-              <a:rPr kumimoji="1" lang="zh-CN" altLang="en-US" sz="2400" dirty="0"/>
-              <a:t>：什么是界面原型                     </a:t>
-            </a:r>
-            <a:r>
-              <a:rPr kumimoji="1" lang="en-US" altLang="zh-CN" sz="2400" dirty="0">
-                <a:hlinkClick r:id="rId5"/>
-              </a:rPr>
-              <a:t>https://blog.csdn.net/htx_helloworld/article/details/39647517</a:t>
-            </a:r>
-            <a:r>
-              <a:rPr kumimoji="1" lang="en-US" altLang="zh-CN" sz="2400" dirty="0"/>
-              <a:t>      --2018-11-3</a:t>
-            </a:r>
-          </a:p>
-          <a:p>
-            <a:r>
-              <a:rPr kumimoji="1" lang="en-US" altLang="zh-CN" sz="2400" dirty="0"/>
-              <a:t>[4].UI</a:t>
-            </a:r>
-            <a:r>
-              <a:rPr kumimoji="1" lang="zh-CN" altLang="en-US" sz="2400" dirty="0"/>
-              <a:t>设计者：界面原型是什么             </a:t>
-            </a:r>
-            <a:endParaRPr kumimoji="1" lang="en-US" altLang="zh-CN" sz="2400" dirty="0"/>
-          </a:p>
-          <a:p>
-            <a:r>
-              <a:rPr kumimoji="1" lang="zh-CN" altLang="en-US" sz="2400" dirty="0"/>
-              <a:t> </a:t>
-            </a:r>
-            <a:r>
-              <a:rPr kumimoji="1" lang="en-US" altLang="zh-CN" sz="2400" dirty="0">
-                <a:hlinkClick r:id="rId6"/>
-              </a:rPr>
-              <a:t>http://www.shui-mai.com/jiemianyuanxingshishenme/</a:t>
-            </a:r>
-            <a:r>
-              <a:rPr kumimoji="1" lang="en-US" altLang="zh-CN" sz="2400" dirty="0"/>
-              <a:t>        --2018-11-3</a:t>
-            </a:r>
-          </a:p>
-          <a:p>
-            <a:r>
-              <a:rPr kumimoji="1" lang="en-US" altLang="zh-CN" sz="2400" dirty="0"/>
-              <a:t>[5].</a:t>
-            </a:r>
-            <a:r>
-              <a:rPr kumimoji="1" lang="zh-CN" altLang="en-US" sz="2400" dirty="0"/>
-              <a:t>颜声远，李庆芬，贺鹏，陈乃巨 </a:t>
-            </a:r>
-            <a:r>
-              <a:rPr kumimoji="1" lang="en-US" altLang="zh-CN" sz="2400" dirty="0"/>
-              <a:t>. </a:t>
-            </a:r>
-            <a:r>
-              <a:rPr kumimoji="1" lang="zh-CN" altLang="en-US" sz="2400" dirty="0"/>
-              <a:t>软件用户界面的综合评价方法 </a:t>
-            </a:r>
-            <a:r>
-              <a:rPr kumimoji="1" lang="en-US" altLang="zh-CN" sz="2400" dirty="0"/>
-              <a:t>. </a:t>
-            </a:r>
-            <a:r>
-              <a:rPr kumimoji="1" lang="zh-CN" altLang="en-US" sz="2400" dirty="0"/>
-              <a:t>哈尔滨工程大学学报，</a:t>
-            </a:r>
-            <a:r>
-              <a:rPr kumimoji="1" lang="en-US" altLang="zh-CN" sz="2400" dirty="0"/>
-              <a:t>2004.10</a:t>
-            </a:r>
-            <a:r>
-              <a:rPr kumimoji="1" lang="zh-CN" altLang="en-US" sz="2400" dirty="0"/>
-              <a:t>，第</a:t>
-            </a:r>
-            <a:r>
-              <a:rPr kumimoji="1" lang="en-US" altLang="zh-CN" sz="2400" dirty="0"/>
-              <a:t>25</a:t>
-            </a:r>
-            <a:r>
-              <a:rPr kumimoji="1" lang="zh-CN" altLang="en-US" sz="2400" dirty="0"/>
-              <a:t>卷第</a:t>
-            </a:r>
-            <a:r>
-              <a:rPr kumimoji="1" lang="en-US" altLang="zh-CN" sz="2400" dirty="0"/>
-              <a:t>5</a:t>
-            </a:r>
-            <a:r>
-              <a:rPr kumimoji="1" lang="zh-CN" altLang="en-US" sz="2400" dirty="0"/>
-              <a:t>期</a:t>
-            </a:r>
-            <a:endParaRPr kumimoji="1" lang="en-US" altLang="zh-CN" sz="2400" dirty="0"/>
-          </a:p>
-          <a:p>
-            <a:r>
-              <a:rPr kumimoji="1" lang="en-US" altLang="zh-CN" sz="2400" dirty="0"/>
-              <a:t>[6]</a:t>
-            </a:r>
-            <a:r>
-              <a:rPr kumimoji="1" lang="zh-CN" altLang="en-US" sz="2400" dirty="0"/>
-              <a:t>刘维学，郑丽娟 </a:t>
-            </a:r>
-            <a:r>
-              <a:rPr kumimoji="1" lang="en-US" altLang="zh-CN" sz="2400" dirty="0"/>
-              <a:t>. </a:t>
-            </a:r>
-            <a:r>
-              <a:rPr kumimoji="1" lang="zh-CN" altLang="en-US" sz="2400" dirty="0"/>
-              <a:t>一种软件人机界面设计综合评价方法 </a:t>
-            </a:r>
-            <a:r>
-              <a:rPr kumimoji="1" lang="en-US" altLang="zh-CN" sz="2400" dirty="0"/>
-              <a:t>. </a:t>
-            </a:r>
-            <a:r>
-              <a:rPr kumimoji="1" lang="zh-CN" altLang="en-US" sz="2400" dirty="0"/>
-              <a:t>计算机技术与发展，</a:t>
-            </a:r>
-            <a:r>
-              <a:rPr kumimoji="1" lang="en-US" altLang="zh-CN" sz="2400" dirty="0"/>
-              <a:t>2014.4</a:t>
-            </a:r>
-            <a:r>
-              <a:rPr kumimoji="1" lang="zh-CN" altLang="en-US" sz="2400" dirty="0"/>
-              <a:t>，第</a:t>
-            </a:r>
-            <a:r>
-              <a:rPr kumimoji="1" lang="en-US" altLang="zh-CN" sz="2400" dirty="0"/>
-              <a:t>24</a:t>
-            </a:r>
-            <a:r>
-              <a:rPr kumimoji="1" lang="zh-CN" altLang="en-US" sz="2400" dirty="0"/>
-              <a:t>卷第</a:t>
-            </a:r>
-            <a:r>
-              <a:rPr kumimoji="1" lang="en-US" altLang="zh-CN" sz="2400" dirty="0"/>
-              <a:t>4</a:t>
-            </a:r>
-            <a:r>
-              <a:rPr kumimoji="1" lang="zh-CN" altLang="en-US" sz="2400" dirty="0"/>
-              <a:t>期</a:t>
-            </a:r>
-            <a:endParaRPr kumimoji="1" lang="en-US" altLang="zh-CN" sz="2400" dirty="0"/>
-          </a:p>
-          <a:p>
-            <a:endParaRPr kumimoji="1" lang="zh-CN" altLang="en-US" sz="2400" dirty="0"/>
-          </a:p>
-        </p:txBody>
-      </p:sp>
-    </p:spTree>
-    <p:extLst>
-      <p:ext uri="{BB962C8B-B14F-4D97-AF65-F5344CB8AC3E}">
-        <p14:creationId xmlns:p14="http://schemas.microsoft.com/office/powerpoint/2010/main" val="2770161350"/>
-      </p:ext>
-    </p:extLst>
-  </p:cSld>
-  <p:clrMapOvr>
-    <a:masterClrMapping/>
-  </p:clrMapOvr>
-</p:sld>
-</file>
-
 <file path=ppt/slides/slide45.xml><?xml version="1.0" encoding="utf-8"?>
 <p:sld xmlns:a="http://schemas.openxmlformats.org/drawingml/2006/main" xmlns:r="http://schemas.openxmlformats.org/officeDocument/2006/relationships" xmlns:p="http://schemas.openxmlformats.org/presentationml/2006/main">
   <p:cSld>
@@ -21020,6 +21163,386 @@
         <p:spPr>
           <a:xfrm>
             <a:off x="429319" y="327654"/>
+            <a:ext cx="11317203" cy="6001643"/>
+          </a:xfrm>
+          <a:prstGeom prst="rect">
+            <a:avLst/>
+          </a:prstGeom>
+          <a:noFill/>
+        </p:spPr>
+        <p:txBody>
+          <a:bodyPr wrap="square" rtlCol="0">
+            <a:spAutoFit/>
+          </a:bodyPr>
+          <a:lstStyle/>
+          <a:p>
+            <a:r>
+              <a:rPr kumimoji="1" lang="zh-CN" altLang="en-US" sz="2400" dirty="0"/>
+              <a:t>参考资料</a:t>
+            </a:r>
+            <a:endParaRPr kumimoji="1" lang="en-US" altLang="zh-CN" sz="2400" dirty="0"/>
+          </a:p>
+          <a:p>
+            <a:r>
+              <a:rPr kumimoji="1" lang="en-US" altLang="zh-CN" sz="2400" dirty="0"/>
+              <a:t>[1].</a:t>
+            </a:r>
+            <a:r>
+              <a:rPr kumimoji="1" lang="zh-CN" altLang="en-US" sz="2400" dirty="0"/>
+              <a:t>百度百科：人机交互技术</a:t>
+            </a:r>
+            <a:r>
+              <a:rPr kumimoji="1" lang="en-US" altLang="zh-CN" sz="2400" dirty="0">
+                <a:hlinkClick r:id="rId3"/>
+              </a:rPr>
+              <a:t>https://baike.baidu.com/item/%E4%BA%BA%E6%9C%BA%E4%BA%A4%E4%BA%92%E6%8A%80%E6%9C%AF/10508975?fr=aladdin</a:t>
+            </a:r>
+            <a:r>
+              <a:rPr kumimoji="1" lang="en-US" altLang="zh-CN" sz="2400" dirty="0"/>
+              <a:t>        --2018-11-3</a:t>
+            </a:r>
+          </a:p>
+          <a:p>
+            <a:r>
+              <a:rPr kumimoji="1" lang="en-US" altLang="zh-CN" sz="2400" dirty="0"/>
+              <a:t>[2].</a:t>
+            </a:r>
+            <a:r>
+              <a:rPr kumimoji="1" lang="zh-CN" altLang="en-US" sz="2400" dirty="0"/>
+              <a:t>百度百科：人机界面</a:t>
+            </a:r>
+            <a:endParaRPr kumimoji="1" lang="en-US" altLang="zh-CN" sz="2400" dirty="0"/>
+          </a:p>
+          <a:p>
+            <a:r>
+              <a:rPr kumimoji="1" lang="en-US" altLang="zh-CN" sz="2400" dirty="0">
+                <a:hlinkClick r:id="rId4"/>
+              </a:rPr>
+              <a:t>https://baike.baidu.com/item/%E4%BA%BA%E6%9C%BA%E7%95%8C%E9%9D%A2/3476588</a:t>
+            </a:r>
+            <a:endParaRPr kumimoji="1" lang="en-US" altLang="zh-CN" sz="2400" dirty="0"/>
+          </a:p>
+          <a:p>
+            <a:r>
+              <a:rPr kumimoji="1" lang="en-US" altLang="zh-CN" sz="2400" dirty="0"/>
+              <a:t>2018-11-3</a:t>
+            </a:r>
+          </a:p>
+          <a:p>
+            <a:r>
+              <a:rPr kumimoji="1" lang="en-US" altLang="zh-CN" sz="2400" dirty="0"/>
+              <a:t>[3].CSDN</a:t>
+            </a:r>
+            <a:r>
+              <a:rPr kumimoji="1" lang="zh-CN" altLang="en-US" sz="2400" dirty="0"/>
+              <a:t>：什么是界面原型                     </a:t>
+            </a:r>
+            <a:r>
+              <a:rPr kumimoji="1" lang="en-US" altLang="zh-CN" sz="2400" dirty="0">
+                <a:hlinkClick r:id="rId5"/>
+              </a:rPr>
+              <a:t>https://blog.csdn.net/htx_helloworld/article/details/39647517</a:t>
+            </a:r>
+            <a:r>
+              <a:rPr kumimoji="1" lang="en-US" altLang="zh-CN" sz="2400" dirty="0"/>
+              <a:t>      --2018-11-3</a:t>
+            </a:r>
+          </a:p>
+          <a:p>
+            <a:r>
+              <a:rPr kumimoji="1" lang="en-US" altLang="zh-CN" sz="2400" dirty="0"/>
+              <a:t>[4].UI</a:t>
+            </a:r>
+            <a:r>
+              <a:rPr kumimoji="1" lang="zh-CN" altLang="en-US" sz="2400" dirty="0"/>
+              <a:t>设计者：界面原型是什么             </a:t>
+            </a:r>
+            <a:endParaRPr kumimoji="1" lang="en-US" altLang="zh-CN" sz="2400" dirty="0"/>
+          </a:p>
+          <a:p>
+            <a:r>
+              <a:rPr kumimoji="1" lang="zh-CN" altLang="en-US" sz="2400" dirty="0"/>
+              <a:t> </a:t>
+            </a:r>
+            <a:r>
+              <a:rPr kumimoji="1" lang="en-US" altLang="zh-CN" sz="2400" dirty="0">
+                <a:hlinkClick r:id="rId6"/>
+              </a:rPr>
+              <a:t>http://www.shui-mai.com/jiemianyuanxingshishenme/</a:t>
+            </a:r>
+            <a:r>
+              <a:rPr kumimoji="1" lang="en-US" altLang="zh-CN" sz="2400" dirty="0"/>
+              <a:t>        --2018-11-3</a:t>
+            </a:r>
+          </a:p>
+          <a:p>
+            <a:r>
+              <a:rPr kumimoji="1" lang="en-US" altLang="zh-CN" sz="2400" dirty="0"/>
+              <a:t>[5].</a:t>
+            </a:r>
+            <a:r>
+              <a:rPr kumimoji="1" lang="zh-CN" altLang="en-US" sz="2400" dirty="0"/>
+              <a:t>颜声远，李庆芬，贺鹏，陈乃巨 </a:t>
+            </a:r>
+            <a:r>
+              <a:rPr kumimoji="1" lang="en-US" altLang="zh-CN" sz="2400" dirty="0"/>
+              <a:t>. </a:t>
+            </a:r>
+            <a:r>
+              <a:rPr kumimoji="1" lang="zh-CN" altLang="en-US" sz="2400" dirty="0"/>
+              <a:t>软件用户界面的综合评价方法 </a:t>
+            </a:r>
+            <a:r>
+              <a:rPr kumimoji="1" lang="en-US" altLang="zh-CN" sz="2400" dirty="0"/>
+              <a:t>. </a:t>
+            </a:r>
+            <a:r>
+              <a:rPr kumimoji="1" lang="zh-CN" altLang="en-US" sz="2400" dirty="0"/>
+              <a:t>哈尔滨工程大学学报，</a:t>
+            </a:r>
+            <a:r>
+              <a:rPr kumimoji="1" lang="en-US" altLang="zh-CN" sz="2400" dirty="0"/>
+              <a:t>2004.10</a:t>
+            </a:r>
+            <a:r>
+              <a:rPr kumimoji="1" lang="zh-CN" altLang="en-US" sz="2400" dirty="0"/>
+              <a:t>，第</a:t>
+            </a:r>
+            <a:r>
+              <a:rPr kumimoji="1" lang="en-US" altLang="zh-CN" sz="2400" dirty="0"/>
+              <a:t>25</a:t>
+            </a:r>
+            <a:r>
+              <a:rPr kumimoji="1" lang="zh-CN" altLang="en-US" sz="2400" dirty="0"/>
+              <a:t>卷第</a:t>
+            </a:r>
+            <a:r>
+              <a:rPr kumimoji="1" lang="en-US" altLang="zh-CN" sz="2400" dirty="0"/>
+              <a:t>5</a:t>
+            </a:r>
+            <a:r>
+              <a:rPr kumimoji="1" lang="zh-CN" altLang="en-US" sz="2400" dirty="0"/>
+              <a:t>期</a:t>
+            </a:r>
+            <a:endParaRPr kumimoji="1" lang="en-US" altLang="zh-CN" sz="2400" dirty="0"/>
+          </a:p>
+          <a:p>
+            <a:r>
+              <a:rPr kumimoji="1" lang="en-US" altLang="zh-CN" sz="2400" dirty="0"/>
+              <a:t>[6]</a:t>
+            </a:r>
+            <a:r>
+              <a:rPr kumimoji="1" lang="zh-CN" altLang="en-US" sz="2400" dirty="0"/>
+              <a:t>刘维学，郑丽娟 </a:t>
+            </a:r>
+            <a:r>
+              <a:rPr kumimoji="1" lang="en-US" altLang="zh-CN" sz="2400" dirty="0"/>
+              <a:t>. </a:t>
+            </a:r>
+            <a:r>
+              <a:rPr kumimoji="1" lang="zh-CN" altLang="en-US" sz="2400" dirty="0"/>
+              <a:t>一种软件人机界面设计综合评价方法 </a:t>
+            </a:r>
+            <a:r>
+              <a:rPr kumimoji="1" lang="en-US" altLang="zh-CN" sz="2400" dirty="0"/>
+              <a:t>. </a:t>
+            </a:r>
+            <a:r>
+              <a:rPr kumimoji="1" lang="zh-CN" altLang="en-US" sz="2400" dirty="0"/>
+              <a:t>计算机技术与发展，</a:t>
+            </a:r>
+            <a:r>
+              <a:rPr kumimoji="1" lang="en-US" altLang="zh-CN" sz="2400" dirty="0"/>
+              <a:t>2014.4</a:t>
+            </a:r>
+            <a:r>
+              <a:rPr kumimoji="1" lang="zh-CN" altLang="en-US" sz="2400" dirty="0"/>
+              <a:t>，第</a:t>
+            </a:r>
+            <a:r>
+              <a:rPr kumimoji="1" lang="en-US" altLang="zh-CN" sz="2400" dirty="0"/>
+              <a:t>24</a:t>
+            </a:r>
+            <a:r>
+              <a:rPr kumimoji="1" lang="zh-CN" altLang="en-US" sz="2400" dirty="0"/>
+              <a:t>卷第</a:t>
+            </a:r>
+            <a:r>
+              <a:rPr kumimoji="1" lang="en-US" altLang="zh-CN" sz="2400" dirty="0"/>
+              <a:t>4</a:t>
+            </a:r>
+            <a:r>
+              <a:rPr kumimoji="1" lang="zh-CN" altLang="en-US" sz="2400" dirty="0"/>
+              <a:t>期</a:t>
+            </a:r>
+            <a:endParaRPr kumimoji="1" lang="en-US" altLang="zh-CN" sz="2400" dirty="0"/>
+          </a:p>
+          <a:p>
+            <a:endParaRPr kumimoji="1" lang="zh-CN" altLang="en-US" sz="2400" dirty="0"/>
+          </a:p>
+        </p:txBody>
+      </p:sp>
+    </p:spTree>
+    <p:extLst>
+      <p:ext uri="{BB962C8B-B14F-4D97-AF65-F5344CB8AC3E}">
+        <p14:creationId xmlns:p14="http://schemas.microsoft.com/office/powerpoint/2010/main" val="2770161350"/>
+      </p:ext>
+    </p:extLst>
+  </p:cSld>
+  <p:clrMapOvr>
+    <a:masterClrMapping/>
+  </p:clrMapOvr>
+</p:sld>
+</file>
+
+<file path=ppt/slides/slide46.xml><?xml version="1.0" encoding="utf-8"?>
+<p:sld xmlns:a="http://schemas.openxmlformats.org/drawingml/2006/main" xmlns:r="http://schemas.openxmlformats.org/officeDocument/2006/relationships" xmlns:p="http://schemas.openxmlformats.org/presentationml/2006/main">
+  <p:cSld>
+    <p:spTree>
+      <p:nvGrpSpPr>
+        <p:cNvPr id="1" name=""/>
+        <p:cNvGrpSpPr/>
+        <p:nvPr/>
+      </p:nvGrpSpPr>
+      <p:grpSpPr>
+        <a:xfrm>
+          <a:off x="0" y="0"/>
+          <a:ext cx="0" cy="0"/>
+          <a:chOff x="0" y="0"/>
+          <a:chExt cx="0" cy="0"/>
+        </a:xfrm>
+      </p:grpSpPr>
+      <p:sp>
+        <p:nvSpPr>
+          <p:cNvPr id="4" name="文本框 3"/>
+          <p:cNvSpPr txBox="1"/>
+          <p:nvPr/>
+        </p:nvSpPr>
+        <p:spPr>
+          <a:xfrm>
+            <a:off x="8626912" y="5214025"/>
+            <a:ext cx="2553520" cy="707886"/>
+          </a:xfrm>
+          <a:prstGeom prst="rect">
+            <a:avLst/>
+          </a:prstGeom>
+          <a:noFill/>
+        </p:spPr>
+        <p:txBody>
+          <a:bodyPr wrap="none" rtlCol="0">
+            <a:spAutoFit/>
+          </a:bodyPr>
+          <a:lstStyle/>
+          <a:p>
+            <a:pPr algn="ctr"/>
+            <a:r>
+              <a:rPr lang="en-US" altLang="zh-CN" sz="4000" dirty="0">
+                <a:solidFill>
+                  <a:schemeClr val="bg1"/>
+                </a:solidFill>
+                <a:latin typeface="Gotham Rounded Medium" panose="02000000000000000000" pitchFamily="50" charset="0"/>
+              </a:rPr>
+              <a:t>THANKS!</a:t>
+            </a:r>
+            <a:endParaRPr lang="zh-CN" altLang="en-US" sz="4000" dirty="0">
+              <a:solidFill>
+                <a:schemeClr val="bg1"/>
+              </a:solidFill>
+              <a:latin typeface="Gotham Rounded Medium" panose="02000000000000000000" pitchFamily="50" charset="0"/>
+            </a:endParaRPr>
+          </a:p>
+        </p:txBody>
+      </p:sp>
+      <p:cxnSp>
+        <p:nvCxnSpPr>
+          <p:cNvPr id="6" name="直接连接符 5"/>
+          <p:cNvCxnSpPr/>
+          <p:nvPr/>
+        </p:nvCxnSpPr>
+        <p:spPr>
+          <a:xfrm>
+            <a:off x="9606013" y="5921911"/>
+            <a:ext cx="1403683" cy="0"/>
+          </a:xfrm>
+          <a:prstGeom prst="line">
+            <a:avLst/>
+          </a:prstGeom>
+          <a:ln w="38100">
+            <a:solidFill>
+              <a:schemeClr val="bg1"/>
+            </a:solidFill>
+          </a:ln>
+        </p:spPr>
+        <p:style>
+          <a:lnRef idx="1">
+            <a:schemeClr val="accent1"/>
+          </a:lnRef>
+          <a:fillRef idx="0">
+            <a:schemeClr val="accent1"/>
+          </a:fillRef>
+          <a:effectRef idx="0">
+            <a:schemeClr val="accent1"/>
+          </a:effectRef>
+          <a:fontRef idx="minor">
+            <a:schemeClr val="tx1"/>
+          </a:fontRef>
+        </p:style>
+      </p:cxnSp>
+      <p:sp>
+        <p:nvSpPr>
+          <p:cNvPr id="8" name="文本框 7">
+            <a:hlinkClick r:id="rId2"/>
+          </p:cNvPr>
+          <p:cNvSpPr txBox="1"/>
+          <p:nvPr/>
+        </p:nvSpPr>
+        <p:spPr>
+          <a:xfrm>
+            <a:off x="8339590" y="6337419"/>
+            <a:ext cx="2840842" cy="276999"/>
+          </a:xfrm>
+          <a:prstGeom prst="rect">
+            <a:avLst/>
+          </a:prstGeom>
+          <a:noFill/>
+        </p:spPr>
+        <p:txBody>
+          <a:bodyPr wrap="none" rtlCol="0">
+            <a:spAutoFit/>
+          </a:bodyPr>
+          <a:lstStyle/>
+          <a:p>
+            <a:r>
+              <a:rPr lang="en-US" altLang="zh-CN" sz="1200" dirty="0">
+                <a:solidFill>
+                  <a:schemeClr val="bg1"/>
+                </a:solidFill>
+              </a:rPr>
+              <a:t>http://www.pptstore.net/author/jiangjie/</a:t>
+            </a:r>
+            <a:endParaRPr lang="zh-CN" altLang="en-US" sz="1200" dirty="0">
+              <a:solidFill>
+                <a:schemeClr val="bg1"/>
+              </a:solidFill>
+            </a:endParaRPr>
+          </a:p>
+        </p:txBody>
+      </p:sp>
+      <p:sp>
+        <p:nvSpPr>
+          <p:cNvPr id="7" name="文本框 44">
+            <a:extLst>
+              <a:ext uri="{FF2B5EF4-FFF2-40B4-BE49-F238E27FC236}">
+                <a16:creationId xmlns:a16="http://schemas.microsoft.com/office/drawing/2014/main" id="{F7DE7E5A-DECC-6A4D-A938-EA141C243805}"/>
+              </a:ext>
+            </a:extLst>
+          </p:cNvPr>
+          <p:cNvSpPr txBox="1"/>
+          <p:nvPr/>
+        </p:nvSpPr>
+        <p:spPr>
+          <a:xfrm>
+            <a:off x="429319" y="327654"/>
             <a:ext cx="11317203" cy="2308324"/>
           </a:xfrm>
           <a:prstGeom prst="rect">
@@ -21093,7 +21616,7 @@
 </p:sld>
 </file>
 
-<file path=ppt/slides/slide46.xml><?xml version="1.0" encoding="utf-8"?>
+<file path=ppt/slides/slide47.xml><?xml version="1.0" encoding="utf-8"?>
 <p:sld xmlns:a="http://schemas.openxmlformats.org/drawingml/2006/main" xmlns:r="http://schemas.openxmlformats.org/officeDocument/2006/relationships" xmlns:p="http://schemas.openxmlformats.org/presentationml/2006/main">
   <p:cSld>
     <p:spTree>
@@ -21519,7 +22042,7 @@
 </p:sld>
 </file>
 
-<file path=ppt/slides/slide47.xml><?xml version="1.0" encoding="utf-8"?>
+<file path=ppt/slides/slide48.xml><?xml version="1.0" encoding="utf-8"?>
 <p:sld xmlns:a="http://schemas.openxmlformats.org/drawingml/2006/main" xmlns:r="http://schemas.openxmlformats.org/officeDocument/2006/relationships" xmlns:p="http://schemas.openxmlformats.org/presentationml/2006/main">
   <p:cSld>
     <p:spTree>

--- a/受控文档/02-其他任务/[PRD-15]UML基础二.pptx
+++ b/受控文档/02-其他任务/[PRD-15]UML基础二.pptx
@@ -61,24 +61,24 @@
   <p:notesSz cx="6858000" cy="9144000"/>
   <p:embeddedFontLst>
     <p:embeddedFont>
+      <p:font typeface="等线" panose="02010600030101010101" pitchFamily="2" charset="-122"/>
+      <p:regular r:id="rId51"/>
+      <p:bold r:id="rId52"/>
+    </p:embeddedFont>
+    <p:embeddedFont>
       <p:font typeface="黑体" panose="02010609060101010101" pitchFamily="49" charset="-122"/>
-      <p:regular r:id="rId51"/>
+      <p:regular r:id="rId53"/>
+    </p:embeddedFont>
+    <p:embeddedFont>
+      <p:font typeface="华文楷体" panose="02010600040101010101" pitchFamily="2" charset="-122"/>
+      <p:regular r:id="rId54"/>
+    </p:embeddedFont>
+    <p:embeddedFont>
+      <p:font typeface="华文新魏" panose="02010800040101010101" pitchFamily="2" charset="-122"/>
+      <p:regular r:id="rId55"/>
     </p:embeddedFont>
     <p:embeddedFont>
       <p:font typeface="微软雅黑" panose="020B0503020204020204" pitchFamily="34" charset="-122"/>
-      <p:regular r:id="rId52"/>
-      <p:bold r:id="rId53"/>
-    </p:embeddedFont>
-    <p:embeddedFont>
-      <p:font typeface="华文新魏" panose="02010800040101010101" pitchFamily="2" charset="-122"/>
-      <p:regular r:id="rId54"/>
-    </p:embeddedFont>
-    <p:embeddedFont>
-      <p:font typeface="华文楷体" panose="02010600040101010101" pitchFamily="2" charset="-122"/>
-      <p:regular r:id="rId55"/>
-    </p:embeddedFont>
-    <p:embeddedFont>
-      <p:font typeface="等线" panose="02010600030101010101" pitchFamily="2" charset="-122"/>
       <p:regular r:id="rId56"/>
       <p:bold r:id="rId57"/>
     </p:embeddedFont>
@@ -1178,225 +1178,6 @@
           <a:bodyPr/>
           <a:lstStyle/>
           <a:p>
-            <a:r>
-              <a:rPr lang="en-US" altLang="zh-CN" sz="1200" b="1" i="0" u="none" strike="noStrike" kern="1200" dirty="0" err="1">
-                <a:solidFill>
-                  <a:schemeClr val="tx1"/>
-                </a:solidFill>
-                <a:effectLst/>
-                <a:latin typeface="+mn-lt"/>
-                <a:ea typeface="+mn-ea"/>
-                <a:cs typeface="+mn-cs"/>
-                <a:hlinkClick r:id="rId3"/>
-              </a:rPr>
-              <a:t>Justinmind</a:t>
-            </a:r>
-            <a:r>
-              <a:rPr lang="zh-CN" altLang="en-US" sz="1200" b="0" i="0" kern="1200" dirty="0">
-                <a:solidFill>
-                  <a:schemeClr val="tx1"/>
-                </a:solidFill>
-                <a:effectLst/>
-                <a:latin typeface="+mn-lt"/>
-                <a:ea typeface="+mn-ea"/>
-                <a:cs typeface="+mn-cs"/>
-              </a:rPr>
-              <a:t> </a:t>
-            </a:r>
-            <a:r>
-              <a:rPr lang="en-US" altLang="zh-CN" sz="1200" b="0" i="0" kern="1200" dirty="0">
-                <a:solidFill>
-                  <a:schemeClr val="tx1"/>
-                </a:solidFill>
-                <a:effectLst/>
-                <a:latin typeface="+mn-lt"/>
-                <a:ea typeface="+mn-ea"/>
-                <a:cs typeface="+mn-cs"/>
-              </a:rPr>
-              <a:t>- </a:t>
-            </a:r>
-            <a:r>
-              <a:rPr lang="zh-CN" altLang="en-US" sz="1200" b="0" i="0" kern="1200" dirty="0">
-                <a:solidFill>
-                  <a:schemeClr val="tx1"/>
-                </a:solidFill>
-                <a:effectLst/>
-                <a:latin typeface="+mn-lt"/>
-                <a:ea typeface="+mn-ea"/>
-                <a:cs typeface="+mn-cs"/>
-              </a:rPr>
-              <a:t>高保真原型设计工具</a:t>
-            </a:r>
-            <a:r>
-              <a:rPr lang="en-US" altLang="zh-CN" sz="1200" b="1" i="0" kern="1200" dirty="0" err="1">
-                <a:solidFill>
-                  <a:schemeClr val="tx1"/>
-                </a:solidFill>
-                <a:effectLst/>
-                <a:latin typeface="+mn-lt"/>
-                <a:ea typeface="+mn-ea"/>
-                <a:cs typeface="+mn-cs"/>
-              </a:rPr>
-              <a:t>JustinMind</a:t>
-            </a:r>
-            <a:r>
-              <a:rPr lang="en-US" altLang="zh-CN" sz="1200" b="1" i="0" kern="1200" dirty="0">
-                <a:solidFill>
-                  <a:schemeClr val="tx1"/>
-                </a:solidFill>
-                <a:effectLst/>
-                <a:latin typeface="+mn-lt"/>
-                <a:ea typeface="+mn-ea"/>
-                <a:cs typeface="+mn-cs"/>
-              </a:rPr>
-              <a:t> - </a:t>
-            </a:r>
-            <a:r>
-              <a:rPr lang="zh-CN" altLang="en-US" sz="1200" b="1" i="0" kern="1200" dirty="0">
-                <a:solidFill>
-                  <a:schemeClr val="tx1"/>
-                </a:solidFill>
-                <a:effectLst/>
-                <a:latin typeface="+mn-lt"/>
-                <a:ea typeface="+mn-ea"/>
-                <a:cs typeface="+mn-cs"/>
-              </a:rPr>
-              <a:t>支持拖拽</a:t>
-            </a:r>
-            <a:r>
-              <a:rPr lang="zh-CN" altLang="en-US" sz="1200" b="0" i="0" kern="1200" dirty="0">
-                <a:solidFill>
-                  <a:schemeClr val="tx1"/>
-                </a:solidFill>
-                <a:effectLst/>
-                <a:latin typeface="+mn-lt"/>
-                <a:ea typeface="+mn-ea"/>
-                <a:cs typeface="+mn-cs"/>
-              </a:rPr>
-              <a:t/>
-            </a:r>
-            <a:br>
-              <a:rPr lang="zh-CN" altLang="en-US" sz="1200" b="0" i="0" kern="1200" dirty="0">
-                <a:solidFill>
-                  <a:schemeClr val="tx1"/>
-                </a:solidFill>
-                <a:effectLst/>
-                <a:latin typeface="+mn-lt"/>
-                <a:ea typeface="+mn-ea"/>
-                <a:cs typeface="+mn-cs"/>
-              </a:rPr>
-            </a:br>
-            <a:endParaRPr lang="zh-CN" altLang="en-US" sz="1200" b="0" i="0" kern="1200" dirty="0">
-              <a:solidFill>
-                <a:schemeClr val="tx1"/>
-              </a:solidFill>
-              <a:effectLst/>
-              <a:latin typeface="+mn-lt"/>
-              <a:ea typeface="+mn-ea"/>
-              <a:cs typeface="+mn-cs"/>
-            </a:endParaRPr>
-          </a:p>
-          <a:p>
-            <a:r>
-              <a:rPr lang="zh-CN" altLang="en-US" sz="1200" b="1" i="0" kern="1200" dirty="0">
-                <a:solidFill>
-                  <a:schemeClr val="tx1"/>
-                </a:solidFill>
-                <a:effectLst/>
-                <a:latin typeface="+mn-lt"/>
-                <a:ea typeface="+mn-ea"/>
-                <a:cs typeface="+mn-cs"/>
-              </a:rPr>
-              <a:t>简单</a:t>
-            </a:r>
-            <a:r>
-              <a:rPr lang="zh-CN" altLang="en-US" sz="1200" b="0" i="0" kern="1200" dirty="0">
-                <a:solidFill>
-                  <a:schemeClr val="tx1"/>
-                </a:solidFill>
-                <a:effectLst/>
-                <a:latin typeface="+mn-lt"/>
-                <a:ea typeface="+mn-ea"/>
-                <a:cs typeface="+mn-cs"/>
-              </a:rPr>
-              <a:t> </a:t>
-            </a:r>
-            <a:r>
-              <a:rPr lang="en-US" altLang="zh-CN" sz="1200" b="0" i="0" kern="1200" dirty="0">
-                <a:solidFill>
-                  <a:schemeClr val="tx1"/>
-                </a:solidFill>
-                <a:effectLst/>
-                <a:latin typeface="+mn-lt"/>
-                <a:ea typeface="+mn-ea"/>
-                <a:cs typeface="+mn-cs"/>
-              </a:rPr>
-              <a:t>- </a:t>
-            </a:r>
-            <a:r>
-              <a:rPr lang="zh-CN" altLang="en-US" sz="1200" b="0" i="0" kern="1200" dirty="0">
-                <a:solidFill>
-                  <a:schemeClr val="tx1"/>
-                </a:solidFill>
-                <a:effectLst/>
-                <a:latin typeface="+mn-lt"/>
-                <a:ea typeface="+mn-ea"/>
-                <a:cs typeface="+mn-cs"/>
-              </a:rPr>
-              <a:t>与</a:t>
-            </a:r>
-            <a:r>
-              <a:rPr lang="en-US" altLang="zh-CN" sz="1200" b="0" i="0" u="none" strike="noStrike" kern="1200" dirty="0" err="1">
-                <a:solidFill>
-                  <a:schemeClr val="tx1"/>
-                </a:solidFill>
-                <a:effectLst/>
-                <a:latin typeface="+mn-lt"/>
-                <a:ea typeface="+mn-ea"/>
-                <a:cs typeface="+mn-cs"/>
-                <a:hlinkClick r:id="rId4"/>
-              </a:rPr>
-              <a:t>Mockplus</a:t>
-            </a:r>
-            <a:r>
-              <a:rPr lang="zh-CN" altLang="en-US" sz="1200" b="0" i="0" kern="1200" dirty="0">
-                <a:solidFill>
-                  <a:schemeClr val="tx1"/>
-                </a:solidFill>
-                <a:effectLst/>
-                <a:latin typeface="+mn-lt"/>
-                <a:ea typeface="+mn-ea"/>
-                <a:cs typeface="+mn-cs"/>
-              </a:rPr>
-              <a:t>类似，</a:t>
-            </a:r>
-            <a:r>
-              <a:rPr lang="en-US" altLang="zh-CN" sz="1200" b="1" i="0" u="none" strike="noStrike" kern="1200" dirty="0" err="1">
-                <a:solidFill>
-                  <a:schemeClr val="tx1"/>
-                </a:solidFill>
-                <a:effectLst/>
-                <a:latin typeface="+mn-lt"/>
-                <a:ea typeface="+mn-ea"/>
-                <a:cs typeface="+mn-cs"/>
-                <a:hlinkClick r:id="rId3"/>
-              </a:rPr>
-              <a:t>Justinmind</a:t>
-            </a:r>
-            <a:r>
-              <a:rPr lang="zh-CN" altLang="en-US" sz="1200" b="0" i="0" kern="1200" dirty="0">
-                <a:solidFill>
-                  <a:schemeClr val="tx1"/>
-                </a:solidFill>
-                <a:effectLst/>
-                <a:latin typeface="+mn-lt"/>
-                <a:ea typeface="+mn-ea"/>
-                <a:cs typeface="+mn-cs"/>
-              </a:rPr>
-              <a:t>也可以通过拖拽的方式实现页面跳转。不同的是，需要拖动整个组件到项目树上。由于没有连接线，不够直观，也不容易看清。</a:t>
-            </a:r>
-          </a:p>
-          <a:p>
             <a:endParaRPr kumimoji="1" lang="zh-CN" altLang="en-US" dirty="0"/>
           </a:p>
         </p:txBody>
@@ -1844,10 +1625,6 @@
               </a:rPr>
               <a:t>表示法比较适用于系统的设计和构造。 </a:t>
             </a:r>
-            <a:r>
-              <a:rPr lang="zh-CN" altLang="en-US" dirty="0"/>
-              <a:t/>
-            </a:r>
             <a:br>
               <a:rPr lang="zh-CN" altLang="en-US" dirty="0"/>
             </a:br>
@@ -1935,10 +1712,6 @@
               </a:rPr>
               <a:t>适用于分析和描述数据为中心的信息系统。 </a:t>
             </a:r>
-            <a:r>
-              <a:rPr lang="zh-CN" altLang="en-US" dirty="0"/>
-              <a:t/>
-            </a:r>
             <a:br>
               <a:rPr lang="zh-CN" altLang="en-US" dirty="0"/>
             </a:br>
@@ -2086,10 +1859,6 @@
               </a:rPr>
               <a:t>版本。</a:t>
             </a:r>
-            <a:r>
-              <a:rPr lang="zh-CN" altLang="en-US" dirty="0"/>
-              <a:t/>
-            </a:r>
             <a:br>
               <a:rPr lang="zh-CN" altLang="en-US" dirty="0"/>
             </a:br>
@@ -2260,10 +2029,6 @@
                 <a:cs typeface="+mn-cs"/>
               </a:rPr>
               <a:t>，成为可视化建模语言事实上的工业标准。 </a:t>
-            </a:r>
-            <a:r>
-              <a:rPr lang="zh-CN" altLang="en-US" dirty="0"/>
-              <a:t/>
             </a:r>
             <a:br>
               <a:rPr lang="zh-CN" altLang="en-US" dirty="0"/>
@@ -3659,10 +3424,6 @@
               </a:rPr>
               <a:t>表示法比较适用于系统的设计和构造。 </a:t>
             </a:r>
-            <a:r>
-              <a:rPr lang="zh-CN" altLang="en-US" dirty="0"/>
-              <a:t/>
-            </a:r>
             <a:br>
               <a:rPr lang="zh-CN" altLang="en-US" dirty="0"/>
             </a:br>
@@ -3750,10 +3511,6 @@
               </a:rPr>
               <a:t>适用于分析和描述数据为中心的信息系统。 </a:t>
             </a:r>
-            <a:r>
-              <a:rPr lang="zh-CN" altLang="en-US" dirty="0"/>
-              <a:t/>
-            </a:r>
             <a:br>
               <a:rPr lang="zh-CN" altLang="en-US" dirty="0"/>
             </a:br>
@@ -3901,10 +3658,6 @@
               </a:rPr>
               <a:t>版本。</a:t>
             </a:r>
-            <a:r>
-              <a:rPr lang="zh-CN" altLang="en-US" dirty="0"/>
-              <a:t/>
-            </a:r>
             <a:br>
               <a:rPr lang="zh-CN" altLang="en-US" dirty="0"/>
             </a:br>
@@ -4075,10 +3828,6 @@
                 <a:cs typeface="+mn-cs"/>
               </a:rPr>
               <a:t>，成为可视化建模语言事实上的工业标准。 </a:t>
-            </a:r>
-            <a:r>
-              <a:rPr lang="zh-CN" altLang="en-US" dirty="0"/>
-              <a:t/>
             </a:r>
             <a:br>
               <a:rPr lang="zh-CN" altLang="en-US" dirty="0"/>
@@ -4822,10 +4571,6 @@
               </a:rPr>
               <a:t>表示法比较适用于系统的设计和构造。 </a:t>
             </a:r>
-            <a:r>
-              <a:rPr lang="zh-CN" altLang="en-US" dirty="0"/>
-              <a:t/>
-            </a:r>
             <a:br>
               <a:rPr lang="zh-CN" altLang="en-US" dirty="0"/>
             </a:br>
@@ -4913,10 +4658,6 @@
               </a:rPr>
               <a:t>适用于分析和描述数据为中心的信息系统。 </a:t>
             </a:r>
-            <a:r>
-              <a:rPr lang="zh-CN" altLang="en-US" dirty="0"/>
-              <a:t/>
-            </a:r>
             <a:br>
               <a:rPr lang="zh-CN" altLang="en-US" dirty="0"/>
             </a:br>
@@ -5064,10 +4805,6 @@
               </a:rPr>
               <a:t>版本。</a:t>
             </a:r>
-            <a:r>
-              <a:rPr lang="zh-CN" altLang="en-US" dirty="0"/>
-              <a:t/>
-            </a:r>
             <a:br>
               <a:rPr lang="zh-CN" altLang="en-US" dirty="0"/>
             </a:br>
@@ -5238,10 +4975,6 @@
                 <a:cs typeface="+mn-cs"/>
               </a:rPr>
               <a:t>，成为可视化建模语言事实上的工业标准。 </a:t>
-            </a:r>
-            <a:r>
-              <a:rPr lang="zh-CN" altLang="en-US" dirty="0"/>
-              <a:t/>
             </a:r>
             <a:br>
               <a:rPr lang="zh-CN" altLang="en-US" dirty="0"/>
@@ -10183,14 +9916,13 @@
           <a:lstStyle/>
           <a:p>
             <a:r>
-              <a:rPr lang="en-US" altLang="zh-CN" sz="3200" dirty="0" smtClean="0"/>
+              <a:rPr lang="en-US" altLang="zh-CN" sz="3200" dirty="0"/>
               <a:t>6</a:t>
             </a:r>
             <a:r>
-              <a:rPr lang="zh-CN" altLang="en-US" sz="3200" dirty="0" smtClean="0"/>
+              <a:rPr lang="zh-CN" altLang="en-US" sz="3200" dirty="0"/>
               <a:t>、分工绩效</a:t>
             </a:r>
-            <a:endParaRPr lang="zh-CN" altLang="en-US" sz="3200" dirty="0"/>
           </a:p>
         </p:txBody>
       </p:sp>
@@ -12349,7 +12081,7 @@
         <p:spPr>
           <a:xfrm>
             <a:off x="434235" y="1917709"/>
-            <a:ext cx="6096000" cy="3139321"/>
+            <a:ext cx="6096000" cy="2031325"/>
           </a:xfrm>
           <a:prstGeom prst="rect">
             <a:avLst/>
@@ -12383,69 +12115,14 @@
             </a:r>
             <a:r>
               <a:rPr lang="zh-CN" altLang="en-US" dirty="0"/>
-              <a:t>适合交互和视觉一步到位的小型开发团队，可以加快设计迭代。之前公司的</a:t>
-            </a:r>
-            <a:r>
-              <a:rPr lang="en-US" altLang="zh-CN" dirty="0"/>
-              <a:t>Leader</a:t>
-            </a:r>
+              <a:t>适合交互和视觉一步到位的小型开发团队，可以加快设计迭代。</a:t>
+            </a:r>
+            <a:endParaRPr lang="en-US" altLang="zh-CN" dirty="0"/>
+          </a:p>
+          <a:p>
             <a:r>
               <a:rPr lang="zh-CN" altLang="en-US" dirty="0"/>
-              <a:t>就喜欢让我用</a:t>
-            </a:r>
-            <a:r>
-              <a:rPr lang="en-US" altLang="zh-CN" dirty="0"/>
-              <a:t>PS</a:t>
-            </a:r>
-            <a:r>
-              <a:rPr lang="zh-CN" altLang="en-US" dirty="0"/>
-              <a:t>。</a:t>
-            </a:r>
-            <a:br>
-              <a:rPr lang="zh-CN" altLang="en-US" dirty="0"/>
-            </a:br>
-            <a:r>
-              <a:rPr lang="zh-CN" altLang="en-US" dirty="0"/>
-              <a:t>此外，</a:t>
-            </a:r>
-            <a:r>
-              <a:rPr lang="en-US" altLang="zh-CN" dirty="0"/>
-              <a:t>PS</a:t>
-            </a:r>
-            <a:r>
-              <a:rPr lang="zh-CN" altLang="en-US" dirty="0"/>
-              <a:t>和</a:t>
-            </a:r>
-            <a:r>
-              <a:rPr lang="en-US" altLang="zh-CN" dirty="0"/>
-              <a:t>AI</a:t>
-            </a:r>
-            <a:r>
-              <a:rPr lang="zh-CN" altLang="en-US" dirty="0"/>
-              <a:t>选择哪个全凭个人喜好，不过听上一期的</a:t>
-            </a:r>
-            <a:r>
-              <a:rPr lang="en-US" altLang="zh-CN" dirty="0"/>
-              <a:t>Anyway.fm</a:t>
-            </a:r>
-            <a:r>
-              <a:rPr lang="zh-CN" altLang="en-US" dirty="0"/>
-              <a:t>谈到过设计工具，说是</a:t>
-            </a:r>
-            <a:r>
-              <a:rPr lang="en-US" altLang="zh-CN" dirty="0"/>
-              <a:t>AI</a:t>
-            </a:r>
-            <a:r>
-              <a:rPr lang="zh-CN" altLang="en-US" dirty="0"/>
-              <a:t>的对齐功能不太好用。但是作为交互设计师，对于对齐到是没有那么注重。关键是用哪个顺手。</a:t>
-            </a:r>
-            <a:br>
-              <a:rPr lang="zh-CN" altLang="en-US" dirty="0"/>
-            </a:br>
-            <a:r>
-              <a:rPr lang="zh-CN" altLang="en-US" dirty="0"/>
-              <a:t>最后还是想说一句，作为交互设计师，</a:t>
+              <a:t>作为交互设计师，</a:t>
             </a:r>
             <a:r>
               <a:rPr lang="zh-CN" altLang="en-US" b="1" dirty="0"/>
@@ -13876,10 +13553,6 @@
               <a:rPr lang="zh-CN" altLang="en-US" b="1" dirty="0"/>
               <a:t>支持拖拽</a:t>
             </a:r>
-            <a:r>
-              <a:rPr lang="zh-CN" altLang="en-US" dirty="0"/>
-              <a:t/>
-            </a:r>
             <a:br>
               <a:rPr lang="zh-CN" altLang="en-US" dirty="0"/>
             </a:br>
@@ -14430,10 +14103,6 @@
               <a:rPr lang="zh-CN" altLang="en-US" b="1" dirty="0"/>
               <a:t>高保真工具</a:t>
             </a:r>
-            <a:r>
-              <a:rPr lang="zh-CN" altLang="en-US" dirty="0"/>
-              <a:t/>
-            </a:r>
             <a:br>
               <a:rPr lang="zh-CN" altLang="en-US" dirty="0"/>
             </a:br>
@@ -17487,10 +17156,6 @@
               </a:rPr>
               <a:t>一、力求一致性 </a:t>
             </a:r>
-            <a:r>
-              <a:rPr lang="zh-CN" altLang="en-US" dirty="0"/>
-              <a:t/>
-            </a:r>
             <a:br>
               <a:rPr lang="zh-CN" altLang="en-US" dirty="0"/>
             </a:br>
@@ -17545,10 +17210,6 @@
               </a:rPr>
               <a:t>二、允许频繁使用快捷键 </a:t>
             </a:r>
-            <a:r>
-              <a:rPr lang="zh-CN" altLang="en-US"/>
-              <a:t/>
-            </a:r>
             <a:br>
               <a:rPr lang="zh-CN" altLang="en-US"/>
             </a:br>
@@ -17602,10 +17263,6 @@
                 <a:latin typeface="-apple-system"/>
               </a:rPr>
               <a:t>三、提供明确的反馈 </a:t>
-            </a:r>
-            <a:r>
-              <a:rPr lang="zh-CN" altLang="en-US" dirty="0"/>
-              <a:t/>
             </a:r>
             <a:br>
               <a:rPr lang="zh-CN" altLang="en-US" dirty="0"/>
@@ -17886,10 +17543,6 @@
               </a:rPr>
               <a:t>四、设计对话，告诉用户任务已完成 </a:t>
             </a:r>
-            <a:r>
-              <a:rPr lang="zh-CN" altLang="en-US"/>
-              <a:t/>
-            </a:r>
             <a:br>
               <a:rPr lang="zh-CN" altLang="en-US"/>
             </a:br>
@@ -17944,10 +17597,6 @@
               </a:rPr>
               <a:t>五、提供错误预防和简单的纠错功能 </a:t>
             </a:r>
-            <a:r>
-              <a:rPr lang="zh-CN" altLang="en-US" dirty="0"/>
-              <a:t/>
-            </a:r>
             <a:br>
               <a:rPr lang="zh-CN" altLang="en-US" dirty="0"/>
             </a:br>
@@ -18001,10 +17650,6 @@
                 <a:latin typeface="-apple-system"/>
               </a:rPr>
               <a:t>六、应该方便用户取消某个操作 </a:t>
-            </a:r>
-            <a:r>
-              <a:rPr lang="zh-CN" altLang="en-US" dirty="0"/>
-              <a:t/>
             </a:r>
             <a:br>
               <a:rPr lang="zh-CN" altLang="en-US" dirty="0"/>
@@ -18265,10 +17910,6 @@
               </a:rPr>
               <a:t>七、用户应掌握控制权 </a:t>
             </a:r>
-            <a:r>
-              <a:rPr lang="zh-CN" altLang="en-US"/>
-              <a:t/>
-            </a:r>
             <a:br>
               <a:rPr lang="zh-CN" altLang="en-US"/>
             </a:br>
@@ -18322,10 +17963,6 @@
                 <a:latin typeface="-apple-system"/>
               </a:rPr>
               <a:t>八、减轻用户记忆负担 </a:t>
-            </a:r>
-            <a:r>
-              <a:rPr lang="zh-CN" altLang="en-US" dirty="0"/>
-              <a:t/>
             </a:r>
             <a:br>
               <a:rPr lang="zh-CN" altLang="en-US" dirty="0"/>

--- a/受控文档/02-其他任务/[PRD-15]UML基础二.pptx
+++ b/受控文档/02-其他任务/[PRD-15]UML基础二.pptx
@@ -279,7 +279,7 @@
           <a:p>
             <a:fld id="{A109EA2A-4C48-4C61-B30A-DAB1A3E93B21}" type="datetimeFigureOut">
               <a:rPr lang="zh-CN" altLang="en-US" smtClean="0"/>
-              <a:t>2018/11/9</a:t>
+              <a:t>2018/11/11</a:t>
             </a:fld>
             <a:endParaRPr lang="zh-CN" altLang="en-US"/>
           </a:p>
@@ -6491,8 +6491,8 @@
         </p:nvSpPr>
         <p:spPr>
           <a:xfrm>
-            <a:off x="3399672" y="501770"/>
-            <a:ext cx="5030544" cy="923330"/>
+            <a:off x="108022" y="106746"/>
+            <a:ext cx="4490332" cy="830997"/>
           </a:xfrm>
           <a:prstGeom prst="rect">
             <a:avLst/>
@@ -6505,11 +6505,11 @@
           <a:lstStyle/>
           <a:p>
             <a:r>
-              <a:rPr lang="en-US" altLang="zh-CN" sz="5400" dirty="0"/>
+              <a:rPr lang="en-US" altLang="zh-CN" sz="4800" dirty="0"/>
               <a:t>UML</a:t>
             </a:r>
             <a:r>
-              <a:rPr lang="zh-CN" altLang="en-US" sz="5400" dirty="0"/>
+              <a:rPr lang="zh-CN" altLang="en-US" sz="4800" dirty="0"/>
               <a:t>基础介绍二</a:t>
             </a:r>
           </a:p>
@@ -6541,6 +6541,40 @@
                 <a:schemeClr val="bg1"/>
               </a:solidFill>
             </a:endParaRPr>
+          </a:p>
+        </p:txBody>
+      </p:sp>
+      <p:sp>
+        <p:nvSpPr>
+          <p:cNvPr id="6" name="矩形 5">
+            <a:extLst>
+              <a:ext uri="{FF2B5EF4-FFF2-40B4-BE49-F238E27FC236}">
+                <a16:creationId xmlns:a16="http://schemas.microsoft.com/office/drawing/2014/main" id="{9FC5DA49-327E-482A-B75D-E8985D0F7450}"/>
+              </a:ext>
+            </a:extLst>
+          </p:cNvPr>
+          <p:cNvSpPr/>
+          <p:nvPr/>
+        </p:nvSpPr>
+        <p:spPr>
+          <a:xfrm>
+            <a:off x="3205328" y="1570238"/>
+            <a:ext cx="6340197" cy="1323439"/>
+          </a:xfrm>
+          <a:prstGeom prst="rect">
+            <a:avLst/>
+          </a:prstGeom>
+        </p:spPr>
+        <p:txBody>
+          <a:bodyPr wrap="none">
+            <a:spAutoFit/>
+          </a:bodyPr>
+          <a:lstStyle/>
+          <a:p>
+            <a:r>
+              <a:rPr lang="zh-CN" altLang="en-US" sz="8000" b="1" i="1" dirty="0"/>
+              <a:t>界面原型介绍</a:t>
+            </a:r>
           </a:p>
         </p:txBody>
       </p:sp>
@@ -9190,7 +9224,7 @@
           <a:lstStyle/>
           <a:p>
             <a:r>
-              <a:rPr lang="en-US" altLang="zh-CN" sz="2800">
+              <a:rPr lang="en-US" altLang="zh-CN" sz="2800" dirty="0">
                 <a:solidFill>
                   <a:schemeClr val="tx1"/>
                 </a:solidFill>
@@ -9200,7 +9234,7 @@
               <a:t>3</a:t>
             </a:r>
             <a:r>
-              <a:rPr lang="zh-CN" altLang="en-US" sz="2800">
+              <a:rPr lang="zh-CN" altLang="en-US" sz="2800" dirty="0">
                 <a:solidFill>
                   <a:schemeClr val="tx1"/>
                 </a:solidFill>
@@ -9209,45 +9243,57 @@
               </a:rPr>
               <a:t>.一致性</a:t>
             </a:r>
-            <a:endParaRPr lang="zh-CN" altLang="en-US" sz="2800"/>
-          </a:p>
-          <a:p>
-            <a:endParaRPr lang="zh-CN" altLang="en-US"/>
-          </a:p>
-          <a:p>
-            <a:r>
-              <a:rPr lang="zh-CN" altLang="en-US" sz="2400"/>
-              <a:t>在画面中，视觉元素的外观不应该是一样的，除非他们的功能相近。所有如果是功能相同或相近的元素，那么它们外观就应该是类似的</a:t>
-            </a:r>
-            <a:r>
-              <a:rPr lang="zh-CN" altLang="en-US" sz="2400" b="1"/>
+            <a:endParaRPr lang="zh-CN" altLang="en-US" sz="2800" dirty="0"/>
+          </a:p>
+          <a:p>
+            <a:endParaRPr lang="zh-CN" altLang="en-US" dirty="0"/>
+          </a:p>
+          <a:p>
+            <a:r>
+              <a:rPr lang="zh-CN" altLang="en-US" sz="2400" dirty="0"/>
+              <a:t>在画面中，视觉元素的外观不应该是一样的，除非他们的</a:t>
+            </a:r>
+            <a:r>
+              <a:rPr lang="zh-CN" altLang="en-US" sz="2400" dirty="0">
+                <a:solidFill>
+                  <a:srgbClr val="FF0000"/>
+                </a:solidFill>
+              </a:rPr>
+              <a:t>功能相近</a:t>
+            </a:r>
+            <a:r>
+              <a:rPr lang="zh-CN" altLang="en-US" sz="2400" dirty="0"/>
+              <a:t>。所有如果是功能相同或相近的元素，那么它们外观就应该是类似的</a:t>
+            </a:r>
+            <a:r>
+              <a:rPr lang="zh-CN" altLang="en-US" sz="2400" b="1" dirty="0"/>
               <a:t>，</a:t>
             </a:r>
             <a:r>
-              <a:rPr lang="zh-CN" altLang="en-US" sz="2400" b="1">
+              <a:rPr lang="zh-CN" altLang="en-US" sz="2400" b="1" dirty="0">
                 <a:sym typeface="+mn-ea"/>
               </a:rPr>
               <a:t>颜色、布局、大小写、字</a:t>
             </a:r>
             <a:r>
-              <a:rPr lang="zh-CN" altLang="en-US" sz="2400">
+              <a:rPr lang="zh-CN" altLang="en-US" sz="2400" dirty="0">
                 <a:sym typeface="+mn-ea"/>
               </a:rPr>
               <a:t>体等应自始至终保持一致。</a:t>
             </a:r>
             <a:r>
-              <a:rPr lang="zh-CN" altLang="en-US" sz="2400"/>
+              <a:rPr lang="zh-CN" altLang="en-US" sz="2400" dirty="0"/>
               <a:t>反之，如果元素各自的</a:t>
             </a:r>
             <a:r>
-              <a:rPr lang="zh-CN" altLang="en-US" sz="2400" b="1"/>
+              <a:rPr lang="zh-CN" altLang="en-US" sz="2400" b="1" dirty="0"/>
               <a:t>功能不同</a:t>
             </a:r>
             <a:r>
-              <a:rPr lang="zh-CN" altLang="en-US" sz="2400"/>
+              <a:rPr lang="zh-CN" altLang="en-US" sz="2400" dirty="0"/>
               <a:t>，那么它们的外观也应该不同。同时，类似的操作环境应提供一致的操作序列。</a:t>
             </a:r>
-            <a:endParaRPr lang="zh-CN" altLang="en-US"/>
+            <a:endParaRPr lang="zh-CN" altLang="en-US" dirty="0"/>
           </a:p>
         </p:txBody>
       </p:sp>
@@ -9430,7 +9476,7 @@
           <a:lstStyle/>
           <a:p>
             <a:r>
-              <a:rPr lang="en-US" altLang="zh-CN" sz="2800">
+              <a:rPr lang="en-US" altLang="zh-CN" sz="2800" dirty="0">
                 <a:solidFill>
                   <a:schemeClr val="tx1"/>
                 </a:solidFill>
@@ -9440,26 +9486,40 @@
               <a:t>4.</a:t>
             </a:r>
             <a:r>
-              <a:rPr lang="zh-CN" altLang="en-US" sz="2800">
+              <a:rPr lang="zh-CN" altLang="en-US" sz="2800" dirty="0">
                 <a:solidFill>
                   <a:schemeClr val="tx1"/>
                 </a:solidFill>
                 <a:uFillTx/>
                 <a:ea typeface="华文新魏" panose="02010800040101010101" charset="-122"/>
               </a:rPr>
-              <a:t>让用户掌控一切</a:t>
-            </a:r>
-            <a:endParaRPr lang="zh-CN" altLang="en-US" b="1"/>
-          </a:p>
-          <a:p>
-            <a:endParaRPr lang="zh-CN" altLang="en-US" b="1"/>
-          </a:p>
-          <a:p>
-            <a:endParaRPr lang="zh-CN" altLang="en-US" b="1"/>
-          </a:p>
-          <a:p>
-            <a:r>
-              <a:rPr lang="zh-CN" altLang="en-US" sz="2400">
+              <a:t>让用户</a:t>
+            </a:r>
+            <a:r>
+              <a:rPr lang="zh-CN" altLang="en-US" sz="2800" dirty="0">
+                <a:solidFill>
+                  <a:srgbClr val="FF0000"/>
+                </a:solidFill>
+                <a:uFillTx/>
+                <a:ea typeface="华文新魏" panose="02010800040101010101" charset="-122"/>
+              </a:rPr>
+              <a:t>掌控一切</a:t>
+            </a:r>
+            <a:endParaRPr lang="zh-CN" altLang="en-US" b="1" dirty="0">
+              <a:solidFill>
+                <a:srgbClr val="FF0000"/>
+              </a:solidFill>
+            </a:endParaRPr>
+          </a:p>
+          <a:p>
+            <a:endParaRPr lang="zh-CN" altLang="en-US" b="1" dirty="0"/>
+          </a:p>
+          <a:p>
+            <a:endParaRPr lang="zh-CN" altLang="en-US" b="1" dirty="0"/>
+          </a:p>
+          <a:p>
+            <a:r>
+              <a:rPr lang="zh-CN" altLang="en-US" sz="2400" dirty="0">
                 <a:solidFill>
                   <a:schemeClr val="tx1"/>
                 </a:solidFill>
@@ -9469,7 +9529,7 @@
               <a:t>人们会在自己能掌控的环境中感觉最舒心，最放松。设计草率的软件应用不但剥夺了这种舒适性，还会迫使人们面对毫无预期的互动，困惑的流程和意外的结果。通过定期的</a:t>
             </a:r>
             <a:r>
-              <a:rPr lang="zh-CN" altLang="en-US" sz="2400" b="1">
+              <a:rPr lang="zh-CN" altLang="en-US" sz="2400" b="1" dirty="0">
                 <a:solidFill>
                   <a:schemeClr val="tx1"/>
                 </a:solidFill>
@@ -9479,7 +9539,7 @@
               <a:t>梳理系统状态，描述因果关系</a:t>
             </a:r>
             <a:r>
-              <a:rPr lang="zh-CN" altLang="en-US" sz="2400">
+              <a:rPr lang="zh-CN" altLang="en-US" sz="2400" dirty="0">
                 <a:solidFill>
                   <a:schemeClr val="tx1"/>
                 </a:solidFill>
@@ -9489,7 +9549,7 @@
               <a:t>（如果你这个做了，就会被体现出来），并且在每一步操作都</a:t>
             </a:r>
             <a:r>
-              <a:rPr lang="zh-CN" altLang="en-US" sz="2400" b="1">
+              <a:rPr lang="zh-CN" altLang="en-US" sz="2400" b="1" dirty="0">
                 <a:solidFill>
                   <a:schemeClr val="tx1"/>
                 </a:solidFill>
@@ -9499,7 +9559,7 @@
               <a:t>给出提示</a:t>
             </a:r>
             <a:r>
-              <a:rPr lang="zh-CN" altLang="en-US" sz="2400">
+              <a:rPr lang="zh-CN" altLang="en-US" sz="2400" dirty="0">
                 <a:solidFill>
                   <a:schemeClr val="tx1"/>
                 </a:solidFill>
@@ -9508,7 +9568,7 @@
               </a:rPr>
               <a:t>，让用户感觉每一步操作都在他的掌控中。不要担心说，这不是“显而易见”的吗？因为世界上从来没有显而易见的事情。</a:t>
             </a:r>
-            <a:endParaRPr lang="zh-CN" altLang="en-US">
+            <a:endParaRPr lang="zh-CN" altLang="en-US" dirty="0">
               <a:solidFill>
                 <a:schemeClr val="tx1"/>
               </a:solidFill>
@@ -9517,7 +9577,7 @@
             </a:endParaRPr>
           </a:p>
           <a:p>
-            <a:endParaRPr lang="zh-CN" altLang="en-US">
+            <a:endParaRPr lang="zh-CN" altLang="en-US" dirty="0">
               <a:solidFill>
                 <a:schemeClr val="tx1"/>
               </a:solidFill>
@@ -10110,14 +10170,24 @@
           <a:lstStyle/>
           <a:p>
             <a:r>
-              <a:rPr lang="zh-CN" altLang="en-US" sz="2800">
-                <a:solidFill>
-                  <a:schemeClr val="tx1"/>
+              <a:rPr lang="zh-CN" altLang="en-US" sz="2800" dirty="0">
+                <a:solidFill>
+                  <a:srgbClr val="FF0000"/>
                 </a:solidFill>
                 <a:uFillTx/>
                 <a:ea typeface="华文新魏" panose="02010800040101010101" charset="-122"/>
               </a:rPr>
-              <a:t>三次点击原则</a:t>
+              <a:t>三次点击</a:t>
+            </a:r>
+            <a:r>
+              <a:rPr lang="zh-CN" altLang="en-US" sz="2800" dirty="0">
+                <a:solidFill>
+                  <a:schemeClr val="tx1"/>
+                </a:solidFill>
+                <a:uFillTx/>
+                <a:ea typeface="华文新魏" panose="02010800040101010101" charset="-122"/>
+              </a:rPr>
+              <a:t>原则</a:t>
             </a:r>
           </a:p>
         </p:txBody>
@@ -10413,10 +10483,19 @@
               <a:buChar char="•"/>
             </a:pPr>
             <a:r>
-              <a:rPr lang="zh-CN" altLang="en-US" sz="2400">
+              <a:rPr lang="zh-CN" altLang="en-US" sz="2400" dirty="0">
+                <a:solidFill>
+                  <a:srgbClr val="FF0000"/>
+                </a:solidFill>
                 <a:sym typeface="+mn-ea"/>
               </a:rPr>
-              <a:t>保持一致：一致性是人们习惯的需要，既可以保持界面的整洁，规整，又可以减轻人们学习和使用软件系统的负担。</a:t>
+              <a:t>保持一致</a:t>
+            </a:r>
+            <a:r>
+              <a:rPr lang="zh-CN" altLang="en-US" sz="2400" dirty="0">
+                <a:sym typeface="+mn-ea"/>
+              </a:rPr>
+              <a:t>：一致性是人们习惯的需要，既可以保持界面的整洁，规整，又可以减轻人们学习和使用软件系统的负担。</a:t>
             </a:r>
           </a:p>
         </p:txBody>
@@ -10448,8 +10527,16 @@
               <a:buChar char="•"/>
             </a:pPr>
             <a:r>
-              <a:rPr lang="zh-CN" altLang="en-US" sz="2400"/>
-              <a:t>对话过程：对话过程可以使用户明确当前进行的操作，以及系统准备或进行下一步的操作。</a:t>
+              <a:rPr lang="zh-CN" altLang="en-US" sz="2400" dirty="0">
+                <a:solidFill>
+                  <a:srgbClr val="FF0000"/>
+                </a:solidFill>
+              </a:rPr>
+              <a:t>对话过程</a:t>
+            </a:r>
+            <a:r>
+              <a:rPr lang="zh-CN" altLang="en-US" sz="2400" dirty="0"/>
+              <a:t>：对话过程可以使用户明确当前进行的操作，以及系统准备或进行下一步的操作。</a:t>
             </a:r>
           </a:p>
         </p:txBody>
@@ -10481,8 +10568,16 @@
               <a:buChar char="•"/>
             </a:pPr>
             <a:r>
-              <a:rPr lang="zh-CN" altLang="en-US" sz="2400"/>
-              <a:t>错误预防：如果用户犯了错误，界面应当检测到错误。并提供简单具体的指导来帮助恢复错误</a:t>
+              <a:rPr lang="zh-CN" altLang="en-US" sz="2400" dirty="0">
+                <a:solidFill>
+                  <a:srgbClr val="FF0000"/>
+                </a:solidFill>
+              </a:rPr>
+              <a:t>错误预防</a:t>
+            </a:r>
+            <a:r>
+              <a:rPr lang="zh-CN" altLang="en-US" sz="2400" dirty="0"/>
+              <a:t>：如果用户犯了错误，界面应当检测到错误。并提供简单具体的指导来帮助恢复错误</a:t>
             </a:r>
           </a:p>
         </p:txBody>
@@ -12094,23 +12189,43 @@
           <a:lstStyle/>
           <a:p>
             <a:r>
-              <a:rPr lang="en-US" altLang="zh-CN" dirty="0"/>
+              <a:rPr lang="en-US" altLang="zh-CN" dirty="0">
+                <a:solidFill>
+                  <a:srgbClr val="FF0000"/>
+                </a:solidFill>
+              </a:rPr>
               <a:t>PS</a:t>
             </a:r>
             <a:r>
-              <a:rPr lang="zh-CN" altLang="en-US" dirty="0"/>
+              <a:rPr lang="zh-CN" altLang="en-US" dirty="0">
+                <a:solidFill>
+                  <a:srgbClr val="FF0000"/>
+                </a:solidFill>
+              </a:rPr>
               <a:t>、</a:t>
             </a:r>
             <a:r>
-              <a:rPr lang="en-US" altLang="zh-CN" dirty="0"/>
+              <a:rPr lang="en-US" altLang="zh-CN" dirty="0">
+                <a:solidFill>
+                  <a:srgbClr val="FF0000"/>
+                </a:solidFill>
+              </a:rPr>
               <a:t>AI</a:t>
             </a:r>
             <a:r>
-              <a:rPr lang="zh-CN" altLang="en-US" dirty="0"/>
+              <a:rPr lang="zh-CN" altLang="en-US" dirty="0">
+                <a:solidFill>
+                  <a:srgbClr val="FF0000"/>
+                </a:solidFill>
+              </a:rPr>
               <a:t>、</a:t>
             </a:r>
             <a:r>
-              <a:rPr lang="en-US" altLang="zh-CN" dirty="0"/>
+              <a:rPr lang="en-US" altLang="zh-CN" dirty="0">
+                <a:solidFill>
+                  <a:srgbClr val="FF0000"/>
+                </a:solidFill>
+              </a:rPr>
               <a:t>Sketch</a:t>
             </a:r>
             <a:r>
@@ -12551,8 +12666,16 @@
               <a:t>– </a:t>
             </a:r>
             <a:r>
+              <a:rPr lang="zh-CN" altLang="en-US" dirty="0">
+                <a:solidFill>
+                  <a:srgbClr val="FF0000"/>
+                </a:solidFill>
+              </a:rPr>
+              <a:t>低保真</a:t>
+            </a:r>
+            <a:r>
               <a:rPr lang="zh-CN" altLang="en-US" dirty="0"/>
-              <a:t>底保真原型设计工具</a:t>
+              <a:t>原型设计工具</a:t>
             </a:r>
           </a:p>
         </p:txBody>
@@ -13538,8 +13661,16 @@
               <a:t>- </a:t>
             </a:r>
             <a:r>
+              <a:rPr lang="zh-CN" altLang="en-US" dirty="0">
+                <a:solidFill>
+                  <a:srgbClr val="FF0000"/>
+                </a:solidFill>
+              </a:rPr>
+              <a:t>高保真</a:t>
+            </a:r>
+            <a:r>
               <a:rPr lang="zh-CN" altLang="en-US" dirty="0"/>
-              <a:t>高保真原型设计工具</a:t>
+              <a:t>原型设计工具</a:t>
             </a:r>
             <a:r>
               <a:rPr lang="en-US" altLang="zh-CN" b="1" dirty="0" err="1"/>
@@ -14003,8 +14134,8 @@
         </p:blipFill>
         <p:spPr bwMode="auto">
           <a:xfrm>
-            <a:off x="5963667" y="374606"/>
-            <a:ext cx="5950883" cy="4167684"/>
+            <a:off x="4627925" y="374606"/>
+            <a:ext cx="7286626" cy="5103168"/>
           </a:xfrm>
           <a:prstGeom prst="rect">
             <a:avLst/>
@@ -14083,14 +14214,14 @@
         <p:spPr>
           <a:xfrm>
             <a:off x="0" y="1135518"/>
-            <a:ext cx="6096000" cy="2862322"/>
+            <a:ext cx="4796287" cy="2862322"/>
           </a:xfrm>
           <a:prstGeom prst="rect">
             <a:avLst/>
           </a:prstGeom>
         </p:spPr>
         <p:txBody>
-          <a:bodyPr>
+          <a:bodyPr wrap="square">
             <a:spAutoFit/>
           </a:bodyPr>
           <a:lstStyle/>
@@ -14100,8 +14231,16 @@
               <a:t>Axure – </a:t>
             </a:r>
             <a:r>
+              <a:rPr lang="zh-CN" altLang="en-US" b="1" dirty="0">
+                <a:solidFill>
+                  <a:srgbClr val="FF0000"/>
+                </a:solidFill>
+              </a:rPr>
+              <a:t>高保真</a:t>
+            </a:r>
+            <a:r>
               <a:rPr lang="zh-CN" altLang="en-US" b="1" dirty="0"/>
-              <a:t>高保真工具</a:t>
+              <a:t>工具</a:t>
             </a:r>
             <a:br>
               <a:rPr lang="zh-CN" altLang="en-US" dirty="0"/>
@@ -16522,7 +16661,7 @@
         </p:nvSpPr>
         <p:spPr>
           <a:xfrm>
-            <a:off x="434235" y="4623053"/>
+            <a:off x="356597" y="5063675"/>
             <a:ext cx="7215678" cy="1631216"/>
           </a:xfrm>
           <a:prstGeom prst="rect">
@@ -16629,8 +16768,8 @@
         </p:blipFill>
         <p:spPr>
           <a:xfrm>
-            <a:off x="5037826" y="163109"/>
-            <a:ext cx="7283570" cy="5572919"/>
+            <a:off x="3977333" y="163109"/>
+            <a:ext cx="8344063" cy="6384340"/>
           </a:xfrm>
           <a:prstGeom prst="rect">
             <a:avLst/>
@@ -16808,7 +16947,7 @@
         </p:nvSpPr>
         <p:spPr>
           <a:xfrm>
-            <a:off x="434235" y="4623053"/>
+            <a:off x="201322" y="6150114"/>
             <a:ext cx="7215678" cy="707886"/>
           </a:xfrm>
           <a:prstGeom prst="rect">
@@ -16882,8 +17021,8 @@
         </p:blipFill>
         <p:spPr>
           <a:xfrm>
-            <a:off x="5037826" y="163109"/>
-            <a:ext cx="7283570" cy="5572919"/>
+            <a:off x="3286664" y="163109"/>
+            <a:ext cx="9034732" cy="6912795"/>
           </a:xfrm>
           <a:prstGeom prst="rect">
             <a:avLst/>
@@ -17534,7 +17673,7 @@
           <a:lstStyle/>
           <a:p>
             <a:r>
-              <a:rPr lang="zh-CN" altLang="en-US" b="0" i="0">
+              <a:rPr lang="zh-CN" altLang="en-US" b="0" i="0" dirty="0">
                 <a:solidFill>
                   <a:srgbClr val="4F4F4F"/>
                 </a:solidFill>
@@ -17544,10 +17683,10 @@
               <a:t>四、设计对话，告诉用户任务已完成 </a:t>
             </a:r>
             <a:br>
-              <a:rPr lang="zh-CN" altLang="en-US"/>
+              <a:rPr lang="zh-CN" altLang="en-US" dirty="0"/>
             </a:br>
             <a:r>
-              <a:rPr lang="zh-CN" altLang="en-US" b="0" i="0">
+              <a:rPr lang="zh-CN" altLang="en-US" b="0" i="0" dirty="0">
                 <a:solidFill>
                   <a:srgbClr val="4F4F4F"/>
                 </a:solidFill>
@@ -17595,7 +17734,27 @@
                 <a:effectLst/>
                 <a:latin typeface="-apple-system"/>
               </a:rPr>
-              <a:t>五、提供错误预防和简单的纠错功能 </a:t>
+              <a:t>五、</a:t>
+            </a:r>
+            <a:r>
+              <a:rPr lang="zh-CN" altLang="en-US" b="0" i="0" dirty="0">
+                <a:solidFill>
+                  <a:srgbClr val="FF0000"/>
+                </a:solidFill>
+                <a:effectLst/>
+                <a:latin typeface="-apple-system"/>
+              </a:rPr>
+              <a:t>提供错误预防</a:t>
+            </a:r>
+            <a:r>
+              <a:rPr lang="zh-CN" altLang="en-US" b="0" i="0" dirty="0">
+                <a:solidFill>
+                  <a:srgbClr val="4F4F4F"/>
+                </a:solidFill>
+                <a:effectLst/>
+                <a:latin typeface="-apple-system"/>
+              </a:rPr>
+              <a:t>和简单的纠错功能 </a:t>
             </a:r>
             <a:br>
               <a:rPr lang="zh-CN" altLang="en-US" dirty="0"/>
@@ -17901,20 +18060,40 @@
           <a:lstStyle/>
           <a:p>
             <a:r>
-              <a:rPr lang="zh-CN" altLang="en-US" b="0" i="0">
+              <a:rPr lang="zh-CN" altLang="en-US" b="0" i="0" dirty="0">
                 <a:solidFill>
                   <a:srgbClr val="4F4F4F"/>
                 </a:solidFill>
                 <a:effectLst/>
                 <a:latin typeface="-apple-system"/>
               </a:rPr>
-              <a:t>七、用户应掌握控制权 </a:t>
+              <a:t>七、用户应</a:t>
+            </a:r>
+            <a:r>
+              <a:rPr lang="zh-CN" altLang="en-US" b="0" i="0" dirty="0">
+                <a:solidFill>
+                  <a:srgbClr val="FF0000"/>
+                </a:solidFill>
+                <a:effectLst/>
+                <a:latin typeface="-apple-system"/>
+              </a:rPr>
+              <a:t>掌握控制权</a:t>
+            </a:r>
+            <a:r>
+              <a:rPr lang="zh-CN" altLang="en-US" b="0" i="0" dirty="0">
+                <a:solidFill>
+                  <a:srgbClr val="4F4F4F"/>
+                </a:solidFill>
+                <a:effectLst/>
+                <a:latin typeface="-apple-system"/>
+              </a:rPr>
+              <a:t> </a:t>
             </a:r>
             <a:br>
-              <a:rPr lang="zh-CN" altLang="en-US"/>
+              <a:rPr lang="zh-CN" altLang="en-US" dirty="0"/>
             </a:br>
             <a:r>
-              <a:rPr lang="zh-CN" altLang="en-US" b="0" i="0">
+              <a:rPr lang="zh-CN" altLang="en-US" b="0" i="0" dirty="0">
                 <a:solidFill>
                   <a:srgbClr val="4F4F4F"/>
                 </a:solidFill>
@@ -17962,7 +18141,27 @@
                 <a:effectLst/>
                 <a:latin typeface="-apple-system"/>
               </a:rPr>
-              <a:t>八、减轻用户记忆负担 </a:t>
+              <a:t>八、减轻用户</a:t>
+            </a:r>
+            <a:r>
+              <a:rPr lang="zh-CN" altLang="en-US" b="0" i="0" dirty="0">
+                <a:solidFill>
+                  <a:srgbClr val="FF0000"/>
+                </a:solidFill>
+                <a:effectLst/>
+                <a:latin typeface="-apple-system"/>
+              </a:rPr>
+              <a:t>记忆负担</a:t>
+            </a:r>
+            <a:r>
+              <a:rPr lang="zh-CN" altLang="en-US" b="0" i="0" dirty="0">
+                <a:solidFill>
+                  <a:srgbClr val="4F4F4F"/>
+                </a:solidFill>
+                <a:effectLst/>
+                <a:latin typeface="-apple-system"/>
+              </a:rPr>
+              <a:t> </a:t>
             </a:r>
             <a:br>
               <a:rPr lang="zh-CN" altLang="en-US" dirty="0"/>
@@ -18342,6 +18541,42 @@
           </a:p>
         </p:txBody>
       </p:sp>
+      <p:sp>
+        <p:nvSpPr>
+          <p:cNvPr id="8" name="文本框 7">
+            <a:extLst>
+              <a:ext uri="{FF2B5EF4-FFF2-40B4-BE49-F238E27FC236}">
+                <a16:creationId xmlns:a16="http://schemas.microsoft.com/office/drawing/2014/main" id="{50FCA7BA-2405-45DE-8D72-3B7A57DEBBD2}"/>
+              </a:ext>
+            </a:extLst>
+          </p:cNvPr>
+          <p:cNvSpPr txBox="1"/>
+          <p:nvPr/>
+        </p:nvSpPr>
+        <p:spPr>
+          <a:xfrm>
+            <a:off x="8852437" y="1819399"/>
+            <a:ext cx="768159" cy="369332"/>
+          </a:xfrm>
+          <a:prstGeom prst="rect">
+            <a:avLst/>
+          </a:prstGeom>
+          <a:noFill/>
+        </p:spPr>
+        <p:txBody>
+          <a:bodyPr wrap="none" rtlCol="0">
+            <a:spAutoFit/>
+          </a:bodyPr>
+          <a:lstStyle/>
+          <a:p>
+            <a:r>
+              <a:rPr lang="en-US" altLang="zh-CN" dirty="0"/>
+              <a:t>【1】</a:t>
+            </a:r>
+            <a:endParaRPr lang="zh-CN" altLang="en-US" dirty="0"/>
+          </a:p>
+        </p:txBody>
+      </p:sp>
     </p:spTree>
     <p:extLst>
       <p:ext uri="{BB962C8B-B14F-4D97-AF65-F5344CB8AC3E}">
@@ -19287,7 +19522,19 @@
           <a:p>
             <a:r>
               <a:rPr kumimoji="1" lang="zh-CN" altLang="en-US" sz="2000" dirty="0"/>
-              <a:t>      层次分析法将复杂问题分解为层次模型结构，引入</a:t>
+              <a:t>      层次分析法将复杂问题分解为</a:t>
+            </a:r>
+            <a:r>
+              <a:rPr kumimoji="1" lang="zh-CN" altLang="en-US" sz="2000" dirty="0">
+                <a:solidFill>
+                  <a:srgbClr val="FF0000"/>
+                </a:solidFill>
+              </a:rPr>
+              <a:t>层次模型结构</a:t>
+            </a:r>
+            <a:r>
+              <a:rPr kumimoji="1" lang="zh-CN" altLang="en-US" sz="2000" dirty="0"/>
+              <a:t>，引入</a:t>
             </a:r>
             <a:r>
               <a:rPr kumimoji="1" lang="en-US" altLang="zh-CN" sz="2000" dirty="0"/>
@@ -19295,9 +19542,57 @@
             </a:r>
             <a:r>
               <a:rPr kumimoji="1" lang="zh-CN" altLang="en-US" sz="2000" dirty="0"/>
-              <a:t>级重要性比率标度，使得对非常复杂的软件用户界面定量分析成为可能，同时，借助于矩阵分析工具，可以对判断矩阵进行一致性检验，保证判断思维的连贯性和一致性，从而客观的描述评价项目的权重。</a:t>
+              <a:t>级重要性比率标度，使得对非常复杂的软件用户界面定量分析成为可能，同时，借助于矩阵分析工具，可以对判断矩阵进行一致性检验，保证判断思维的连贯性和一致性，从而客观的描述评价项目的</a:t>
+            </a:r>
+            <a:r>
+              <a:rPr kumimoji="1" lang="zh-CN" altLang="en-US" sz="2000" dirty="0">
+                <a:solidFill>
+                  <a:srgbClr val="FF0000"/>
+                </a:solidFill>
+              </a:rPr>
+              <a:t>权重</a:t>
+            </a:r>
+            <a:r>
+              <a:rPr kumimoji="1" lang="zh-CN" altLang="en-US" sz="2000" dirty="0"/>
+              <a:t>。</a:t>
             </a:r>
             <a:endParaRPr kumimoji="1" lang="en-US" altLang="zh-CN" sz="2000" dirty="0"/>
+          </a:p>
+        </p:txBody>
+      </p:sp>
+      <p:sp>
+        <p:nvSpPr>
+          <p:cNvPr id="6" name="文本框 5">
+            <a:extLst>
+              <a:ext uri="{FF2B5EF4-FFF2-40B4-BE49-F238E27FC236}">
+                <a16:creationId xmlns:a16="http://schemas.microsoft.com/office/drawing/2014/main" id="{86F3A0F8-5DDB-48FC-A16F-37FF4E2882A2}"/>
+              </a:ext>
+            </a:extLst>
+          </p:cNvPr>
+          <p:cNvSpPr txBox="1"/>
+          <p:nvPr/>
+        </p:nvSpPr>
+        <p:spPr>
+          <a:xfrm>
+            <a:off x="8282608" y="1319940"/>
+            <a:ext cx="768159" cy="369332"/>
+          </a:xfrm>
+          <a:prstGeom prst="rect">
+            <a:avLst/>
+          </a:prstGeom>
+          <a:noFill/>
+        </p:spPr>
+        <p:txBody>
+          <a:bodyPr wrap="none" rtlCol="0">
+            <a:spAutoFit/>
+          </a:bodyPr>
+          <a:lstStyle/>
+          <a:p>
+            <a:r>
+              <a:rPr lang="en-US" altLang="zh-CN" dirty="0"/>
+              <a:t>【6】</a:t>
+            </a:r>
+            <a:endParaRPr lang="zh-CN" altLang="en-US" dirty="0"/>
           </a:p>
         </p:txBody>
       </p:sp>
@@ -19540,7 +19835,19 @@
             </a:r>
             <a:r>
               <a:rPr kumimoji="1" lang="zh-CN" altLang="en-US" sz="2000" dirty="0"/>
-              <a:t>、建立问题的递阶层次结构</a:t>
+              <a:t>、</a:t>
+            </a:r>
+            <a:r>
+              <a:rPr kumimoji="1" lang="zh-CN" altLang="en-US" sz="2000" dirty="0">
+                <a:solidFill>
+                  <a:srgbClr val="FF0000"/>
+                </a:solidFill>
+              </a:rPr>
+              <a:t>建立</a:t>
+            </a:r>
+            <a:r>
+              <a:rPr kumimoji="1" lang="zh-CN" altLang="en-US" sz="2000" dirty="0"/>
+              <a:t>问题的递阶层次结构</a:t>
             </a:r>
             <a:endParaRPr kumimoji="1" lang="en-US" altLang="zh-CN" sz="2000" dirty="0"/>
           </a:p>
@@ -19580,9 +19887,21 @@
             </a:r>
             <a:r>
               <a:rPr kumimoji="1" lang="zh-CN" altLang="en-US" sz="2000" dirty="0"/>
-              <a:t>、构造两两比较判断矩阵</a:t>
-            </a:r>
-            <a:endParaRPr kumimoji="1" lang="en-US" altLang="zh-CN" sz="2000" dirty="0"/>
+              <a:t>、构造两两比较判断</a:t>
+            </a:r>
+            <a:r>
+              <a:rPr kumimoji="1" lang="zh-CN" altLang="en-US" sz="2000" dirty="0">
+                <a:solidFill>
+                  <a:srgbClr val="FF0000"/>
+                </a:solidFill>
+              </a:rPr>
+              <a:t>矩阵</a:t>
+            </a:r>
+            <a:endParaRPr kumimoji="1" lang="en-US" altLang="zh-CN" sz="2000" dirty="0">
+              <a:solidFill>
+                <a:srgbClr val="FF0000"/>
+              </a:solidFill>
+            </a:endParaRPr>
           </a:p>
         </p:txBody>
       </p:sp>
@@ -19620,9 +19939,21 @@
             </a:r>
             <a:r>
               <a:rPr kumimoji="1" lang="zh-CN" altLang="en-US" sz="2000" dirty="0"/>
-              <a:t>、由判断矩阵计算比较元素相对权重</a:t>
-            </a:r>
-            <a:endParaRPr kumimoji="1" lang="en-US" altLang="zh-CN" sz="2000" dirty="0"/>
+              <a:t>、由判断矩阵计算比较元素相对</a:t>
+            </a:r>
+            <a:r>
+              <a:rPr kumimoji="1" lang="zh-CN" altLang="en-US" sz="2000" dirty="0">
+                <a:solidFill>
+                  <a:srgbClr val="FF0000"/>
+                </a:solidFill>
+              </a:rPr>
+              <a:t>权重</a:t>
+            </a:r>
+            <a:endParaRPr kumimoji="1" lang="en-US" altLang="zh-CN" sz="2000" dirty="0">
+              <a:solidFill>
+                <a:srgbClr val="FF0000"/>
+              </a:solidFill>
+            </a:endParaRPr>
           </a:p>
         </p:txBody>
       </p:sp>
@@ -19779,9 +20110,57 @@
             </a:r>
             <a:r>
               <a:rPr kumimoji="1" lang="zh-CN" altLang="en-US" sz="2000" dirty="0"/>
-              <a:t>、建立计算机软件用户界面设计的灰色评价模型。其基本思想是：根据参考数列曲线和被比较数列曲线间 的相似程度来判断关联程度。相似度越大，关联程度越大，设计方案与评价标准越接近。</a:t>
+              <a:t>、建立计算机软件用户界面设计的灰色评价模型。其基本思想是：根据参考数列曲线和被比较数列曲线间 的相似程度来判断关联程度。相似度越大，关联程度越大，</a:t>
+            </a:r>
+            <a:r>
+              <a:rPr kumimoji="1" lang="zh-CN" altLang="en-US" sz="2000" dirty="0">
+                <a:solidFill>
+                  <a:srgbClr val="FF0000"/>
+                </a:solidFill>
+              </a:rPr>
+              <a:t>设计方案与评价标准越接近</a:t>
+            </a:r>
+            <a:r>
+              <a:rPr kumimoji="1" lang="zh-CN" altLang="en-US" sz="2000" dirty="0"/>
+              <a:t>。</a:t>
             </a:r>
             <a:endParaRPr kumimoji="1" lang="en-US" altLang="zh-CN" sz="2000" dirty="0"/>
+          </a:p>
+        </p:txBody>
+      </p:sp>
+      <p:sp>
+        <p:nvSpPr>
+          <p:cNvPr id="2" name="文本框 1">
+            <a:extLst>
+              <a:ext uri="{FF2B5EF4-FFF2-40B4-BE49-F238E27FC236}">
+                <a16:creationId xmlns:a16="http://schemas.microsoft.com/office/drawing/2014/main" id="{4E838BBF-CBBC-4BDE-8217-5B1B640249CA}"/>
+              </a:ext>
+            </a:extLst>
+          </p:cNvPr>
+          <p:cNvSpPr txBox="1"/>
+          <p:nvPr/>
+        </p:nvSpPr>
+        <p:spPr>
+          <a:xfrm>
+            <a:off x="9197108" y="5626751"/>
+            <a:ext cx="768159" cy="369332"/>
+          </a:xfrm>
+          <a:prstGeom prst="rect">
+            <a:avLst/>
+          </a:prstGeom>
+          <a:noFill/>
+        </p:spPr>
+        <p:txBody>
+          <a:bodyPr wrap="none" rtlCol="0">
+            <a:spAutoFit/>
+          </a:bodyPr>
+          <a:lstStyle/>
+          <a:p>
+            <a:r>
+              <a:rPr lang="en-US" altLang="zh-CN" dirty="0"/>
+              <a:t>【5】</a:t>
+            </a:r>
+            <a:endParaRPr lang="zh-CN" altLang="en-US" dirty="0"/>
           </a:p>
         </p:txBody>
       </p:sp>
@@ -21403,21 +21782,27 @@
       </p:sp>
       <p:graphicFrame>
         <p:nvGraphicFramePr>
-          <p:cNvPr id="3" name="表格 2"/>
+          <p:cNvPr id="2" name="表格 1">
+            <a:extLst>
+              <a:ext uri="{FF2B5EF4-FFF2-40B4-BE49-F238E27FC236}">
+                <a16:creationId xmlns:a16="http://schemas.microsoft.com/office/drawing/2014/main" id="{79EA0301-E99D-4EA1-BF7C-39DAE453C04A}"/>
+              </a:ext>
+            </a:extLst>
+          </p:cNvPr>
           <p:cNvGraphicFramePr>
             <a:graphicFrameLocks noGrp="1"/>
           </p:cNvGraphicFramePr>
           <p:nvPr>
             <p:extLst>
               <p:ext uri="{D42A27DB-BD31-4B8C-83A1-F6EECF244321}">
-                <p14:modId xmlns:p14="http://schemas.microsoft.com/office/powerpoint/2010/main" val="2505896621"/>
+                <p14:modId xmlns:p14="http://schemas.microsoft.com/office/powerpoint/2010/main" val="1560235052"/>
               </p:ext>
             </p:extLst>
           </p:nvPr>
         </p:nvGraphicFramePr>
         <p:xfrm>
-          <a:off x="2046935" y="1396426"/>
-          <a:ext cx="6433974" cy="4290113"/>
+          <a:off x="1344023" y="1401153"/>
+          <a:ext cx="8826519" cy="5319650"/>
         </p:xfrm>
         <a:graphic>
           <a:graphicData uri="http://schemas.openxmlformats.org/drawingml/2006/table">
@@ -21426,27 +21811,51 @@
                 <a:tableStyleId>{5C22544A-7EE6-4342-B048-85BDC9FD1C3A}</a:tableStyleId>
               </a:tblPr>
               <a:tblGrid>
-                <a:gridCol w="3216987">
+                <a:gridCol w="2942173">
                   <a:extLst>
                     <a:ext uri="{9D8B030D-6E8A-4147-A177-3AD203B41FA5}">
-                      <a16:colId xmlns:a16="http://schemas.microsoft.com/office/drawing/2014/main" val="20000"/>
+                      <a16:colId xmlns:a16="http://schemas.microsoft.com/office/drawing/2014/main" val="4135093605"/>
                     </a:ext>
                   </a:extLst>
                 </a:gridCol>
-                <a:gridCol w="3216987">
+                <a:gridCol w="2942173">
                   <a:extLst>
                     <a:ext uri="{9D8B030D-6E8A-4147-A177-3AD203B41FA5}">
-                      <a16:colId xmlns:a16="http://schemas.microsoft.com/office/drawing/2014/main" val="20001"/>
+                      <a16:colId xmlns:a16="http://schemas.microsoft.com/office/drawing/2014/main" val="3446207466"/>
+                    </a:ext>
+                  </a:extLst>
+                </a:gridCol>
+                <a:gridCol w="2942173">
+                  <a:extLst>
+                    <a:ext uri="{9D8B030D-6E8A-4147-A177-3AD203B41FA5}">
+                      <a16:colId xmlns:a16="http://schemas.microsoft.com/office/drawing/2014/main" val="646135020"/>
                     </a:ext>
                   </a:extLst>
                 </a:gridCol>
               </a:tblGrid>
-              <a:tr h="622300">
+              <a:tr h="759950">
                 <a:tc>
                   <a:txBody>
                     <a:bodyPr/>
                     <a:lstStyle/>
                     <a:p>
+                      <a:pPr marL="0" marR="0" lvl="0" indent="0" algn="ctr" defTabSz="914400" rtl="0" eaLnBrk="1" fontAlgn="auto" latinLnBrk="0" hangingPunct="1">
+                        <a:lnSpc>
+                          <a:spcPct val="100000"/>
+                        </a:lnSpc>
+                        <a:spcBef>
+                          <a:spcPts val="0"/>
+                        </a:spcBef>
+                        <a:spcAft>
+                          <a:spcPts val="0"/>
+                        </a:spcAft>
+                        <a:buClrTx/>
+                        <a:buSzTx/>
+                        <a:buFontTx/>
+                        <a:buNone/>
+                        <a:tabLst/>
+                        <a:defRPr/>
+                      </a:pPr>
                       <a:r>
                         <a:rPr lang="zh-CN" altLang="en-US" dirty="0"/>
                         <a:t>成员</a:t>
@@ -21460,6 +21869,23 @@
                     <a:bodyPr/>
                     <a:lstStyle/>
                     <a:p>
+                      <a:pPr marL="0" marR="0" lvl="0" indent="0" algn="ctr" defTabSz="914400" rtl="0" eaLnBrk="1" fontAlgn="auto" latinLnBrk="0" hangingPunct="1">
+                        <a:lnSpc>
+                          <a:spcPct val="100000"/>
+                        </a:lnSpc>
+                        <a:spcBef>
+                          <a:spcPts val="0"/>
+                        </a:spcBef>
+                        <a:spcAft>
+                          <a:spcPts val="0"/>
+                        </a:spcAft>
+                        <a:buClrTx/>
+                        <a:buSzTx/>
+                        <a:buFontTx/>
+                        <a:buNone/>
+                        <a:tabLst/>
+                        <a:defRPr/>
+                      </a:pPr>
                       <a:r>
                         <a:rPr lang="zh-CN" altLang="en-US" dirty="0"/>
                         <a:t>评分（</a:t>
@@ -21472,17 +21898,32 @@
                         <a:rPr lang="zh-CN" altLang="en-US" dirty="0"/>
                         <a:t>分）</a:t>
                       </a:r>
+                      <a:endParaRPr lang="en-US" altLang="zh-CN" dirty="0"/>
+                    </a:p>
+                  </a:txBody>
+                  <a:tcPr/>
+                </a:tc>
+                <a:tc>
+                  <a:txBody>
+                    <a:bodyPr/>
+                    <a:lstStyle/>
+                    <a:p>
+                      <a:pPr algn="ctr"/>
+                      <a:r>
+                        <a:rPr lang="zh-CN" altLang="en-US" dirty="0"/>
+                        <a:t>分工</a:t>
+                      </a:r>
                     </a:p>
                   </a:txBody>
                   <a:tcPr/>
                 </a:tc>
                 <a:extLst>
                   <a:ext uri="{0D108BD9-81ED-4DB2-BD59-A6C34878D82A}">
-                    <a16:rowId xmlns:a16="http://schemas.microsoft.com/office/drawing/2014/main" val="10000"/>
+                    <a16:rowId xmlns:a16="http://schemas.microsoft.com/office/drawing/2014/main" val="480061854"/>
                   </a:ext>
                 </a:extLst>
               </a:tr>
-              <a:tr h="761616">
+              <a:tr h="759950">
                 <a:tc>
                   <a:txBody>
                     <a:bodyPr/>
@@ -21512,13 +21953,26 @@
                   </a:txBody>
                   <a:tcPr/>
                 </a:tc>
+                <a:tc>
+                  <a:txBody>
+                    <a:bodyPr/>
+                    <a:lstStyle/>
+                    <a:p>
+                      <a:r>
+                        <a:rPr lang="zh-CN" altLang="en-US" dirty="0"/>
+                        <a:t>用户界面的开发工具部分编写</a:t>
+                      </a:r>
+                    </a:p>
+                  </a:txBody>
+                  <a:tcPr/>
+                </a:tc>
                 <a:extLst>
                   <a:ext uri="{0D108BD9-81ED-4DB2-BD59-A6C34878D82A}">
-                    <a16:rowId xmlns:a16="http://schemas.microsoft.com/office/drawing/2014/main" val="10001"/>
+                    <a16:rowId xmlns:a16="http://schemas.microsoft.com/office/drawing/2014/main" val="651769767"/>
                   </a:ext>
                 </a:extLst>
               </a:tr>
-              <a:tr h="622223">
+              <a:tr h="759950">
                 <a:tc>
                   <a:txBody>
                     <a:bodyPr/>
@@ -21548,13 +22002,26 @@
                   </a:txBody>
                   <a:tcPr/>
                 </a:tc>
+                <a:tc>
+                  <a:txBody>
+                    <a:bodyPr/>
+                    <a:lstStyle/>
+                    <a:p>
+                      <a:r>
+                        <a:rPr lang="zh-CN" altLang="en-US" dirty="0"/>
+                        <a:t>用户界面的设计原则部分编写</a:t>
+                      </a:r>
+                    </a:p>
+                  </a:txBody>
+                  <a:tcPr/>
+                </a:tc>
                 <a:extLst>
                   <a:ext uri="{0D108BD9-81ED-4DB2-BD59-A6C34878D82A}">
-                    <a16:rowId xmlns:a16="http://schemas.microsoft.com/office/drawing/2014/main" val="10002"/>
+                    <a16:rowId xmlns:a16="http://schemas.microsoft.com/office/drawing/2014/main" val="1356119391"/>
                   </a:ext>
                 </a:extLst>
               </a:tr>
-              <a:tr h="622223">
+              <a:tr h="759950">
                 <a:tc>
                   <a:txBody>
                     <a:bodyPr/>
@@ -21584,13 +22051,31 @@
                   </a:txBody>
                   <a:tcPr/>
                 </a:tc>
+                <a:tc>
+                  <a:txBody>
+                    <a:bodyPr/>
+                    <a:lstStyle/>
+                    <a:p>
+                      <a:r>
+                        <a:rPr lang="zh-CN" altLang="en-US" dirty="0"/>
+                        <a:t>用户界面的评估部分编写，与整合整个</a:t>
+                      </a:r>
+                      <a:r>
+                        <a:rPr lang="en-US" altLang="zh-CN" dirty="0"/>
+                        <a:t>ppt</a:t>
+                      </a:r>
+                      <a:endParaRPr lang="zh-CN" altLang="en-US" dirty="0"/>
+                    </a:p>
+                  </a:txBody>
+                  <a:tcPr/>
+                </a:tc>
                 <a:extLst>
                   <a:ext uri="{0D108BD9-81ED-4DB2-BD59-A6C34878D82A}">
-                    <a16:rowId xmlns:a16="http://schemas.microsoft.com/office/drawing/2014/main" val="10003"/>
+                    <a16:rowId xmlns:a16="http://schemas.microsoft.com/office/drawing/2014/main" val="4131920817"/>
                   </a:ext>
                 </a:extLst>
               </a:tr>
-              <a:tr h="622223">
+              <a:tr h="759950">
                 <a:tc>
                   <a:txBody>
                     <a:bodyPr/>
@@ -21620,13 +22105,26 @@
                   </a:txBody>
                   <a:tcPr/>
                 </a:tc>
+                <a:tc>
+                  <a:txBody>
+                    <a:bodyPr/>
+                    <a:lstStyle/>
+                    <a:p>
+                      <a:r>
+                        <a:rPr lang="zh-CN" altLang="en-US" dirty="0"/>
+                        <a:t>界面原型的类型部分编写</a:t>
+                      </a:r>
+                    </a:p>
+                  </a:txBody>
+                  <a:tcPr/>
+                </a:tc>
                 <a:extLst>
                   <a:ext uri="{0D108BD9-81ED-4DB2-BD59-A6C34878D82A}">
-                    <a16:rowId xmlns:a16="http://schemas.microsoft.com/office/drawing/2014/main" val="10004"/>
+                    <a16:rowId xmlns:a16="http://schemas.microsoft.com/office/drawing/2014/main" val="3793859900"/>
                   </a:ext>
                 </a:extLst>
               </a:tr>
-              <a:tr h="1039528">
+              <a:tr h="759950">
                 <a:tc>
                   <a:txBody>
                     <a:bodyPr/>
@@ -21656,9 +22154,61 @@
                   </a:txBody>
                   <a:tcPr/>
                 </a:tc>
+                <a:tc>
+                  <a:txBody>
+                    <a:bodyPr/>
+                    <a:lstStyle/>
+                    <a:p>
+                      <a:r>
+                        <a:rPr lang="zh-CN" altLang="en-US" dirty="0"/>
+                        <a:t>人机交互与界面原型部分的编写</a:t>
+                      </a:r>
+                    </a:p>
+                  </a:txBody>
+                  <a:tcPr/>
+                </a:tc>
                 <a:extLst>
                   <a:ext uri="{0D108BD9-81ED-4DB2-BD59-A6C34878D82A}">
-                    <a16:rowId xmlns:a16="http://schemas.microsoft.com/office/drawing/2014/main" val="10005"/>
+                    <a16:rowId xmlns:a16="http://schemas.microsoft.com/office/drawing/2014/main" val="2038996780"/>
+                  </a:ext>
+                </a:extLst>
+              </a:tr>
+              <a:tr h="759950">
+                <a:tc>
+                  <a:txBody>
+                    <a:bodyPr/>
+                    <a:lstStyle/>
+                    <a:p>
+                      <a:pPr algn="ctr"/>
+                      <a:endParaRPr lang="zh-CN" altLang="en-US" dirty="0"/>
+                    </a:p>
+                  </a:txBody>
+                  <a:tcPr/>
+                </a:tc>
+                <a:tc>
+                  <a:txBody>
+                    <a:bodyPr/>
+                    <a:lstStyle/>
+                    <a:p>
+                      <a:pPr algn="ctr"/>
+                      <a:endParaRPr lang="zh-CN" altLang="en-US" sz="1400" dirty="0"/>
+                    </a:p>
+                  </a:txBody>
+                  <a:tcPr/>
+                </a:tc>
+                <a:tc>
+                  <a:txBody>
+                    <a:bodyPr/>
+                    <a:lstStyle/>
+                    <a:p>
+                      <a:endParaRPr lang="zh-CN" altLang="en-US" dirty="0"/>
+                    </a:p>
+                  </a:txBody>
+                  <a:tcPr/>
+                </a:tc>
+                <a:extLst>
+                  <a:ext uri="{0D108BD9-81ED-4DB2-BD59-A6C34878D82A}">
+                    <a16:rowId xmlns:a16="http://schemas.microsoft.com/office/drawing/2014/main" val="3475812914"/>
                   </a:ext>
                 </a:extLst>
               </a:tr>
@@ -22491,6 +23041,42 @@
               <a:rPr kumimoji="1" lang="zh-CN" altLang="en-US" sz="2400" dirty="0"/>
               <a:t>界面原型</a:t>
             </a:r>
+          </a:p>
+        </p:txBody>
+      </p:sp>
+      <p:sp>
+        <p:nvSpPr>
+          <p:cNvPr id="7" name="文本框 6">
+            <a:extLst>
+              <a:ext uri="{FF2B5EF4-FFF2-40B4-BE49-F238E27FC236}">
+                <a16:creationId xmlns:a16="http://schemas.microsoft.com/office/drawing/2014/main" id="{E2D9DDFD-A5EB-4452-9B72-0F7CDD2C861A}"/>
+              </a:ext>
+            </a:extLst>
+          </p:cNvPr>
+          <p:cNvSpPr txBox="1"/>
+          <p:nvPr/>
+        </p:nvSpPr>
+        <p:spPr>
+          <a:xfrm>
+            <a:off x="8460796" y="5287218"/>
+            <a:ext cx="768159" cy="369332"/>
+          </a:xfrm>
+          <a:prstGeom prst="rect">
+            <a:avLst/>
+          </a:prstGeom>
+          <a:noFill/>
+        </p:spPr>
+        <p:txBody>
+          <a:bodyPr wrap="none" rtlCol="0">
+            <a:spAutoFit/>
+          </a:bodyPr>
+          <a:lstStyle/>
+          <a:p>
+            <a:r>
+              <a:rPr lang="en-US" altLang="zh-CN" dirty="0"/>
+              <a:t>【3】</a:t>
+            </a:r>
+            <a:endParaRPr lang="zh-CN" altLang="en-US" dirty="0"/>
           </a:p>
         </p:txBody>
       </p:sp>
